--- a/Page Object Model.pptx
+++ b/Page Object Model.pptx
@@ -2,12 +2,16 @@
 <file path=ppt/presentation.xml><?xml version="1.0" encoding="utf-8"?>
 <p:presentation xmlns:a="http://schemas.openxmlformats.org/drawingml/2006/main" xmlns:r="http://schemas.openxmlformats.org/officeDocument/2006/relationships" xmlns:p="http://schemas.openxmlformats.org/presentationml/2006/main" saveSubsetFonts="1">
   <p:sldMasterIdLst>
-    <p:sldMasterId id="2147483816" r:id="rId1"/>
+    <p:sldMasterId id="2147484176" r:id="rId1"/>
   </p:sldMasterIdLst>
   <p:sldIdLst>
     <p:sldId id="256" r:id="rId2"/>
     <p:sldId id="257" r:id="rId3"/>
     <p:sldId id="258" r:id="rId4"/>
+    <p:sldId id="259" r:id="rId5"/>
+    <p:sldId id="260" r:id="rId6"/>
+    <p:sldId id="261" r:id="rId7"/>
+    <p:sldId id="263" r:id="rId8"/>
   </p:sldIdLst>
   <p:sldSz cx="9144000" cy="6858000" type="screen4x3"/>
   <p:notesSz cx="6858000" cy="9144000"/>
@@ -138,22 +142,17 @@
         </p:nvSpPr>
         <p:spPr>
           <a:xfrm>
-            <a:off x="685800" y="1905000"/>
-            <a:ext cx="7543800" cy="2593975"/>
+            <a:off x="685800" y="1371600"/>
+            <a:ext cx="7848600" cy="1927225"/>
           </a:xfrm>
         </p:spPr>
         <p:txBody>
-          <a:bodyPr anchor="b"/>
+          <a:bodyPr anchor="b">
+            <a:noAutofit/>
+          </a:bodyPr>
           <a:lstStyle>
             <a:lvl1pPr>
-              <a:defRPr sz="6600">
-                <a:ln>
-                  <a:noFill/>
-                </a:ln>
-                <a:solidFill>
-                  <a:schemeClr val="tx2"/>
-                </a:solidFill>
-              </a:defRPr>
+              <a:defRPr sz="5400" cap="all" baseline="0"/>
             </a:lvl1pPr>
           </a:lstStyle>
           <a:p>
@@ -177,21 +176,20 @@
         </p:nvSpPr>
         <p:spPr>
           <a:xfrm>
-            <a:off x="685800" y="4572000"/>
-            <a:ext cx="6461760" cy="1066800"/>
+            <a:off x="685800" y="3505200"/>
+            <a:ext cx="6400800" cy="1752600"/>
           </a:xfrm>
         </p:spPr>
         <p:txBody>
-          <a:bodyPr anchor="t">
-            <a:normAutofit/>
-          </a:bodyPr>
+          <a:bodyPr/>
           <a:lstStyle>
             <a:lvl1pPr marL="0" indent="0" algn="l">
               <a:buNone/>
-              <a:defRPr sz="2000">
+              <a:defRPr>
                 <a:solidFill>
                   <a:schemeClr val="tx1">
-                    <a:tint val="75000"/>
+                    <a:lumMod val="75000"/>
+                    <a:lumOff val="25000"/>
                   </a:schemeClr>
                 </a:solidFill>
               </a:defRPr>
@@ -303,7 +301,7 @@
           <a:p>
             <a:fld id="{0ACE9716-E01B-4736-930C-3ABDFD8D78A9}" type="datetimeFigureOut">
               <a:rPr lang="en-US" smtClean="0"/>
-              <a:t>7/2/2017</a:t>
+              <a:t>7/9/2017</a:t>
             </a:fld>
             <a:endParaRPr lang="en-US"/>
           </a:p>
@@ -351,6 +349,41 @@
           </a:p>
         </p:txBody>
       </p:sp>
+      <p:cxnSp>
+        <p:nvCxnSpPr>
+          <p:cNvPr id="8" name="Straight Connector 7"/>
+          <p:cNvCxnSpPr/>
+          <p:nvPr/>
+        </p:nvCxnSpPr>
+        <p:spPr>
+          <a:xfrm>
+            <a:off x="685800" y="3398520"/>
+            <a:ext cx="7848600" cy="1588"/>
+          </a:xfrm>
+          <a:prstGeom prst="line">
+            <a:avLst/>
+          </a:prstGeom>
+          <a:ln w="19050">
+            <a:solidFill>
+              <a:schemeClr val="tx2"/>
+            </a:solidFill>
+          </a:ln>
+        </p:spPr>
+        <p:style>
+          <a:lnRef idx="1">
+            <a:schemeClr val="accent1"/>
+          </a:lnRef>
+          <a:fillRef idx="0">
+            <a:schemeClr val="accent1"/>
+          </a:fillRef>
+          <a:effectRef idx="0">
+            <a:schemeClr val="accent1"/>
+          </a:effectRef>
+          <a:fontRef idx="minor">
+            <a:schemeClr val="tx1"/>
+          </a:fontRef>
+        </p:style>
+      </p:cxnSp>
     </p:spTree>
   </p:cSld>
   <p:clrMapOvr>
@@ -468,7 +501,7 @@
           <a:p>
             <a:fld id="{0ACE9716-E01B-4736-930C-3ABDFD8D78A9}" type="datetimeFigureOut">
               <a:rPr lang="en-US" smtClean="0"/>
-              <a:t>7/2/2017</a:t>
+              <a:t>7/9/2017</a:t>
             </a:fld>
             <a:endParaRPr lang="en-US"/>
           </a:p>
@@ -553,12 +586,12 @@
         </p:nvSpPr>
         <p:spPr>
           <a:xfrm>
-            <a:off x="6629400" y="274638"/>
-            <a:ext cx="1752600" cy="5851525"/>
+            <a:off x="6629400" y="609600"/>
+            <a:ext cx="2057400" cy="5867400"/>
           </a:xfrm>
         </p:spPr>
         <p:txBody>
-          <a:bodyPr vert="eaVert" anchor="b" anchorCtr="0"/>
+          <a:bodyPr vert="eaVert" anchor="b"/>
           <a:lstStyle/>
           <a:p>
             <a:r>
@@ -581,8 +614,8 @@
         </p:nvSpPr>
         <p:spPr>
           <a:xfrm>
-            <a:off x="457200" y="274638"/>
-            <a:ext cx="6019800" cy="5851525"/>
+            <a:off x="457200" y="609600"/>
+            <a:ext cx="6019800" cy="5867400"/>
           </a:xfrm>
         </p:spPr>
         <p:txBody>
@@ -622,7 +655,7 @@
               <a:rPr lang="en-US" smtClean="0"/>
               <a:t>Fifth level</a:t>
             </a:r>
-            <a:endParaRPr lang="en-US"/>
+            <a:endParaRPr lang="en-US" dirty="0"/>
           </a:p>
         </p:txBody>
       </p:sp>
@@ -643,7 +676,7 @@
           <a:p>
             <a:fld id="{0ACE9716-E01B-4736-930C-3ABDFD8D78A9}" type="datetimeFigureOut">
               <a:rPr lang="en-US" smtClean="0"/>
-              <a:t>7/2/2017</a:t>
+              <a:t>7/9/2017</a:t>
             </a:fld>
             <a:endParaRPr lang="en-US"/>
           </a:p>
@@ -808,7 +841,7 @@
           <a:p>
             <a:fld id="{0ACE9716-E01B-4736-930C-3ABDFD8D78A9}" type="datetimeFigureOut">
               <a:rPr lang="en-US" smtClean="0"/>
-              <a:t>7/2/2017</a:t>
+              <a:t>7/9/2017</a:t>
             </a:fld>
             <a:endParaRPr lang="en-US"/>
           </a:p>
@@ -867,6 +900,11 @@
 <file path=ppt/slideLayouts/slideLayout3.xml><?xml version="1.0" encoding="utf-8"?>
 <p:sldLayout xmlns:a="http://schemas.openxmlformats.org/drawingml/2006/main" xmlns:r="http://schemas.openxmlformats.org/officeDocument/2006/relationships" xmlns:p="http://schemas.openxmlformats.org/presentationml/2006/main" type="secHead" preserve="1">
   <p:cSld name="Section Header">
+    <p:bg>
+      <p:bgRef idx="1001">
+        <a:schemeClr val="bg2"/>
+      </p:bgRef>
+    </p:bg>
     <p:spTree>
       <p:nvGrpSpPr>
         <p:cNvPr id="1" name=""/>
@@ -893,15 +931,17 @@
         </p:nvSpPr>
         <p:spPr>
           <a:xfrm>
-            <a:off x="722313" y="5486400"/>
-            <a:ext cx="7659687" cy="1168400"/>
+            <a:off x="722313" y="2362200"/>
+            <a:ext cx="7772400" cy="2200275"/>
           </a:xfrm>
         </p:spPr>
         <p:txBody>
-          <a:bodyPr anchor="t"/>
+          <a:bodyPr anchor="b">
+            <a:normAutofit/>
+          </a:bodyPr>
           <a:lstStyle>
             <a:lvl1pPr algn="l">
-              <a:defRPr sz="3600" b="0" cap="all"/>
+              <a:defRPr sz="4800" b="0" cap="all"/>
             </a:lvl1pPr>
           </a:lstStyle>
           <a:p>
@@ -925,20 +965,20 @@
         </p:nvSpPr>
         <p:spPr>
           <a:xfrm>
-            <a:off x="722313" y="3852863"/>
-            <a:ext cx="6135687" cy="1633538"/>
+            <a:off x="722313" y="4626864"/>
+            <a:ext cx="7772400" cy="1500187"/>
           </a:xfrm>
         </p:spPr>
         <p:txBody>
-          <a:bodyPr anchor="b"/>
+          <a:bodyPr anchor="t">
+            <a:normAutofit/>
+          </a:bodyPr>
           <a:lstStyle>
             <a:lvl1pPr marL="0" indent="0">
               <a:buNone/>
-              <a:defRPr sz="2000">
+              <a:defRPr sz="2400">
                 <a:solidFill>
-                  <a:schemeClr val="tx1">
-                    <a:tint val="75000"/>
-                  </a:schemeClr>
+                  <a:schemeClr val="tx2"/>
                 </a:solidFill>
               </a:defRPr>
             </a:lvl1pPr>
@@ -1049,7 +1089,7 @@
           <a:p>
             <a:fld id="{0ACE9716-E01B-4736-930C-3ABDFD8D78A9}" type="datetimeFigureOut">
               <a:rPr lang="en-US" smtClean="0"/>
-              <a:t>7/2/2017</a:t>
+              <a:t>7/9/2017</a:t>
             </a:fld>
             <a:endParaRPr lang="en-US"/>
           </a:p>
@@ -1097,10 +1137,45 @@
           </a:p>
         </p:txBody>
       </p:sp>
+      <p:cxnSp>
+        <p:nvCxnSpPr>
+          <p:cNvPr id="7" name="Straight Connector 6"/>
+          <p:cNvCxnSpPr/>
+          <p:nvPr/>
+        </p:nvCxnSpPr>
+        <p:spPr>
+          <a:xfrm>
+            <a:off x="731520" y="4599432"/>
+            <a:ext cx="7848600" cy="1588"/>
+          </a:xfrm>
+          <a:prstGeom prst="line">
+            <a:avLst/>
+          </a:prstGeom>
+          <a:ln w="19050">
+            <a:solidFill>
+              <a:schemeClr val="tx2"/>
+            </a:solidFill>
+          </a:ln>
+        </p:spPr>
+        <p:style>
+          <a:lnRef idx="1">
+            <a:schemeClr val="accent1"/>
+          </a:lnRef>
+          <a:fillRef idx="0">
+            <a:schemeClr val="accent1"/>
+          </a:fillRef>
+          <a:effectRef idx="0">
+            <a:schemeClr val="accent1"/>
+          </a:effectRef>
+          <a:fontRef idx="minor">
+            <a:schemeClr val="tx1"/>
+          </a:fontRef>
+        </p:style>
+      </p:cxnSp>
     </p:spTree>
   </p:cSld>
   <p:clrMapOvr>
-    <a:masterClrMapping/>
+    <a:overrideClrMapping bg1="dk1" tx1="lt1" bg2="dk2" tx2="lt2" accent1="accent1" accent2="accent2" accent3="accent3" accent4="accent4" accent5="accent5" accent6="accent6" hlink="hlink" folHlink="folHlink"/>
   </p:clrMapOvr>
 </p:sldLayout>
 </file>
@@ -1157,8 +1232,8 @@
         </p:nvSpPr>
         <p:spPr>
           <a:xfrm>
-            <a:off x="457200" y="1536192"/>
-            <a:ext cx="3657600" cy="4590288"/>
+            <a:off x="457200" y="1673352"/>
+            <a:ext cx="4038600" cy="4718304"/>
           </a:xfrm>
         </p:spPr>
         <p:txBody>
@@ -1242,8 +1317,8 @@
         </p:nvSpPr>
         <p:spPr>
           <a:xfrm>
-            <a:off x="4419600" y="1536192"/>
-            <a:ext cx="3657600" cy="4590288"/>
+            <a:off x="4648200" y="1673352"/>
+            <a:ext cx="4038600" cy="4718304"/>
           </a:xfrm>
         </p:spPr>
         <p:txBody>
@@ -1332,7 +1407,7 @@
           <a:p>
             <a:fld id="{0ACE9716-E01B-4736-930C-3ABDFD8D78A9}" type="datetimeFigureOut">
               <a:rPr lang="en-US" smtClean="0"/>
-              <a:t>7/2/2017</a:t>
+              <a:t>7/9/2017</a:t>
             </a:fld>
             <a:endParaRPr lang="en-US"/>
           </a:p>
@@ -1428,7 +1503,7 @@
               <a:rPr lang="en-US" smtClean="0"/>
               <a:t>Click to edit Master title style</a:t>
             </a:r>
-            <a:endParaRPr lang="en-US"/>
+            <a:endParaRPr lang="en-US" dirty="0"/>
           </a:p>
         </p:txBody>
       </p:sp>
@@ -1444,18 +1519,35 @@
         </p:nvSpPr>
         <p:spPr>
           <a:xfrm>
-            <a:off x="457200" y="1535113"/>
-            <a:ext cx="3657600" cy="639762"/>
+            <a:off x="457200" y="1676400"/>
+            <a:ext cx="3931920" cy="639762"/>
           </a:xfrm>
+          <a:noFill/>
+          <a:ln>
+            <a:noFill/>
+          </a:ln>
+          <a:effectLst/>
         </p:spPr>
-        <p:txBody>
-          <a:bodyPr anchor="b">
-            <a:noAutofit/>
+        <p:style>
+          <a:lnRef idx="3">
+            <a:schemeClr val="lt1"/>
+          </a:lnRef>
+          <a:fillRef idx="1">
+            <a:schemeClr val="accent2"/>
+          </a:fillRef>
+          <a:effectRef idx="1">
+            <a:schemeClr val="accent2"/>
+          </a:effectRef>
+          <a:fontRef idx="none"/>
+        </p:style>
+        <p:txBody>
+          <a:bodyPr anchor="ctr">
+            <a:normAutofit/>
           </a:bodyPr>
           <a:lstStyle>
             <a:lvl1pPr marL="0" indent="0" algn="ctr">
               <a:buNone/>
-              <a:defRPr sz="2000" b="1">
+              <a:defRPr sz="2000" b="0">
                 <a:solidFill>
                   <a:schemeClr val="tx2"/>
                 </a:solidFill>
@@ -1515,8 +1607,8 @@
         </p:nvSpPr>
         <p:spPr>
           <a:xfrm>
-            <a:off x="457200" y="2174875"/>
-            <a:ext cx="3657600" cy="3951288"/>
+            <a:off x="457200" y="2438400"/>
+            <a:ext cx="3931920" cy="3951288"/>
           </a:xfrm>
         </p:spPr>
         <p:txBody>
@@ -1600,21 +1692,41 @@
         </p:nvSpPr>
         <p:spPr>
           <a:xfrm>
-            <a:off x="4419600" y="1535113"/>
-            <a:ext cx="3657600" cy="639762"/>
+            <a:off x="4754880" y="1676400"/>
+            <a:ext cx="3931920" cy="639762"/>
           </a:xfrm>
+          <a:noFill/>
+          <a:ln>
+            <a:noFill/>
+          </a:ln>
+          <a:effectLst/>
         </p:spPr>
-        <p:txBody>
-          <a:bodyPr anchor="b">
-            <a:noAutofit/>
+        <p:style>
+          <a:lnRef idx="3">
+            <a:schemeClr val="lt1"/>
+          </a:lnRef>
+          <a:fillRef idx="1">
+            <a:schemeClr val="accent2"/>
+          </a:fillRef>
+          <a:effectRef idx="1">
+            <a:schemeClr val="accent2"/>
+          </a:effectRef>
+          <a:fontRef idx="none"/>
+        </p:style>
+        <p:txBody>
+          <a:bodyPr anchor="ctr">
+            <a:normAutofit/>
           </a:bodyPr>
           <a:lstStyle>
             <a:lvl1pPr marL="0" indent="0" algn="ctr">
               <a:buNone/>
-              <a:defRPr sz="2000" b="1">
+              <a:defRPr lang="en-US" sz="2000" b="0" kern="1200" dirty="0" smtClean="0">
                 <a:solidFill>
                   <a:schemeClr val="tx2"/>
                 </a:solidFill>
+                <a:latin typeface="+mn-lt"/>
+                <a:ea typeface="+mn-ea"/>
+                <a:cs typeface="+mn-cs"/>
               </a:defRPr>
             </a:lvl1pPr>
             <a:lvl2pPr marL="457200" indent="0">
@@ -1671,8 +1783,8 @@
         </p:nvSpPr>
         <p:spPr>
           <a:xfrm>
-            <a:off x="4419600" y="2174875"/>
-            <a:ext cx="3657600" cy="3951288"/>
+            <a:off x="4754880" y="2438400"/>
+            <a:ext cx="3931920" cy="3951288"/>
           </a:xfrm>
         </p:spPr>
         <p:txBody>
@@ -1740,7 +1852,7 @@
               <a:rPr lang="en-US" smtClean="0"/>
               <a:t>Fifth level</a:t>
             </a:r>
-            <a:endParaRPr lang="en-US"/>
+            <a:endParaRPr lang="en-US" dirty="0"/>
           </a:p>
         </p:txBody>
       </p:sp>
@@ -1761,7 +1873,7 @@
           <a:p>
             <a:fld id="{0ACE9716-E01B-4736-930C-3ABDFD8D78A9}" type="datetimeFigureOut">
               <a:rPr lang="en-US" smtClean="0"/>
-              <a:t>7/2/2017</a:t>
+              <a:t>7/9/2017</a:t>
             </a:fld>
             <a:endParaRPr lang="en-US"/>
           </a:p>
@@ -1809,6 +1921,41 @@
           </a:p>
         </p:txBody>
       </p:sp>
+      <p:cxnSp>
+        <p:nvCxnSpPr>
+          <p:cNvPr id="11" name="Straight Connector 10"/>
+          <p:cNvCxnSpPr/>
+          <p:nvPr/>
+        </p:nvCxnSpPr>
+        <p:spPr>
+          <a:xfrm rot="5400000">
+            <a:off x="2217817" y="4045823"/>
+            <a:ext cx="4709160" cy="794"/>
+          </a:xfrm>
+          <a:prstGeom prst="line">
+            <a:avLst/>
+          </a:prstGeom>
+          <a:ln w="19050">
+            <a:solidFill>
+              <a:schemeClr val="tx2"/>
+            </a:solidFill>
+          </a:ln>
+        </p:spPr>
+        <p:style>
+          <a:lnRef idx="1">
+            <a:schemeClr val="accent1"/>
+          </a:lnRef>
+          <a:fillRef idx="0">
+            <a:schemeClr val="accent1"/>
+          </a:fillRef>
+          <a:effectRef idx="0">
+            <a:schemeClr val="accent1"/>
+          </a:effectRef>
+          <a:fontRef idx="minor">
+            <a:schemeClr val="tx1"/>
+          </a:fontRef>
+        </p:style>
+      </p:cxnSp>
     </p:spTree>
   </p:cSld>
   <p:clrMapOvr>
@@ -1874,7 +2021,7 @@
           <a:p>
             <a:fld id="{0ACE9716-E01B-4736-930C-3ABDFD8D78A9}" type="datetimeFigureOut">
               <a:rPr lang="en-US" smtClean="0"/>
-              <a:t>7/2/2017</a:t>
+              <a:t>7/9/2017</a:t>
             </a:fld>
             <a:endParaRPr lang="en-US"/>
           </a:p>
@@ -1964,7 +2111,7 @@
           <a:p>
             <a:fld id="{0ACE9716-E01B-4736-930C-3ABDFD8D78A9}" type="datetimeFigureOut">
               <a:rPr lang="en-US" smtClean="0"/>
-              <a:t>7/2/2017</a:t>
+              <a:t>7/9/2017</a:t>
             </a:fld>
             <a:endParaRPr lang="en-US"/>
           </a:p>
@@ -2049,15 +2196,17 @@
         </p:nvSpPr>
         <p:spPr>
           <a:xfrm>
-            <a:off x="304801" y="5495544"/>
-            <a:ext cx="7772400" cy="594360"/>
+            <a:off x="457200" y="792080"/>
+            <a:ext cx="2139696" cy="1261872"/>
           </a:xfrm>
         </p:spPr>
         <p:txBody>
-          <a:bodyPr anchor="b"/>
+          <a:bodyPr anchor="b">
+            <a:noAutofit/>
+          </a:bodyPr>
           <a:lstStyle>
-            <a:lvl1pPr algn="ctr">
-              <a:defRPr sz="2200" b="1"/>
+            <a:lvl1pPr algn="l">
+              <a:defRPr sz="2400" b="0"/>
             </a:lvl1pPr>
           </a:lstStyle>
           <a:p>
@@ -2071,28 +2220,111 @@
       </p:sp>
       <p:sp>
         <p:nvSpPr>
-          <p:cNvPr id="4" name="Text Placeholder 3"/>
-          <p:cNvSpPr>
-            <a:spLocks noGrp="1"/>
-          </p:cNvSpPr>
-          <p:nvPr>
-            <p:ph type="body" sz="half" idx="2"/>
+          <p:cNvPr id="3" name="Content Placeholder 2"/>
+          <p:cNvSpPr>
+            <a:spLocks noGrp="1"/>
+          </p:cNvSpPr>
+          <p:nvPr>
+            <p:ph idx="1"/>
           </p:nvPr>
         </p:nvSpPr>
         <p:spPr>
           <a:xfrm>
-            <a:off x="304799" y="6096000"/>
-            <a:ext cx="7772401" cy="609600"/>
+            <a:off x="2971800" y="792080"/>
+            <a:ext cx="5715000" cy="5577840"/>
           </a:xfrm>
         </p:spPr>
         <p:txBody>
-          <a:bodyPr>
-            <a:normAutofit/>
-          </a:bodyPr>
+          <a:bodyPr/>
           <a:lstStyle>
-            <a:lvl1pPr marL="0" indent="0" algn="ctr">
+            <a:lvl1pPr>
+              <a:defRPr sz="3200"/>
+            </a:lvl1pPr>
+            <a:lvl2pPr>
+              <a:defRPr sz="2800"/>
+            </a:lvl2pPr>
+            <a:lvl3pPr>
+              <a:defRPr sz="2400"/>
+            </a:lvl3pPr>
+            <a:lvl4pPr>
+              <a:defRPr sz="2000"/>
+            </a:lvl4pPr>
+            <a:lvl5pPr>
+              <a:defRPr sz="2000"/>
+            </a:lvl5pPr>
+            <a:lvl6pPr>
+              <a:defRPr sz="2000"/>
+            </a:lvl6pPr>
+            <a:lvl7pPr>
+              <a:defRPr sz="2000"/>
+            </a:lvl7pPr>
+            <a:lvl8pPr>
+              <a:defRPr sz="2000"/>
+            </a:lvl8pPr>
+            <a:lvl9pPr>
+              <a:defRPr sz="2000"/>
+            </a:lvl9pPr>
+          </a:lstStyle>
+          <a:p>
+            <a:pPr lvl="0"/>
+            <a:r>
+              <a:rPr lang="en-US" smtClean="0"/>
+              <a:t>Click to edit Master text styles</a:t>
+            </a:r>
+          </a:p>
+          <a:p>
+            <a:pPr lvl="1"/>
+            <a:r>
+              <a:rPr lang="en-US" smtClean="0"/>
+              <a:t>Second level</a:t>
+            </a:r>
+          </a:p>
+          <a:p>
+            <a:pPr lvl="2"/>
+            <a:r>
+              <a:rPr lang="en-US" smtClean="0"/>
+              <a:t>Third level</a:t>
+            </a:r>
+          </a:p>
+          <a:p>
+            <a:pPr lvl="3"/>
+            <a:r>
+              <a:rPr lang="en-US" smtClean="0"/>
+              <a:t>Fourth level</a:t>
+            </a:r>
+          </a:p>
+          <a:p>
+            <a:pPr lvl="4"/>
+            <a:r>
+              <a:rPr lang="en-US" smtClean="0"/>
+              <a:t>Fifth level</a:t>
+            </a:r>
+            <a:endParaRPr lang="en-US" dirty="0"/>
+          </a:p>
+        </p:txBody>
+      </p:sp>
+      <p:sp>
+        <p:nvSpPr>
+          <p:cNvPr id="4" name="Text Placeholder 3"/>
+          <p:cNvSpPr>
+            <a:spLocks noGrp="1"/>
+          </p:cNvSpPr>
+          <p:nvPr>
+            <p:ph type="body" sz="half" idx="2"/>
+          </p:nvPr>
+        </p:nvSpPr>
+        <p:spPr>
+          <a:xfrm>
+            <a:off x="457201" y="2130552"/>
+            <a:ext cx="2139696" cy="4243615"/>
+          </a:xfrm>
+        </p:spPr>
+        <p:txBody>
+          <a:bodyPr/>
+          <a:lstStyle>
+            <a:lvl1pPr marL="0" indent="0">
               <a:buNone/>
-              <a:defRPr sz="1600"/>
+              <a:defRPr sz="1400"/>
             </a:lvl1pPr>
             <a:lvl2pPr marL="457200" indent="0">
               <a:buNone/>
@@ -2153,7 +2385,7 @@
           <a:p>
             <a:fld id="{0ACE9716-E01B-4736-930C-3ABDFD8D78A9}" type="datetimeFigureOut">
               <a:rPr lang="en-US" smtClean="0"/>
-              <a:t>7/2/2017</a:t>
+              <a:t>7/9/2017</a:t>
             </a:fld>
             <a:endParaRPr lang="en-US"/>
           </a:p>
@@ -2201,63 +2433,41 @@
           </a:p>
         </p:txBody>
       </p:sp>
-      <p:sp>
-        <p:nvSpPr>
-          <p:cNvPr id="9" name="Content Placeholder 8"/>
-          <p:cNvSpPr>
-            <a:spLocks noGrp="1"/>
-          </p:cNvSpPr>
-          <p:nvPr>
-            <p:ph sz="quarter" idx="13"/>
-          </p:nvPr>
-        </p:nvSpPr>
+      <p:cxnSp>
+        <p:nvCxnSpPr>
+          <p:cNvPr id="9" name="Straight Connector 8"/>
+          <p:cNvCxnSpPr/>
+          <p:nvPr/>
+        </p:nvCxnSpPr>
         <p:spPr>
-          <a:xfrm>
-            <a:off x="304800" y="381000"/>
-            <a:ext cx="7772400" cy="4942840"/>
+          <a:xfrm rot="5400000">
+            <a:off x="-13116" y="3580206"/>
+            <a:ext cx="5577840" cy="1588"/>
           </a:xfrm>
+          <a:prstGeom prst="line">
+            <a:avLst/>
+          </a:prstGeom>
+          <a:ln w="19050">
+            <a:solidFill>
+              <a:schemeClr val="tx2"/>
+            </a:solidFill>
+          </a:ln>
         </p:spPr>
-        <p:txBody>
-          <a:bodyPr/>
-          <a:lstStyle/>
-          <a:p>
-            <a:pPr lvl="0"/>
-            <a:r>
-              <a:rPr lang="en-US" smtClean="0"/>
-              <a:t>Click to edit Master text styles</a:t>
-            </a:r>
-          </a:p>
-          <a:p>
-            <a:pPr lvl="1"/>
-            <a:r>
-              <a:rPr lang="en-US" smtClean="0"/>
-              <a:t>Second level</a:t>
-            </a:r>
-          </a:p>
-          <a:p>
-            <a:pPr lvl="2"/>
-            <a:r>
-              <a:rPr lang="en-US" smtClean="0"/>
-              <a:t>Third level</a:t>
-            </a:r>
-          </a:p>
-          <a:p>
-            <a:pPr lvl="3"/>
-            <a:r>
-              <a:rPr lang="en-US" smtClean="0"/>
-              <a:t>Fourth level</a:t>
-            </a:r>
-          </a:p>
-          <a:p>
-            <a:pPr lvl="4"/>
-            <a:r>
-              <a:rPr lang="en-US" smtClean="0"/>
-              <a:t>Fifth level</a:t>
-            </a:r>
-            <a:endParaRPr lang="en-US"/>
-          </a:p>
-        </p:txBody>
-      </p:sp>
+        <p:style>
+          <a:lnRef idx="1">
+            <a:schemeClr val="accent1"/>
+          </a:lnRef>
+          <a:fillRef idx="0">
+            <a:schemeClr val="accent1"/>
+          </a:fillRef>
+          <a:effectRef idx="0">
+            <a:schemeClr val="accent1"/>
+          </a:effectRef>
+          <a:fontRef idx="minor">
+            <a:schemeClr val="tx1"/>
+          </a:fontRef>
+        </p:style>
+      </p:cxnSp>
     </p:spTree>
   </p:cSld>
   <p:clrMapOvr>
@@ -2295,22 +2505,17 @@
         </p:nvSpPr>
         <p:spPr>
           <a:xfrm>
-            <a:off x="301752" y="5495278"/>
-            <a:ext cx="7772400" cy="594626"/>
+            <a:off x="457200" y="792480"/>
+            <a:ext cx="2142680" cy="1264920"/>
           </a:xfrm>
         </p:spPr>
         <p:txBody>
-          <a:bodyPr anchor="b"/>
+          <a:bodyPr anchor="b">
+            <a:normAutofit/>
+          </a:bodyPr>
           <a:lstStyle>
-            <a:lvl1pPr algn="ctr">
-              <a:defRPr sz="2200" b="1">
-                <a:ln>
-                  <a:noFill/>
-                </a:ln>
-                <a:solidFill>
-                  <a:schemeClr val="tx2"/>
-                </a:solidFill>
-              </a:defRPr>
+            <a:lvl1pPr algn="l">
+              <a:defRPr sz="2400" b="0"/>
             </a:lvl1pPr>
           </a:lstStyle>
           <a:p>
@@ -2334,9 +2539,25 @@
         </p:nvSpPr>
         <p:spPr>
           <a:xfrm>
-            <a:off x="0" y="0"/>
-            <a:ext cx="8458200" cy="5486400"/>
+            <a:off x="2858610" y="838201"/>
+            <a:ext cx="5904390" cy="5500456"/>
           </a:xfrm>
+          <a:solidFill>
+            <a:schemeClr val="bg2"/>
+          </a:solidFill>
+          <a:ln w="76200">
+            <a:solidFill>
+              <a:srgbClr val="FFFFFF"/>
+            </a:solidFill>
+            <a:miter lim="800000"/>
+          </a:ln>
+          <a:effectLst>
+            <a:outerShdw blurRad="50800" dist="12700" dir="5400000" algn="t" rotWithShape="0">
+              <a:prstClr val="black">
+                <a:alpha val="59000"/>
+              </a:prstClr>
+            </a:outerShdw>
+          </a:effectLst>
         </p:spPr>
         <p:txBody>
           <a:bodyPr/>
@@ -2399,18 +2620,16 @@
         </p:nvSpPr>
         <p:spPr>
           <a:xfrm>
-            <a:off x="301752" y="6096000"/>
-            <a:ext cx="7772400" cy="612648"/>
+            <a:off x="457200" y="2133600"/>
+            <a:ext cx="2139696" cy="4242816"/>
           </a:xfrm>
         </p:spPr>
         <p:txBody>
-          <a:bodyPr>
-            <a:normAutofit/>
-          </a:bodyPr>
+          <a:bodyPr/>
           <a:lstStyle>
-            <a:lvl1pPr marL="0" indent="0" algn="ctr">
+            <a:lvl1pPr marL="0" indent="0">
               <a:buNone/>
-              <a:defRPr sz="1600"/>
+              <a:defRPr sz="1400"/>
             </a:lvl1pPr>
             <a:lvl2pPr marL="457200" indent="0">
               <a:buNone/>
@@ -2456,7 +2675,7 @@
       </p:sp>
       <p:sp>
         <p:nvSpPr>
-          <p:cNvPr id="8" name="Date Placeholder 7"/>
+          <p:cNvPr id="5" name="Date Placeholder 4"/>
           <p:cNvSpPr>
             <a:spLocks noGrp="1"/>
           </p:cNvSpPr>
@@ -2471,7 +2690,7 @@
           <a:p>
             <a:fld id="{0ACE9716-E01B-4736-930C-3ABDFD8D78A9}" type="datetimeFigureOut">
               <a:rPr lang="en-US" smtClean="0"/>
-              <a:t>7/2/2017</a:t>
+              <a:t>7/9/2017</a:t>
             </a:fld>
             <a:endParaRPr lang="en-US"/>
           </a:p>
@@ -2479,12 +2698,12 @@
       </p:sp>
       <p:sp>
         <p:nvSpPr>
-          <p:cNvPr id="9" name="Slide Number Placeholder 8"/>
-          <p:cNvSpPr>
-            <a:spLocks noGrp="1"/>
-          </p:cNvSpPr>
-          <p:nvPr>
-            <p:ph type="sldNum" sz="quarter" idx="11"/>
+          <p:cNvPr id="6" name="Footer Placeholder 5"/>
+          <p:cNvSpPr>
+            <a:spLocks noGrp="1"/>
+          </p:cNvSpPr>
+          <p:nvPr>
+            <p:ph type="ftr" sz="quarter" idx="11"/>
           </p:nvPr>
         </p:nvSpPr>
         <p:spPr/>
@@ -2492,29 +2711,29 @@
           <a:bodyPr/>
           <a:lstStyle/>
           <a:p>
+            <a:endParaRPr lang="en-US"/>
+          </a:p>
+        </p:txBody>
+      </p:sp>
+      <p:sp>
+        <p:nvSpPr>
+          <p:cNvPr id="7" name="Slide Number Placeholder 6"/>
+          <p:cNvSpPr>
+            <a:spLocks noGrp="1"/>
+          </p:cNvSpPr>
+          <p:nvPr>
+            <p:ph type="sldNum" sz="quarter" idx="12"/>
+          </p:nvPr>
+        </p:nvSpPr>
+        <p:spPr/>
+        <p:txBody>
+          <a:bodyPr/>
+          <a:lstStyle/>
+          <a:p>
             <a:fld id="{E01B6F18-061B-4B6E-9098-0E76372451ED}" type="slidenum">
               <a:rPr lang="en-US" smtClean="0"/>
               <a:t>‹#›</a:t>
             </a:fld>
-            <a:endParaRPr lang="en-US"/>
-          </a:p>
-        </p:txBody>
-      </p:sp>
-      <p:sp>
-        <p:nvSpPr>
-          <p:cNvPr id="10" name="Footer Placeholder 9"/>
-          <p:cNvSpPr>
-            <a:spLocks noGrp="1"/>
-          </p:cNvSpPr>
-          <p:nvPr>
-            <p:ph type="ftr" sz="quarter" idx="12"/>
-          </p:nvPr>
-        </p:nvSpPr>
-        <p:spPr/>
-        <p:txBody>
-          <a:bodyPr/>
-          <a:lstStyle/>
-          <a:p>
             <a:endParaRPr lang="en-US"/>
           </a:p>
         </p:txBody>
@@ -2531,7 +2750,7 @@
 <p:sldMaster xmlns:a="http://schemas.openxmlformats.org/drawingml/2006/main" xmlns:r="http://schemas.openxmlformats.org/officeDocument/2006/relationships" xmlns:p="http://schemas.openxmlformats.org/presentationml/2006/main">
   <p:cSld>
     <p:bg>
-      <p:bgRef idx="1002">
+      <p:bgRef idx="1001">
         <a:schemeClr val="bg1"/>
       </p:bgRef>
     </p:bg>
@@ -2551,115 +2770,20 @@
       </p:grpSpPr>
       <p:sp>
         <p:nvSpPr>
-          <p:cNvPr id="2" name="Title Placeholder 1"/>
-          <p:cNvSpPr>
-            <a:spLocks noGrp="1"/>
-          </p:cNvSpPr>
-          <p:nvPr>
-            <p:ph type="title"/>
-          </p:nvPr>
+          <p:cNvPr id="10" name="Rectangle 9"/>
+          <p:cNvSpPr/>
+          <p:nvPr/>
         </p:nvSpPr>
         <p:spPr>
           <a:xfrm>
-            <a:off x="457200" y="274638"/>
-            <a:ext cx="7620000" cy="1143000"/>
-          </a:xfrm>
-          <a:prstGeom prst="rect">
-            <a:avLst/>
-          </a:prstGeom>
-        </p:spPr>
-        <p:txBody>
-          <a:bodyPr vert="horz" lIns="91440" tIns="45720" rIns="91440" bIns="45720" rtlCol="0" anchor="ctr">
-            <a:noAutofit/>
-          </a:bodyPr>
-          <a:lstStyle/>
-          <a:p>
-            <a:r>
-              <a:rPr lang="en-US" smtClean="0"/>
-              <a:t>Click to edit Master title style</a:t>
-            </a:r>
-            <a:endParaRPr lang="en-US" dirty="0"/>
-          </a:p>
-        </p:txBody>
-      </p:sp>
-      <p:sp>
-        <p:nvSpPr>
-          <p:cNvPr id="3" name="Text Placeholder 2"/>
-          <p:cNvSpPr>
-            <a:spLocks noGrp="1"/>
-          </p:cNvSpPr>
-          <p:nvPr>
-            <p:ph type="body" idx="1"/>
-          </p:nvPr>
-        </p:nvSpPr>
-        <p:spPr>
-          <a:xfrm>
-            <a:off x="457200" y="1600200"/>
-            <a:ext cx="7620000" cy="4800600"/>
-          </a:xfrm>
-          <a:prstGeom prst="rect">
-            <a:avLst/>
-          </a:prstGeom>
-        </p:spPr>
-        <p:txBody>
-          <a:bodyPr vert="horz" lIns="91440" tIns="45720" rIns="91440" bIns="45720" rtlCol="0">
-            <a:normAutofit/>
-          </a:bodyPr>
-          <a:lstStyle/>
-          <a:p>
-            <a:pPr lvl="0"/>
-            <a:r>
-              <a:rPr lang="en-US" smtClean="0"/>
-              <a:t>Click to edit Master text styles</a:t>
-            </a:r>
-          </a:p>
-          <a:p>
-            <a:pPr lvl="1"/>
-            <a:r>
-              <a:rPr lang="en-US" smtClean="0"/>
-              <a:t>Second level</a:t>
-            </a:r>
-          </a:p>
-          <a:p>
-            <a:pPr lvl="2"/>
-            <a:r>
-              <a:rPr lang="en-US" smtClean="0"/>
-              <a:t>Third level</a:t>
-            </a:r>
-          </a:p>
-          <a:p>
-            <a:pPr lvl="3"/>
-            <a:r>
-              <a:rPr lang="en-US" smtClean="0"/>
-              <a:t>Fourth level</a:t>
-            </a:r>
-          </a:p>
-          <a:p>
-            <a:pPr lvl="4"/>
-            <a:r>
-              <a:rPr lang="en-US" smtClean="0"/>
-              <a:t>Fifth level</a:t>
-            </a:r>
-            <a:endParaRPr lang="en-US" dirty="0"/>
-          </a:p>
-        </p:txBody>
-      </p:sp>
-      <p:sp>
-        <p:nvSpPr>
-          <p:cNvPr id="7" name="Rectangle 6"/>
-          <p:cNvSpPr/>
-          <p:nvPr/>
-        </p:nvSpPr>
-        <p:spPr>
-          <a:xfrm>
-            <a:off x="8458200" y="0"/>
-            <a:ext cx="685800" cy="6858000"/>
+            <a:off x="0" y="220786"/>
+            <a:ext cx="9144000" cy="228600"/>
           </a:xfrm>
           <a:prstGeom prst="rect">
             <a:avLst/>
           </a:prstGeom>
           <a:solidFill>
-            <a:schemeClr val="tx2"/>
+            <a:srgbClr val="FFFFFF"/>
           </a:solidFill>
           <a:ln>
             <a:noFill/>
@@ -2692,14 +2816,109 @@
       </p:sp>
       <p:sp>
         <p:nvSpPr>
-          <p:cNvPr id="8" name="Rectangle 7"/>
+          <p:cNvPr id="2" name="Title Placeholder 1"/>
+          <p:cNvSpPr>
+            <a:spLocks noGrp="1"/>
+          </p:cNvSpPr>
+          <p:nvPr>
+            <p:ph type="title"/>
+          </p:nvPr>
+        </p:nvSpPr>
+        <p:spPr>
+          <a:xfrm>
+            <a:off x="457200" y="533400"/>
+            <a:ext cx="8229600" cy="990600"/>
+          </a:xfrm>
+          <a:prstGeom prst="rect">
+            <a:avLst/>
+          </a:prstGeom>
+        </p:spPr>
+        <p:txBody>
+          <a:bodyPr vert="horz" lIns="91440" tIns="45720" rIns="91440" bIns="45720" rtlCol="0" anchor="ctr">
+            <a:normAutofit/>
+          </a:bodyPr>
+          <a:lstStyle/>
+          <a:p>
+            <a:r>
+              <a:rPr lang="en-US" smtClean="0"/>
+              <a:t>Click to edit Master title style</a:t>
+            </a:r>
+            <a:endParaRPr lang="en-US" dirty="0"/>
+          </a:p>
+        </p:txBody>
+      </p:sp>
+      <p:sp>
+        <p:nvSpPr>
+          <p:cNvPr id="3" name="Text Placeholder 2"/>
+          <p:cNvSpPr>
+            <a:spLocks noGrp="1"/>
+          </p:cNvSpPr>
+          <p:nvPr>
+            <p:ph type="body" idx="1"/>
+          </p:nvPr>
+        </p:nvSpPr>
+        <p:spPr>
+          <a:xfrm>
+            <a:off x="457200" y="1600200"/>
+            <a:ext cx="8229600" cy="4876800"/>
+          </a:xfrm>
+          <a:prstGeom prst="rect">
+            <a:avLst/>
+          </a:prstGeom>
+        </p:spPr>
+        <p:txBody>
+          <a:bodyPr vert="horz" lIns="91440" tIns="45720" rIns="91440" bIns="45720" rtlCol="0">
+            <a:normAutofit/>
+          </a:bodyPr>
+          <a:lstStyle/>
+          <a:p>
+            <a:pPr lvl="0"/>
+            <a:r>
+              <a:rPr lang="en-US" smtClean="0"/>
+              <a:t>Click to edit Master text styles</a:t>
+            </a:r>
+          </a:p>
+          <a:p>
+            <a:pPr lvl="1"/>
+            <a:r>
+              <a:rPr lang="en-US" smtClean="0"/>
+              <a:t>Second level</a:t>
+            </a:r>
+          </a:p>
+          <a:p>
+            <a:pPr lvl="2"/>
+            <a:r>
+              <a:rPr lang="en-US" smtClean="0"/>
+              <a:t>Third level</a:t>
+            </a:r>
+          </a:p>
+          <a:p>
+            <a:pPr lvl="3"/>
+            <a:r>
+              <a:rPr lang="en-US" smtClean="0"/>
+              <a:t>Fourth level</a:t>
+            </a:r>
+          </a:p>
+          <a:p>
+            <a:pPr lvl="4"/>
+            <a:r>
+              <a:rPr lang="en-US" smtClean="0"/>
+              <a:t>Fifth level</a:t>
+            </a:r>
+            <a:endParaRPr lang="en-US" dirty="0"/>
+          </a:p>
+        </p:txBody>
+      </p:sp>
+      <p:sp>
+        <p:nvSpPr>
+          <p:cNvPr id="7" name="Rectangle 6"/>
           <p:cNvSpPr/>
           <p:nvPr/>
         </p:nvSpPr>
         <p:spPr>
           <a:xfrm>
-            <a:off x="8458200" y="5486400"/>
-            <a:ext cx="685800" cy="685800"/>
+            <a:off x="0" y="0"/>
+            <a:ext cx="9144000" cy="365760"/>
           </a:xfrm>
           <a:prstGeom prst="rect">
             <a:avLst/>
@@ -2738,35 +2957,28 @@
       </p:sp>
       <p:sp>
         <p:nvSpPr>
-          <p:cNvPr id="6" name="Slide Number Placeholder 5"/>
-          <p:cNvSpPr>
-            <a:spLocks noGrp="1"/>
-          </p:cNvSpPr>
-          <p:nvPr>
-            <p:ph type="sldNum" sz="quarter" idx="4"/>
+          <p:cNvPr id="4" name="Date Placeholder 3"/>
+          <p:cNvSpPr>
+            <a:spLocks noGrp="1"/>
+          </p:cNvSpPr>
+          <p:nvPr>
+            <p:ph type="dt" sz="half" idx="2"/>
           </p:nvPr>
         </p:nvSpPr>
         <p:spPr>
           <a:xfrm>
-            <a:off x="8531788" y="5648960"/>
-            <a:ext cx="548640" cy="396240"/>
+            <a:off x="457200" y="18288"/>
+            <a:ext cx="2895600" cy="329184"/>
           </a:xfrm>
-          <a:prstGeom prst="bracketPair">
-            <a:avLst>
-              <a:gd name="adj" fmla="val 17949"/>
-            </a:avLst>
+          <a:prstGeom prst="rect">
+            <a:avLst/>
           </a:prstGeom>
-          <a:ln w="19050">
-            <a:solidFill>
-              <a:srgbClr val="FFFFFF"/>
-            </a:solidFill>
-          </a:ln>
         </p:spPr>
         <p:txBody>
-          <a:bodyPr vert="horz" lIns="0" tIns="0" rIns="0" bIns="0" rtlCol="0" anchor="ctr"/>
+          <a:bodyPr vert="horz" lIns="91440" tIns="45720" rIns="91440" bIns="45720" rtlCol="0" anchor="ctr"/>
           <a:lstStyle>
-            <a:lvl1pPr algn="ctr">
-              <a:defRPr sz="1800">
+            <a:lvl1pPr algn="l">
+              <a:defRPr sz="1200">
                 <a:solidFill>
                   <a:srgbClr val="FFFFFF"/>
                 </a:solidFill>
@@ -2774,9 +2986,9 @@
             </a:lvl1pPr>
           </a:lstStyle>
           <a:p>
-            <a:fld id="{E01B6F18-061B-4B6E-9098-0E76372451ED}" type="slidenum">
-              <a:rPr lang="en-US" smtClean="0"/>
-              <a:t>‹#›</a:t>
+            <a:fld id="{0ACE9716-E01B-4736-930C-3ABDFD8D78A9}" type="datetimeFigureOut">
+              <a:rPr lang="en-US" smtClean="0"/>
+              <a:t>7/9/2017</a:t>
             </a:fld>
             <a:endParaRPr lang="en-US"/>
           </a:p>
@@ -2793,9 +3005,9 @@
           </p:nvPr>
         </p:nvSpPr>
         <p:spPr>
-          <a:xfrm rot="16200000">
-            <a:off x="7586910" y="4048760"/>
-            <a:ext cx="2367281" cy="365760"/>
+          <a:xfrm>
+            <a:off x="3429000" y="18288"/>
+            <a:ext cx="4114800" cy="329184"/>
           </a:xfrm>
           <a:prstGeom prst="rect">
             <a:avLst/>
@@ -2804,10 +3016,10 @@
         <p:txBody>
           <a:bodyPr vert="horz" lIns="91440" tIns="45720" rIns="91440" bIns="45720" rtlCol="0" anchor="ctr"/>
           <a:lstStyle>
-            <a:lvl1pPr algn="r">
+            <a:lvl1pPr algn="ctr">
               <a:defRPr sz="1200">
                 <a:solidFill>
-                  <a:schemeClr val="bg2"/>
+                  <a:srgbClr val="FFFFFF"/>
                 </a:solidFill>
               </a:defRPr>
             </a:lvl1pPr>
@@ -2819,18 +3031,18 @@
       </p:sp>
       <p:sp>
         <p:nvSpPr>
-          <p:cNvPr id="4" name="Date Placeholder 3"/>
-          <p:cNvSpPr>
-            <a:spLocks noGrp="1"/>
-          </p:cNvSpPr>
-          <p:nvPr>
-            <p:ph type="dt" sz="half" idx="2"/>
+          <p:cNvPr id="6" name="Slide Number Placeholder 5"/>
+          <p:cNvSpPr>
+            <a:spLocks noGrp="1"/>
+          </p:cNvSpPr>
+          <p:nvPr>
+            <p:ph type="sldNum" sz="quarter" idx="4"/>
           </p:nvPr>
         </p:nvSpPr>
         <p:spPr>
-          <a:xfrm rot="16200000">
-            <a:off x="7551351" y="1645920"/>
-            <a:ext cx="2438399" cy="365760"/>
+          <a:xfrm>
+            <a:off x="7620000" y="18288"/>
+            <a:ext cx="1066800" cy="329184"/>
           </a:xfrm>
           <a:prstGeom prst="rect">
             <a:avLst/>
@@ -2840,17 +3052,17 @@
           <a:bodyPr vert="horz" lIns="91440" tIns="45720" rIns="91440" bIns="45720" rtlCol="0" anchor="ctr"/>
           <a:lstStyle>
             <a:lvl1pPr algn="l">
-              <a:defRPr sz="1200">
+              <a:defRPr sz="1400" b="1">
                 <a:solidFill>
-                  <a:schemeClr val="bg2"/>
+                  <a:srgbClr val="FFFFFF"/>
                 </a:solidFill>
               </a:defRPr>
             </a:lvl1pPr>
           </a:lstStyle>
           <a:p>
-            <a:fld id="{0ACE9716-E01B-4736-930C-3ABDFD8D78A9}" type="datetimeFigureOut">
-              <a:rPr lang="en-US" smtClean="0"/>
-              <a:t>7/2/2017</a:t>
+            <a:fld id="{E01B6F18-061B-4B6E-9098-0E76372451ED}" type="slidenum">
+              <a:rPr lang="en-US" smtClean="0"/>
+              <a:t>‹#›</a:t>
             </a:fld>
             <a:endParaRPr lang="en-US"/>
           </a:p>
@@ -2860,17 +3072,17 @@
   </p:cSld>
   <p:clrMap bg1="lt1" tx1="dk1" bg2="lt2" tx2="dk2" accent1="accent1" accent2="accent2" accent3="accent3" accent4="accent4" accent5="accent5" accent6="accent6" hlink="hlink" folHlink="folHlink"/>
   <p:sldLayoutIdLst>
-    <p:sldLayoutId id="2147483817" r:id="rId1"/>
-    <p:sldLayoutId id="2147483818" r:id="rId2"/>
-    <p:sldLayoutId id="2147483819" r:id="rId3"/>
-    <p:sldLayoutId id="2147483820" r:id="rId4"/>
-    <p:sldLayoutId id="2147483821" r:id="rId5"/>
-    <p:sldLayoutId id="2147483822" r:id="rId6"/>
-    <p:sldLayoutId id="2147483823" r:id="rId7"/>
-    <p:sldLayoutId id="2147483824" r:id="rId8"/>
-    <p:sldLayoutId id="2147483825" r:id="rId9"/>
-    <p:sldLayoutId id="2147483826" r:id="rId10"/>
-    <p:sldLayoutId id="2147483827" r:id="rId11"/>
+    <p:sldLayoutId id="2147484177" r:id="rId1"/>
+    <p:sldLayoutId id="2147484178" r:id="rId2"/>
+    <p:sldLayoutId id="2147484179" r:id="rId3"/>
+    <p:sldLayoutId id="2147484180" r:id="rId4"/>
+    <p:sldLayoutId id="2147484181" r:id="rId5"/>
+    <p:sldLayoutId id="2147484182" r:id="rId6"/>
+    <p:sldLayoutId id="2147484183" r:id="rId7"/>
+    <p:sldLayoutId id="2147484184" r:id="rId8"/>
+    <p:sldLayoutId id="2147484185" r:id="rId9"/>
+    <p:sldLayoutId id="2147484186" r:id="rId10"/>
+    <p:sldLayoutId id="2147484187" r:id="rId11"/>
   </p:sldLayoutIdLst>
   <p:txStyles>
     <p:titleStyle>
@@ -2879,14 +3091,10 @@
           <a:spcPct val="0"/>
         </a:spcBef>
         <a:buNone/>
-        <a:defRPr sz="4600" kern="1200" cap="none" spc="-100" baseline="0">
-          <a:ln>
-            <a:noFill/>
-          </a:ln>
+        <a:defRPr sz="4000" kern="1200" spc="-100" baseline="0">
           <a:solidFill>
             <a:schemeClr val="tx2"/>
           </a:solidFill>
-          <a:effectLst/>
           <a:latin typeface="+mj-lt"/>
           <a:ea typeface="+mj-ea"/>
           <a:cs typeface="+mj-cs"/>
@@ -2894,16 +3102,17 @@
       </a:lvl1pPr>
     </p:titleStyle>
     <p:bodyStyle>
-      <a:lvl1pPr marL="342900" indent="-228600" algn="l" defTabSz="914400" rtl="0" eaLnBrk="1" latinLnBrk="0" hangingPunct="1">
+      <a:lvl1pPr marL="182880" indent="-182880" algn="l" defTabSz="914400" rtl="0" eaLnBrk="1" latinLnBrk="0" hangingPunct="1">
         <a:spcBef>
           <a:spcPct val="20000"/>
         </a:spcBef>
         <a:buClr>
           <a:schemeClr val="accent1"/>
         </a:buClr>
+        <a:buSzPct val="85000"/>
         <a:buFont typeface="Arial" pitchFamily="34" charset="0"/>
         <a:buChar char="•"/>
-        <a:defRPr sz="2200" kern="1200">
+        <a:defRPr sz="2400" kern="1200">
           <a:solidFill>
             <a:schemeClr val="tx1"/>
           </a:solidFill>
@@ -2912,13 +3121,14 @@
           <a:cs typeface="+mn-cs"/>
         </a:defRPr>
       </a:lvl1pPr>
-      <a:lvl2pPr marL="640080" indent="-228600" algn="l" defTabSz="914400" rtl="0" eaLnBrk="1" latinLnBrk="0" hangingPunct="1">
+      <a:lvl2pPr marL="457200" indent="-182880" algn="l" defTabSz="914400" rtl="0" eaLnBrk="1" latinLnBrk="0" hangingPunct="1">
         <a:spcBef>
           <a:spcPct val="20000"/>
         </a:spcBef>
         <a:buClr>
-          <a:schemeClr val="accent2"/>
+          <a:schemeClr val="accent1"/>
         </a:buClr>
+        <a:buSzPct val="85000"/>
         <a:buFont typeface="Arial" pitchFamily="34" charset="0"/>
         <a:buChar char="•"/>
         <a:defRPr sz="2000" kern="1200">
@@ -2930,13 +3140,14 @@
           <a:cs typeface="+mn-cs"/>
         </a:defRPr>
       </a:lvl2pPr>
-      <a:lvl3pPr marL="1005840" indent="-228600" algn="l" defTabSz="914400" rtl="0" eaLnBrk="1" latinLnBrk="0" hangingPunct="1">
+      <a:lvl3pPr marL="731520" indent="-182880" algn="l" defTabSz="914400" rtl="0" eaLnBrk="1" latinLnBrk="0" hangingPunct="1">
         <a:spcBef>
           <a:spcPct val="20000"/>
         </a:spcBef>
         <a:buClr>
-          <a:schemeClr val="accent3"/>
+          <a:schemeClr val="accent1"/>
         </a:buClr>
+        <a:buSzPct val="90000"/>
         <a:buFont typeface="Arial" pitchFamily="34" charset="0"/>
         <a:buChar char="•"/>
         <a:defRPr sz="1800" kern="1200">
@@ -2948,12 +3159,12 @@
           <a:cs typeface="+mn-cs"/>
         </a:defRPr>
       </a:lvl3pPr>
-      <a:lvl4pPr marL="1280160" indent="-228600" algn="l" defTabSz="914400" rtl="0" eaLnBrk="1" latinLnBrk="0" hangingPunct="1">
+      <a:lvl4pPr marL="1005840" indent="-182880" algn="l" defTabSz="914400" rtl="0" eaLnBrk="1" latinLnBrk="0" hangingPunct="1">
         <a:spcBef>
           <a:spcPct val="20000"/>
         </a:spcBef>
         <a:buClr>
-          <a:schemeClr val="accent4"/>
+          <a:schemeClr val="accent1"/>
         </a:buClr>
         <a:buFont typeface="Arial" pitchFamily="34" charset="0"/>
         <a:buChar char="•"/>
@@ -2966,13 +3177,14 @@
           <a:cs typeface="+mn-cs"/>
         </a:defRPr>
       </a:lvl4pPr>
-      <a:lvl5pPr marL="1554480" indent="-228600" algn="l" defTabSz="914400" rtl="0" eaLnBrk="1" latinLnBrk="0" hangingPunct="1">
+      <a:lvl5pPr marL="1188720" indent="-137160" algn="l" defTabSz="914400" rtl="0" eaLnBrk="1" latinLnBrk="0" hangingPunct="1">
         <a:spcBef>
           <a:spcPct val="20000"/>
         </a:spcBef>
         <a:buClr>
-          <a:schemeClr val="accent5"/>
+          <a:schemeClr val="accent1"/>
         </a:buClr>
+        <a:buSzPct val="100000"/>
         <a:buFont typeface="Arial" pitchFamily="34" charset="0"/>
         <a:buChar char="•"/>
         <a:defRPr sz="1400" kern="1200" baseline="0">
@@ -2984,7 +3196,7 @@
           <a:cs typeface="+mn-cs"/>
         </a:defRPr>
       </a:lvl5pPr>
-      <a:lvl6pPr marL="1737360" indent="-182880" algn="l" defTabSz="914400" rtl="0" eaLnBrk="1" latinLnBrk="0" hangingPunct="1">
+      <a:lvl6pPr marL="1371600" indent="-182880" algn="l" defTabSz="914400" rtl="0" eaLnBrk="1" latinLnBrk="0" hangingPunct="1">
         <a:spcBef>
           <a:spcPct val="20000"/>
         </a:spcBef>
@@ -2993,7 +3205,7 @@
         </a:buClr>
         <a:buFont typeface="Arial" pitchFamily="34" charset="0"/>
         <a:buChar char="•"/>
-        <a:defRPr sz="1400" kern="1200" baseline="0">
+        <a:defRPr sz="1300" kern="1200">
           <a:solidFill>
             <a:schemeClr val="tx1"/>
           </a:solidFill>
@@ -3002,16 +3214,16 @@
           <a:cs typeface="+mn-cs"/>
         </a:defRPr>
       </a:lvl6pPr>
-      <a:lvl7pPr marL="1920240" indent="-182880" algn="l" defTabSz="914400" rtl="0" eaLnBrk="1" latinLnBrk="0" hangingPunct="1">
+      <a:lvl7pPr marL="1554480" indent="-182880" algn="l" defTabSz="914400" rtl="0" eaLnBrk="1" latinLnBrk="0" hangingPunct="1">
         <a:spcBef>
           <a:spcPct val="20000"/>
         </a:spcBef>
         <a:buClr>
-          <a:schemeClr val="accent2"/>
+          <a:schemeClr val="accent1"/>
         </a:buClr>
         <a:buFont typeface="Arial" pitchFamily="34" charset="0"/>
         <a:buChar char="•"/>
-        <a:defRPr sz="1400" kern="1200">
+        <a:defRPr sz="1300" kern="1200">
           <a:solidFill>
             <a:schemeClr val="tx1"/>
           </a:solidFill>
@@ -3020,16 +3232,16 @@
           <a:cs typeface="+mn-cs"/>
         </a:defRPr>
       </a:lvl7pPr>
-      <a:lvl8pPr marL="2103120" indent="-182880" algn="l" defTabSz="914400" rtl="0" eaLnBrk="1" latinLnBrk="0" hangingPunct="1">
+      <a:lvl8pPr marL="1737360" indent="-182880" algn="l" defTabSz="914400" rtl="0" eaLnBrk="1" latinLnBrk="0" hangingPunct="1">
         <a:spcBef>
           <a:spcPct val="20000"/>
         </a:spcBef>
         <a:buClr>
-          <a:schemeClr val="accent3"/>
+          <a:schemeClr val="accent1"/>
         </a:buClr>
         <a:buFont typeface="Arial" pitchFamily="34" charset="0"/>
         <a:buChar char="•"/>
-        <a:defRPr sz="1400" kern="1200">
+        <a:defRPr sz="1300" kern="1200">
           <a:solidFill>
             <a:schemeClr val="tx1"/>
           </a:solidFill>
@@ -3038,16 +3250,16 @@
           <a:cs typeface="+mn-cs"/>
         </a:defRPr>
       </a:lvl8pPr>
-      <a:lvl9pPr marL="2286000" indent="-182880" algn="l" defTabSz="914400" rtl="0" eaLnBrk="1" latinLnBrk="0" hangingPunct="1">
+      <a:lvl9pPr marL="1920240" indent="-182880" algn="l" defTabSz="914400" rtl="0" eaLnBrk="1" latinLnBrk="0" hangingPunct="1">
         <a:spcBef>
           <a:spcPct val="20000"/>
         </a:spcBef>
         <a:buClr>
-          <a:schemeClr val="accent4"/>
+          <a:schemeClr val="accent1"/>
         </a:buClr>
         <a:buFont typeface="Arial" pitchFamily="34" charset="0"/>
         <a:buChar char="•"/>
-        <a:defRPr sz="1400" kern="1200">
+        <a:defRPr sz="1300" kern="1200">
           <a:solidFill>
             <a:schemeClr val="tx1"/>
           </a:solidFill>
@@ -3157,7 +3369,7 @@
 </file>
 
 <file path=ppt/slides/slide1.xml><?xml version="1.0" encoding="utf-8"?>
-<p:sld xmlns:a="http://schemas.openxmlformats.org/drawingml/2006/main" xmlns:r="http://schemas.openxmlformats.org/officeDocument/2006/relationships" xmlns:p="http://schemas.openxmlformats.org/presentationml/2006/main">
+<p:sld xmlns:a="http://schemas.openxmlformats.org/drawingml/2006/main" xmlns:r="http://schemas.openxmlformats.org/officeDocument/2006/relationships" xmlns:p="http://schemas.openxmlformats.org/presentationml/2006/main" showMasterSp="0">
   <p:cSld>
     <p:spTree>
       <p:nvGrpSpPr>
@@ -3193,22 +3405,29 @@
           <a:bodyPr/>
           <a:lstStyle/>
           <a:p>
-            <a:r>
-              <a:rPr lang="en-US" dirty="0" smtClean="0">
+            <a:pPr algn="ctr"/>
+            <a:r>
+              <a:rPr lang="en-US" sz="4800" i="1" dirty="0" smtClean="0">
                 <a:solidFill>
-                  <a:schemeClr val="accent6">
-                    <a:lumMod val="50000"/>
+                  <a:schemeClr val="tx1">
+                    <a:lumMod val="75000"/>
+                    <a:lumOff val="25000"/>
                   </a:schemeClr>
                 </a:solidFill>
+                <a:latin typeface="Aparajita" pitchFamily="34" charset="0"/>
+                <a:cs typeface="Aparajita" pitchFamily="34" charset="0"/>
               </a:rPr>
               <a:t>Page Object Model</a:t>
             </a:r>
-            <a:endParaRPr lang="en-US" dirty="0">
+            <a:endParaRPr lang="en-US" sz="4800" i="1" dirty="0">
               <a:solidFill>
-                <a:schemeClr val="accent6">
-                  <a:lumMod val="50000"/>
+                <a:schemeClr val="tx1">
+                  <a:lumMod val="75000"/>
+                  <a:lumOff val="25000"/>
                 </a:schemeClr>
               </a:solidFill>
+              <a:latin typeface="Aparajita" pitchFamily="34" charset="0"/>
+              <a:cs typeface="Aparajita" pitchFamily="34" charset="0"/>
             </a:endParaRPr>
           </a:p>
         </p:txBody>
@@ -3236,93 +3455,205 @@
           <a:lstStyle/>
           <a:p>
             <a:r>
-              <a:rPr lang="en-US" sz="3600" dirty="0" smtClean="0">
-                <a:solidFill>
-                  <a:schemeClr val="accent6">
-                    <a:lumMod val="50000"/>
-                  </a:schemeClr>
-                </a:solidFill>
+              <a:rPr lang="en-US" b="1" i="1" dirty="0" smtClean="0">
+                <a:latin typeface="Aparajita" pitchFamily="34" charset="0"/>
+                <a:cs typeface="Aparajita" pitchFamily="34" charset="0"/>
               </a:rPr>
               <a:t>Agenda:-</a:t>
             </a:r>
+          </a:p>
+          <a:p>
+            <a:pPr marL="571500" indent="-571500">
+              <a:buClr>
+                <a:srgbClr val="00B0F0"/>
+              </a:buClr>
+              <a:buFont typeface="Wingdings" pitchFamily="2" charset="2"/>
+              <a:buChar char="Ø"/>
+            </a:pPr>
+            <a:r>
+              <a:rPr lang="en-US" dirty="0" smtClean="0">
+                <a:latin typeface="Aparajita" pitchFamily="34" charset="0"/>
+                <a:cs typeface="Aparajita" pitchFamily="34" charset="0"/>
+              </a:rPr>
+              <a:t>What </a:t>
+            </a:r>
+            <a:r>
+              <a:rPr lang="en-US" dirty="0">
+                <a:latin typeface="Aparajita" pitchFamily="34" charset="0"/>
+                <a:cs typeface="Aparajita" pitchFamily="34" charset="0"/>
+              </a:rPr>
+              <a:t>i</a:t>
+            </a:r>
+            <a:r>
+              <a:rPr lang="en-US" dirty="0" smtClean="0">
+                <a:latin typeface="Aparajita" pitchFamily="34" charset="0"/>
+                <a:cs typeface="Aparajita" pitchFamily="34" charset="0"/>
+              </a:rPr>
+              <a:t>s POM</a:t>
+            </a:r>
+          </a:p>
+          <a:p>
+            <a:pPr marL="571500" indent="-571500">
+              <a:buClr>
+                <a:srgbClr val="00B0F0"/>
+              </a:buClr>
+              <a:buFont typeface="Wingdings" pitchFamily="2" charset="2"/>
+              <a:buChar char="Ø"/>
+            </a:pPr>
+            <a:r>
+              <a:rPr lang="en-US" dirty="0">
+                <a:latin typeface="Aparajita" pitchFamily="34" charset="0"/>
+                <a:cs typeface="Aparajita" pitchFamily="34" charset="0"/>
+              </a:rPr>
+              <a:t>Way to implement </a:t>
+            </a:r>
+            <a:r>
+              <a:rPr lang="en-US" dirty="0" smtClean="0">
+                <a:latin typeface="Aparajita" pitchFamily="34" charset="0"/>
+                <a:cs typeface="Aparajita" pitchFamily="34" charset="0"/>
+              </a:rPr>
+              <a:t>POM</a:t>
+            </a:r>
+          </a:p>
+          <a:p>
+            <a:pPr marL="571500" indent="-571500">
+              <a:buClr>
+                <a:srgbClr val="00B0F0"/>
+              </a:buClr>
+              <a:buFont typeface="Wingdings" pitchFamily="2" charset="2"/>
+              <a:buChar char="Ø"/>
+            </a:pPr>
+            <a:r>
+              <a:rPr lang="en-US" dirty="0" smtClean="0">
+                <a:latin typeface="Aparajita" pitchFamily="34" charset="0"/>
+                <a:cs typeface="Aparajita" pitchFamily="34" charset="0"/>
+              </a:rPr>
+              <a:t>Advantages of POM</a:t>
+            </a:r>
+          </a:p>
+          <a:p>
+            <a:pPr marL="571500" indent="-571500">
+              <a:buClr>
+                <a:srgbClr val="00B0F0"/>
+              </a:buClr>
+              <a:buFont typeface="Wingdings" pitchFamily="2" charset="2"/>
+              <a:buChar char="Ø"/>
+            </a:pPr>
+            <a:r>
+              <a:rPr lang="en-US" dirty="0" smtClean="0">
+                <a:latin typeface="Aparajita" pitchFamily="34" charset="0"/>
+                <a:cs typeface="Aparajita" pitchFamily="34" charset="0"/>
+              </a:rPr>
+              <a:t>What is TestNG</a:t>
+            </a:r>
+          </a:p>
+          <a:p>
+            <a:pPr marL="571500" indent="-571500">
+              <a:buClr>
+                <a:srgbClr val="00B0F0"/>
+              </a:buClr>
+              <a:buFont typeface="Wingdings" pitchFamily="2" charset="2"/>
+              <a:buChar char="Ø"/>
+            </a:pPr>
+            <a:r>
+              <a:rPr lang="en-US" dirty="0">
+                <a:latin typeface="Aparajita" pitchFamily="34" charset="0"/>
+                <a:cs typeface="Aparajita" pitchFamily="34" charset="0"/>
+              </a:rPr>
+              <a:t>Advantages of </a:t>
+            </a:r>
+            <a:r>
+              <a:rPr lang="en-US" dirty="0" smtClean="0">
+                <a:latin typeface="Aparajita" pitchFamily="34" charset="0"/>
+                <a:cs typeface="Aparajita" pitchFamily="34" charset="0"/>
+              </a:rPr>
+              <a:t>TestNG</a:t>
+            </a:r>
+          </a:p>
+          <a:p>
+            <a:pPr marL="571500" indent="-571500">
+              <a:buClr>
+                <a:srgbClr val="00B0F0"/>
+              </a:buClr>
+              <a:buFont typeface="Wingdings" pitchFamily="2" charset="2"/>
+              <a:buChar char="Ø"/>
+            </a:pPr>
+            <a:r>
+              <a:rPr lang="en-US" dirty="0" smtClean="0">
+                <a:latin typeface="Aparajita" pitchFamily="34" charset="0"/>
+                <a:cs typeface="Aparajita" pitchFamily="34" charset="0"/>
+              </a:rPr>
+              <a:t>What is Listener in TestNG</a:t>
+            </a:r>
+          </a:p>
+          <a:p>
+            <a:pPr marL="571500" indent="-571500">
+              <a:buClr>
+                <a:srgbClr val="00B0F0"/>
+              </a:buClr>
+              <a:buFont typeface="Wingdings" pitchFamily="2" charset="2"/>
+              <a:buChar char="Ø"/>
+            </a:pPr>
+            <a:r>
+              <a:rPr lang="en-US" dirty="0" smtClean="0">
+                <a:latin typeface="Aparajita" pitchFamily="34" charset="0"/>
+                <a:cs typeface="Aparajita" pitchFamily="34" charset="0"/>
+              </a:rPr>
+              <a:t>Type of Listeners</a:t>
+            </a:r>
+          </a:p>
+          <a:p>
+            <a:pPr marL="571500" indent="-571500">
+              <a:buClr>
+                <a:srgbClr val="00B0F0"/>
+              </a:buClr>
+              <a:buFont typeface="Wingdings" pitchFamily="2" charset="2"/>
+              <a:buChar char="Ø"/>
+            </a:pPr>
+            <a:r>
+              <a:rPr lang="en-US" dirty="0">
+                <a:latin typeface="Aparajita" pitchFamily="34" charset="0"/>
+                <a:cs typeface="Aparajita" pitchFamily="34" charset="0"/>
+              </a:rPr>
+              <a:t>Way to implement </a:t>
+            </a:r>
+            <a:r>
+              <a:rPr lang="en-US" dirty="0" smtClean="0">
+                <a:latin typeface="Aparajita" pitchFamily="34" charset="0"/>
+                <a:cs typeface="Aparajita" pitchFamily="34" charset="0"/>
+              </a:rPr>
+              <a:t>Listeners</a:t>
+            </a:r>
+          </a:p>
+          <a:p>
+            <a:pPr marL="571500" indent="-571500">
+              <a:buClr>
+                <a:srgbClr val="00B0F0"/>
+              </a:buClr>
+              <a:buFont typeface="Wingdings" pitchFamily="2" charset="2"/>
+              <a:buChar char="Ø"/>
+            </a:pPr>
+            <a:r>
+              <a:rPr lang="en-US" dirty="0" smtClean="0">
+                <a:latin typeface="Aparajita" pitchFamily="34" charset="0"/>
+                <a:cs typeface="Aparajita" pitchFamily="34" charset="0"/>
+              </a:rPr>
+              <a:t>Annotation in TestNG</a:t>
+            </a:r>
+            <a:endParaRPr lang="en-US" dirty="0">
+              <a:latin typeface="Aparajita" pitchFamily="34" charset="0"/>
+              <a:cs typeface="Aparajita" pitchFamily="34" charset="0"/>
+            </a:endParaRPr>
           </a:p>
           <a:p>
             <a:pPr marL="571500" indent="-571500">
               <a:buFont typeface="Wingdings" pitchFamily="2" charset="2"/>
               <a:buChar char="Ø"/>
             </a:pPr>
-            <a:r>
-              <a:rPr lang="en-US" sz="2800" dirty="0" smtClean="0">
-                <a:solidFill>
-                  <a:schemeClr val="accent6">
-                    <a:lumMod val="50000"/>
-                  </a:schemeClr>
-                </a:solidFill>
-              </a:rPr>
-              <a:t>What </a:t>
-            </a:r>
-            <a:r>
-              <a:rPr lang="en-US" sz="2800" dirty="0">
-                <a:solidFill>
-                  <a:schemeClr val="accent6">
-                    <a:lumMod val="50000"/>
-                  </a:schemeClr>
-                </a:solidFill>
-              </a:rPr>
-              <a:t>i</a:t>
-            </a:r>
-            <a:r>
-              <a:rPr lang="en-US" sz="2800" dirty="0" smtClean="0">
-                <a:solidFill>
-                  <a:schemeClr val="accent6">
-                    <a:lumMod val="50000"/>
-                  </a:schemeClr>
-                </a:solidFill>
-              </a:rPr>
-              <a:t>s POM</a:t>
-            </a:r>
-          </a:p>
-          <a:p>
-            <a:pPr marL="571500" indent="-571500">
-              <a:buFont typeface="Wingdings" pitchFamily="2" charset="2"/>
-              <a:buChar char="Ø"/>
-            </a:pPr>
-            <a:r>
-              <a:rPr lang="en-US" sz="2800" dirty="0">
-                <a:solidFill>
-                  <a:schemeClr val="accent6">
-                    <a:lumMod val="50000"/>
-                  </a:schemeClr>
-                </a:solidFill>
-              </a:rPr>
-              <a:t>Way to implement </a:t>
-            </a:r>
-            <a:r>
-              <a:rPr lang="en-US" sz="2800" dirty="0" smtClean="0">
-                <a:solidFill>
-                  <a:schemeClr val="accent6">
-                    <a:lumMod val="50000"/>
-                  </a:schemeClr>
-                </a:solidFill>
-              </a:rPr>
-              <a:t>POM</a:t>
-            </a:r>
-          </a:p>
-          <a:p>
-            <a:pPr marL="571500" indent="-571500">
-              <a:buFont typeface="Wingdings" pitchFamily="2" charset="2"/>
-              <a:buChar char="Ø"/>
-            </a:pPr>
-            <a:r>
-              <a:rPr lang="en-US" sz="2800" dirty="0" smtClean="0">
-                <a:solidFill>
-                  <a:schemeClr val="accent6">
-                    <a:lumMod val="50000"/>
-                  </a:schemeClr>
-                </a:solidFill>
-              </a:rPr>
-              <a:t>Advantages of POM</a:t>
-            </a:r>
+            <a:endParaRPr lang="en-US" dirty="0">
+              <a:latin typeface="Aparajita" pitchFamily="34" charset="0"/>
+              <a:cs typeface="Aparajita" pitchFamily="34" charset="0"/>
+            </a:endParaRPr>
           </a:p>
           <a:p>
             <a:pPr marL="571500" indent="-571500">
@@ -3373,7 +3704,7 @@
 </file>
 
 <file path=ppt/slides/slide2.xml><?xml version="1.0" encoding="utf-8"?>
-<p:sld xmlns:a="http://schemas.openxmlformats.org/drawingml/2006/main" xmlns:r="http://schemas.openxmlformats.org/officeDocument/2006/relationships" xmlns:p="http://schemas.openxmlformats.org/presentationml/2006/main">
+<p:sld xmlns:a="http://schemas.openxmlformats.org/drawingml/2006/main" xmlns:r="http://schemas.openxmlformats.org/officeDocument/2006/relationships" xmlns:p="http://schemas.openxmlformats.org/presentationml/2006/main" showMasterSp="0">
   <p:cSld>
     <p:spTree>
       <p:nvGrpSpPr>
@@ -3409,22 +3740,29 @@
           <a:bodyPr/>
           <a:lstStyle/>
           <a:p>
-            <a:r>
-              <a:rPr lang="en-US" dirty="0" smtClean="0">
+            <a:pPr algn="ctr"/>
+            <a:r>
+              <a:rPr lang="en-US" sz="4800" i="1" dirty="0" smtClean="0">
                 <a:solidFill>
-                  <a:schemeClr val="accent6">
-                    <a:lumMod val="50000"/>
+                  <a:schemeClr val="tx1">
+                    <a:lumMod val="75000"/>
+                    <a:lumOff val="25000"/>
                   </a:schemeClr>
                 </a:solidFill>
+                <a:latin typeface="Aparajita" pitchFamily="34" charset="0"/>
+                <a:cs typeface="Aparajita" pitchFamily="34" charset="0"/>
               </a:rPr>
               <a:t>Page Object Model</a:t>
             </a:r>
-            <a:endParaRPr lang="en-US" dirty="0">
+            <a:endParaRPr lang="en-US" sz="4800" i="1" dirty="0">
               <a:solidFill>
-                <a:schemeClr val="accent6">
-                  <a:lumMod val="50000"/>
+                <a:schemeClr val="tx1">
+                  <a:lumMod val="75000"/>
+                  <a:lumOff val="25000"/>
                 </a:schemeClr>
               </a:solidFill>
+              <a:latin typeface="Aparajita" pitchFamily="34" charset="0"/>
+              <a:cs typeface="Aparajita" pitchFamily="34" charset="0"/>
             </a:endParaRPr>
           </a:p>
         </p:txBody>
@@ -3447,105 +3785,114 @@
         </p:spPr>
         <p:txBody>
           <a:bodyPr>
-            <a:normAutofit fontScale="77500" lnSpcReduction="20000"/>
+            <a:normAutofit fontScale="70000" lnSpcReduction="20000"/>
           </a:bodyPr>
           <a:lstStyle/>
           <a:p>
             <a:pPr marL="571500" indent="-571500">
+              <a:buClr>
+                <a:srgbClr val="00B0F0"/>
+              </a:buClr>
               <a:buFont typeface="Wingdings" pitchFamily="2" charset="2"/>
               <a:buChar char="Ø"/>
             </a:pPr>
             <a:r>
-              <a:rPr lang="en-US" sz="3600" dirty="0" smtClean="0">
+              <a:rPr lang="en-US" sz="3600" b="1" i="1" dirty="0" smtClean="0">
                 <a:solidFill>
-                  <a:schemeClr val="accent5">
-                    <a:lumMod val="50000"/>
-                  </a:schemeClr>
-                </a:solidFill>
-              </a:rPr>
-              <a:t>What </a:t>
-            </a:r>
-            <a:r>
-              <a:rPr lang="en-US" sz="3600" dirty="0">
-                <a:solidFill>
-                  <a:schemeClr val="accent5">
-                    <a:lumMod val="50000"/>
-                  </a:schemeClr>
-                </a:solidFill>
-              </a:rPr>
-              <a:t>i</a:t>
-            </a:r>
-            <a:r>
-              <a:rPr lang="en-US" sz="3600" dirty="0" smtClean="0">
-                <a:solidFill>
-                  <a:schemeClr val="accent5">
-                    <a:lumMod val="50000"/>
-                  </a:schemeClr>
-                </a:solidFill>
-              </a:rPr>
-              <a:t>s POM</a:t>
-            </a:r>
-          </a:p>
-          <a:p>
-            <a:pPr marL="857250" indent="-857250">
-              <a:buFont typeface="+mj-lt"/>
-              <a:buAutoNum type="romanLcPeriod"/>
-            </a:pPr>
-            <a:r>
-              <a:rPr lang="en-US" sz="2400" dirty="0" smtClean="0">
-                <a:solidFill>
-                  <a:schemeClr val="accent6">
-                    <a:lumMod val="50000"/>
-                  </a:schemeClr>
-                </a:solidFill>
-              </a:rPr>
-              <a:t>Page Object model is just a design pattern in automation project and not a framework.</a:t>
-            </a:r>
-          </a:p>
-          <a:p>
-            <a:pPr marL="857250" indent="-857250">
-              <a:buFont typeface="+mj-lt"/>
-              <a:buAutoNum type="romanLcPeriod"/>
-            </a:pPr>
-            <a:r>
-              <a:rPr lang="en-US" sz="2400" dirty="0" smtClean="0">
-                <a:solidFill>
-                  <a:schemeClr val="accent6">
-                    <a:lumMod val="50000"/>
-                  </a:schemeClr>
-                </a:solidFill>
-              </a:rPr>
-              <a:t>Based on application behavior we will be creating separate pages and will store all locators and methods of that page.</a:t>
-            </a:r>
-          </a:p>
-          <a:p>
-            <a:pPr marL="857250" indent="-857250">
-              <a:buFont typeface="+mj-lt"/>
-              <a:buAutoNum type="romanLcPeriod"/>
-            </a:pPr>
-            <a:r>
-              <a:rPr lang="en-US" sz="2400" dirty="0" smtClean="0">
-                <a:solidFill>
-                  <a:schemeClr val="tx2">
+                  <a:schemeClr val="accent4">
                     <a:lumMod val="75000"/>
                   </a:schemeClr>
                 </a:solidFill>
-              </a:rPr>
-              <a:t>In POM each object can have corresponding method .</a:t>
+                <a:latin typeface="Aparajita" pitchFamily="34" charset="0"/>
+                <a:cs typeface="Aparajita" pitchFamily="34" charset="0"/>
+              </a:rPr>
+              <a:t>What </a:t>
+            </a:r>
+            <a:r>
+              <a:rPr lang="en-US" sz="3600" b="1" i="1" dirty="0">
+                <a:solidFill>
+                  <a:schemeClr val="accent4">
+                    <a:lumMod val="75000"/>
+                  </a:schemeClr>
+                </a:solidFill>
+                <a:latin typeface="Aparajita" pitchFamily="34" charset="0"/>
+                <a:cs typeface="Aparajita" pitchFamily="34" charset="0"/>
+              </a:rPr>
+              <a:t>i</a:t>
+            </a:r>
+            <a:r>
+              <a:rPr lang="en-US" sz="3600" b="1" i="1" dirty="0" smtClean="0">
+                <a:solidFill>
+                  <a:schemeClr val="accent4">
+                    <a:lumMod val="75000"/>
+                  </a:schemeClr>
+                </a:solidFill>
+                <a:latin typeface="Aparajita" pitchFamily="34" charset="0"/>
+                <a:cs typeface="Aparajita" pitchFamily="34" charset="0"/>
+              </a:rPr>
+              <a:t>s POM</a:t>
             </a:r>
           </a:p>
           <a:p>
             <a:pPr marL="857250" indent="-857250">
+              <a:buClr>
+                <a:srgbClr val="00B0F0"/>
+              </a:buClr>
               <a:buFont typeface="+mj-lt"/>
               <a:buAutoNum type="romanLcPeriod"/>
             </a:pPr>
             <a:r>
-              <a:rPr lang="en-US" sz="2400" dirty="0" smtClean="0">
-                <a:solidFill>
-                  <a:schemeClr val="accent6">
-                    <a:lumMod val="50000"/>
-                  </a:schemeClr>
-                </a:solidFill>
+              <a:rPr lang="en-US" sz="3100" dirty="0" smtClean="0">
+                <a:latin typeface="Aparajita" pitchFamily="34" charset="0"/>
+                <a:cs typeface="Aparajita" pitchFamily="34" charset="0"/>
+              </a:rPr>
+              <a:t>Page Object model is just a design pattern in automation project and not a framework.</a:t>
+            </a:r>
+          </a:p>
+          <a:p>
+            <a:pPr marL="857250" indent="-857250">
+              <a:buClr>
+                <a:srgbClr val="00B0F0"/>
+              </a:buClr>
+              <a:buFont typeface="+mj-lt"/>
+              <a:buAutoNum type="romanLcPeriod"/>
+            </a:pPr>
+            <a:r>
+              <a:rPr lang="en-US" sz="3100" dirty="0" smtClean="0">
+                <a:latin typeface="Aparajita" pitchFamily="34" charset="0"/>
+                <a:cs typeface="Aparajita" pitchFamily="34" charset="0"/>
+              </a:rPr>
+              <a:t>Based on application behavior we will be creating separate pages and will store all locators and methods of that page.</a:t>
+            </a:r>
+          </a:p>
+          <a:p>
+            <a:pPr marL="857250" indent="-857250">
+              <a:buClr>
+                <a:srgbClr val="00B0F0"/>
+              </a:buClr>
+              <a:buFont typeface="+mj-lt"/>
+              <a:buAutoNum type="romanLcPeriod"/>
+            </a:pPr>
+            <a:r>
+              <a:rPr lang="en-US" sz="3100" dirty="0" smtClean="0">
+                <a:latin typeface="Aparajita" pitchFamily="34" charset="0"/>
+                <a:cs typeface="Aparajita" pitchFamily="34" charset="0"/>
+              </a:rPr>
+              <a:t>In POM each object can have corresponding method .</a:t>
+            </a:r>
+          </a:p>
+          <a:p>
+            <a:pPr marL="857250" indent="-857250">
+              <a:buClr>
+                <a:srgbClr val="00B0F0"/>
+              </a:buClr>
+              <a:buFont typeface="+mj-lt"/>
+              <a:buAutoNum type="romanLcPeriod"/>
+            </a:pPr>
+            <a:r>
+              <a:rPr lang="en-US" sz="3100" dirty="0" smtClean="0">
+                <a:latin typeface="Aparajita" pitchFamily="34" charset="0"/>
+                <a:cs typeface="Aparajita" pitchFamily="34" charset="0"/>
               </a:rPr>
               <a:t>Method name has been given based on action of the object.</a:t>
             </a:r>
@@ -3561,10 +3908,15 @@
                   <a:lumMod val="50000"/>
                 </a:schemeClr>
               </a:solidFill>
+              <a:latin typeface="Aparajita" pitchFamily="34" charset="0"/>
+              <a:cs typeface="Aparajita" pitchFamily="34" charset="0"/>
             </a:endParaRPr>
           </a:p>
           <a:p>
             <a:pPr marL="342900" indent="-342900">
+              <a:buClr>
+                <a:srgbClr val="00B0F0"/>
+              </a:buClr>
               <a:buFont typeface="Wingdings" pitchFamily="2" charset="2"/>
               <a:buChar char="Ø"/>
             </a:pPr>
@@ -3575,68 +3927,76 @@
                     <a:lumMod val="50000"/>
                   </a:schemeClr>
                 </a:solidFill>
+                <a:latin typeface="Aparajita" pitchFamily="34" charset="0"/>
+                <a:cs typeface="Aparajita" pitchFamily="34" charset="0"/>
               </a:rPr>
               <a:t>  </a:t>
             </a:r>
             <a:r>
-              <a:rPr lang="en-US" sz="3200" dirty="0" smtClean="0">
+              <a:rPr lang="en-US" sz="3200" b="1" i="1" dirty="0" smtClean="0">
                 <a:solidFill>
                   <a:schemeClr val="accent5">
                     <a:lumMod val="50000"/>
                   </a:schemeClr>
                 </a:solidFill>
+                <a:latin typeface="Aparajita" pitchFamily="34" charset="0"/>
+                <a:cs typeface="Aparajita" pitchFamily="34" charset="0"/>
               </a:rPr>
               <a:t>Way </a:t>
             </a:r>
             <a:r>
-              <a:rPr lang="en-US" sz="3200" dirty="0">
+              <a:rPr lang="en-US" sz="3200" b="1" i="1" dirty="0">
                 <a:solidFill>
                   <a:schemeClr val="accent5">
                     <a:lumMod val="50000"/>
                   </a:schemeClr>
                 </a:solidFill>
+                <a:latin typeface="Aparajita" pitchFamily="34" charset="0"/>
+                <a:cs typeface="Aparajita" pitchFamily="34" charset="0"/>
               </a:rPr>
               <a:t>to implement </a:t>
             </a:r>
             <a:r>
-              <a:rPr lang="en-US" sz="3200" dirty="0" smtClean="0">
+              <a:rPr lang="en-US" sz="3200" b="1" i="1" dirty="0" smtClean="0">
                 <a:solidFill>
                   <a:schemeClr val="accent5">
                     <a:lumMod val="50000"/>
                   </a:schemeClr>
                 </a:solidFill>
+                <a:latin typeface="Aparajita" pitchFamily="34" charset="0"/>
+                <a:cs typeface="Aparajita" pitchFamily="34" charset="0"/>
               </a:rPr>
               <a:t>POM</a:t>
             </a:r>
           </a:p>
           <a:p>
             <a:pPr marL="571500" indent="-571500">
+              <a:buClr>
+                <a:srgbClr val="00B0F0"/>
+              </a:buClr>
               <a:buFont typeface="+mj-lt"/>
               <a:buAutoNum type="romanLcPeriod"/>
             </a:pPr>
             <a:r>
-              <a:rPr lang="en-US" sz="2400" dirty="0" smtClean="0">
-                <a:solidFill>
-                  <a:schemeClr val="tx2">
-                    <a:lumMod val="75000"/>
-                  </a:schemeClr>
-                </a:solidFill>
+              <a:rPr lang="en-US" sz="2900" dirty="0" smtClean="0">
+                <a:latin typeface="Aparajita" pitchFamily="34" charset="0"/>
+                <a:cs typeface="Aparajita" pitchFamily="34" charset="0"/>
               </a:rPr>
               <a:t>Using normal approach</a:t>
             </a:r>
           </a:p>
           <a:p>
             <a:pPr marL="571500" indent="-571500">
+              <a:buClr>
+                <a:srgbClr val="00B0F0"/>
+              </a:buClr>
               <a:buFont typeface="+mj-lt"/>
               <a:buAutoNum type="romanLcPeriod"/>
             </a:pPr>
             <a:r>
-              <a:rPr lang="en-US" sz="2400" dirty="0" smtClean="0">
-                <a:solidFill>
-                  <a:schemeClr val="tx2">
-                    <a:lumMod val="75000"/>
-                  </a:schemeClr>
-                </a:solidFill>
+              <a:rPr lang="en-US" sz="2900" dirty="0" smtClean="0">
+                <a:latin typeface="Aparajita" pitchFamily="34" charset="0"/>
+                <a:cs typeface="Aparajita" pitchFamily="34" charset="0"/>
               </a:rPr>
               <a:t>Using Page Factory approach</a:t>
             </a:r>
@@ -3652,6 +4012,8 @@
                   <a:lumMod val="75000"/>
                 </a:schemeClr>
               </a:solidFill>
+              <a:latin typeface="Aparajita" pitchFamily="34" charset="0"/>
+              <a:cs typeface="Aparajita" pitchFamily="34" charset="0"/>
             </a:endParaRPr>
           </a:p>
           <a:p>
@@ -3660,204 +4022,169 @@
               <a:buChar char="v"/>
             </a:pPr>
             <a:r>
-              <a:rPr lang="en-US" sz="2400" b="1" dirty="0" smtClean="0">
+              <a:rPr lang="en-US" sz="3300" b="1" i="1" dirty="0" smtClean="0">
                 <a:solidFill>
                   <a:schemeClr val="accent5">
                     <a:lumMod val="50000"/>
                   </a:schemeClr>
                 </a:solidFill>
+                <a:latin typeface="Aparajita" pitchFamily="34" charset="0"/>
+                <a:cs typeface="Aparajita" pitchFamily="34" charset="0"/>
               </a:rPr>
               <a:t>What is Page factory:-</a:t>
             </a:r>
-            <a:endParaRPr lang="en-US" sz="3200" b="1" dirty="0">
+            <a:endParaRPr lang="en-US" sz="3300" b="1" i="1" dirty="0">
               <a:solidFill>
                 <a:schemeClr val="accent5">
                   <a:lumMod val="50000"/>
                 </a:schemeClr>
               </a:solidFill>
+              <a:latin typeface="Aparajita" pitchFamily="34" charset="0"/>
+              <a:cs typeface="Aparajita" pitchFamily="34" charset="0"/>
             </a:endParaRPr>
           </a:p>
           <a:p>
             <a:pPr marL="571500" indent="-571500">
+              <a:buClr>
+                <a:srgbClr val="00B0F0"/>
+              </a:buClr>
               <a:buFont typeface="+mj-lt"/>
               <a:buAutoNum type="romanLcPeriod"/>
             </a:pPr>
             <a:r>
-              <a:rPr lang="en-US" sz="2600" dirty="0">
-                <a:solidFill>
-                  <a:schemeClr val="tx2">
-                    <a:lumMod val="75000"/>
-                  </a:schemeClr>
-                </a:solidFill>
+              <a:rPr lang="en-US" sz="2900" dirty="0">
+                <a:latin typeface="Aparajita" pitchFamily="34" charset="0"/>
+                <a:cs typeface="Aparajita" pitchFamily="34" charset="0"/>
               </a:rPr>
               <a:t>The </a:t>
             </a:r>
             <a:r>
-              <a:rPr lang="en-US" sz="2600" b="1" dirty="0">
-                <a:solidFill>
-                  <a:schemeClr val="tx2">
-                    <a:lumMod val="75000"/>
-                  </a:schemeClr>
-                </a:solidFill>
+              <a:rPr lang="en-US" sz="2900" b="1" dirty="0">
+                <a:latin typeface="Aparajita" pitchFamily="34" charset="0"/>
+                <a:cs typeface="Aparajita" pitchFamily="34" charset="0"/>
               </a:rPr>
               <a:t>Page Factory</a:t>
             </a:r>
             <a:r>
-              <a:rPr lang="en-US" sz="2600" dirty="0">
-                <a:solidFill>
-                  <a:schemeClr val="tx2">
-                    <a:lumMod val="75000"/>
-                  </a:schemeClr>
-                </a:solidFill>
+              <a:rPr lang="en-US" sz="2900" dirty="0">
+                <a:latin typeface="Aparajita" pitchFamily="34" charset="0"/>
+                <a:cs typeface="Aparajita" pitchFamily="34" charset="0"/>
               </a:rPr>
               <a:t> Class is an extension to the Page Object design pattern. </a:t>
             </a:r>
-            <a:endParaRPr lang="en-US" sz="2600" dirty="0" smtClean="0">
-              <a:solidFill>
-                <a:schemeClr val="tx2">
-                  <a:lumMod val="75000"/>
-                </a:schemeClr>
-              </a:solidFill>
+            <a:endParaRPr lang="en-US" sz="2900" dirty="0" smtClean="0">
+              <a:latin typeface="Aparajita" pitchFamily="34" charset="0"/>
+              <a:cs typeface="Aparajita" pitchFamily="34" charset="0"/>
             </a:endParaRPr>
           </a:p>
           <a:p>
             <a:pPr marL="571500" indent="-571500">
+              <a:buClr>
+                <a:srgbClr val="00B0F0"/>
+              </a:buClr>
               <a:buFont typeface="+mj-lt"/>
               <a:buAutoNum type="romanLcPeriod"/>
             </a:pPr>
             <a:r>
-              <a:rPr lang="en-US" sz="2600" dirty="0" smtClean="0">
-                <a:solidFill>
-                  <a:schemeClr val="tx2">
-                    <a:lumMod val="75000"/>
-                  </a:schemeClr>
-                </a:solidFill>
+              <a:rPr lang="en-US" sz="2900" dirty="0" smtClean="0">
+                <a:latin typeface="Aparajita" pitchFamily="34" charset="0"/>
+                <a:cs typeface="Aparajita" pitchFamily="34" charset="0"/>
               </a:rPr>
               <a:t>It </a:t>
             </a:r>
             <a:r>
-              <a:rPr lang="en-US" sz="2600" dirty="0">
-                <a:solidFill>
-                  <a:schemeClr val="tx2">
-                    <a:lumMod val="75000"/>
-                  </a:schemeClr>
-                </a:solidFill>
+              <a:rPr lang="en-US" sz="2900" dirty="0">
+                <a:latin typeface="Aparajita" pitchFamily="34" charset="0"/>
+                <a:cs typeface="Aparajita" pitchFamily="34" charset="0"/>
               </a:rPr>
               <a:t>is used to initialize the elements of the Page Object or instantiate the </a:t>
             </a:r>
             <a:r>
-              <a:rPr lang="en-US" sz="2600" b="1" dirty="0">
-                <a:solidFill>
-                  <a:schemeClr val="tx2">
-                    <a:lumMod val="75000"/>
-                  </a:schemeClr>
-                </a:solidFill>
+              <a:rPr lang="en-US" sz="2900" b="1" dirty="0">
+                <a:latin typeface="Aparajita" pitchFamily="34" charset="0"/>
+                <a:cs typeface="Aparajita" pitchFamily="34" charset="0"/>
               </a:rPr>
               <a:t>Page</a:t>
             </a:r>
             <a:r>
-              <a:rPr lang="en-US" sz="2600" dirty="0">
-                <a:solidFill>
-                  <a:schemeClr val="tx2">
-                    <a:lumMod val="75000"/>
-                  </a:schemeClr>
-                </a:solidFill>
+              <a:rPr lang="en-US" sz="2900" dirty="0">
+                <a:latin typeface="Aparajita" pitchFamily="34" charset="0"/>
+                <a:cs typeface="Aparajita" pitchFamily="34" charset="0"/>
               </a:rPr>
               <a:t> Objects </a:t>
             </a:r>
             <a:r>
-              <a:rPr lang="en-US" sz="2600" dirty="0" smtClean="0">
-                <a:solidFill>
-                  <a:schemeClr val="tx2">
-                    <a:lumMod val="75000"/>
-                  </a:schemeClr>
-                </a:solidFill>
+              <a:rPr lang="en-US" sz="2900" dirty="0" smtClean="0">
+                <a:latin typeface="Aparajita" pitchFamily="34" charset="0"/>
+                <a:cs typeface="Aparajita" pitchFamily="34" charset="0"/>
               </a:rPr>
               <a:t>itself.</a:t>
             </a:r>
           </a:p>
           <a:p>
             <a:pPr marL="571500" indent="-571500">
+              <a:buClr>
+                <a:srgbClr val="00B0F0"/>
+              </a:buClr>
               <a:buFont typeface="+mj-lt"/>
               <a:buAutoNum type="romanLcPeriod"/>
             </a:pPr>
             <a:r>
-              <a:rPr lang="en-US" sz="2600" dirty="0">
-                <a:solidFill>
-                  <a:schemeClr val="tx2">
-                    <a:lumMod val="75000"/>
-                  </a:schemeClr>
-                </a:solidFill>
+              <a:rPr lang="en-US" sz="2900" dirty="0">
+                <a:latin typeface="Aparajita" pitchFamily="34" charset="0"/>
+                <a:cs typeface="Aparajita" pitchFamily="34" charset="0"/>
               </a:rPr>
               <a:t>I</a:t>
             </a:r>
             <a:r>
-              <a:rPr lang="en-US" sz="2600" dirty="0" smtClean="0">
-                <a:solidFill>
-                  <a:schemeClr val="tx2">
-                    <a:lumMod val="75000"/>
-                  </a:schemeClr>
-                </a:solidFill>
+              <a:rPr lang="en-US" sz="2900" dirty="0" smtClean="0">
+                <a:latin typeface="Aparajita" pitchFamily="34" charset="0"/>
+                <a:cs typeface="Aparajita" pitchFamily="34" charset="0"/>
               </a:rPr>
               <a:t>t </a:t>
             </a:r>
             <a:r>
-              <a:rPr lang="en-US" sz="2600" dirty="0">
-                <a:solidFill>
-                  <a:schemeClr val="tx2">
-                    <a:lumMod val="75000"/>
-                  </a:schemeClr>
-                </a:solidFill>
+              <a:rPr lang="en-US" sz="2900" dirty="0">
+                <a:latin typeface="Aparajita" pitchFamily="34" charset="0"/>
+                <a:cs typeface="Aparajita" pitchFamily="34" charset="0"/>
               </a:rPr>
               <a:t>is used to initialize elements of a Page class without having to use '</a:t>
             </a:r>
             <a:r>
-              <a:rPr lang="en-US" sz="2600" dirty="0" err="1">
-                <a:solidFill>
-                  <a:schemeClr val="tx2">
-                    <a:lumMod val="75000"/>
-                  </a:schemeClr>
-                </a:solidFill>
+              <a:rPr lang="en-US" sz="2900" dirty="0" err="1">
+                <a:latin typeface="Aparajita" pitchFamily="34" charset="0"/>
+                <a:cs typeface="Aparajita" pitchFamily="34" charset="0"/>
               </a:rPr>
               <a:t>FindElement</a:t>
             </a:r>
             <a:r>
-              <a:rPr lang="en-US" sz="2600" dirty="0">
-                <a:solidFill>
-                  <a:schemeClr val="tx2">
-                    <a:lumMod val="75000"/>
-                  </a:schemeClr>
-                </a:solidFill>
+              <a:rPr lang="en-US" sz="2900" dirty="0">
+                <a:latin typeface="Aparajita" pitchFamily="34" charset="0"/>
+                <a:cs typeface="Aparajita" pitchFamily="34" charset="0"/>
               </a:rPr>
               <a:t>' or </a:t>
             </a:r>
             <a:r>
-              <a:rPr lang="en-US" sz="2600" dirty="0" smtClean="0">
-                <a:solidFill>
-                  <a:schemeClr val="tx2">
-                    <a:lumMod val="75000"/>
-                  </a:schemeClr>
-                </a:solidFill>
+              <a:rPr lang="en-US" sz="2900" dirty="0" smtClean="0">
+                <a:latin typeface="Aparajita" pitchFamily="34" charset="0"/>
+                <a:cs typeface="Aparajita" pitchFamily="34" charset="0"/>
               </a:rPr>
               <a:t>'</a:t>
             </a:r>
             <a:r>
-              <a:rPr lang="en-US" sz="2600" dirty="0" err="1" smtClean="0">
-                <a:solidFill>
-                  <a:schemeClr val="tx2">
-                    <a:lumMod val="75000"/>
-                  </a:schemeClr>
-                </a:solidFill>
+              <a:rPr lang="en-US" sz="2900" dirty="0" err="1" smtClean="0">
+                <a:latin typeface="Aparajita" pitchFamily="34" charset="0"/>
+                <a:cs typeface="Aparajita" pitchFamily="34" charset="0"/>
               </a:rPr>
               <a:t>FindElements</a:t>
             </a:r>
-            <a:endParaRPr lang="en-US" sz="2600" dirty="0" smtClean="0">
-              <a:solidFill>
-                <a:schemeClr val="tx2">
-                  <a:lumMod val="75000"/>
-                </a:schemeClr>
-              </a:solidFill>
-            </a:endParaRPr>
+            <a:r>
+              <a:rPr lang="en-US" sz="2900" dirty="0" smtClean="0">
+                <a:latin typeface="Aparajita" pitchFamily="34" charset="0"/>
+                <a:cs typeface="Aparajita" pitchFamily="34" charset="0"/>
+              </a:rPr>
+              <a:t>’</a:t>
+            </a:r>
           </a:p>
           <a:p>
             <a:endParaRPr lang="en-US" sz="2600" dirty="0">
@@ -3922,7 +4249,7 @@
 </file>
 
 <file path=ppt/slides/slide3.xml><?xml version="1.0" encoding="utf-8"?>
-<p:sld xmlns:a="http://schemas.openxmlformats.org/drawingml/2006/main" xmlns:r="http://schemas.openxmlformats.org/officeDocument/2006/relationships" xmlns:p="http://schemas.openxmlformats.org/presentationml/2006/main">
+<p:sld xmlns:a="http://schemas.openxmlformats.org/drawingml/2006/main" xmlns:r="http://schemas.openxmlformats.org/officeDocument/2006/relationships" xmlns:p="http://schemas.openxmlformats.org/presentationml/2006/main" showMasterSp="0">
   <p:cSld>
     <p:spTree>
       <p:nvGrpSpPr>
@@ -3958,22 +4285,29 @@
           <a:bodyPr/>
           <a:lstStyle/>
           <a:p>
-            <a:r>
-              <a:rPr lang="en-US" dirty="0" smtClean="0">
+            <a:pPr algn="ctr"/>
+            <a:r>
+              <a:rPr lang="en-US" sz="4800" i="1" dirty="0" smtClean="0">
                 <a:solidFill>
-                  <a:schemeClr val="accent6">
-                    <a:lumMod val="50000"/>
+                  <a:schemeClr val="tx1">
+                    <a:lumMod val="75000"/>
+                    <a:lumOff val="25000"/>
                   </a:schemeClr>
                 </a:solidFill>
+                <a:latin typeface="Aparajita" pitchFamily="34" charset="0"/>
+                <a:cs typeface="Aparajita" pitchFamily="34" charset="0"/>
               </a:rPr>
               <a:t>Page Object Model</a:t>
             </a:r>
-            <a:endParaRPr lang="en-US" dirty="0">
+            <a:endParaRPr lang="en-US" sz="4800" i="1" dirty="0">
               <a:solidFill>
-                <a:schemeClr val="accent6">
-                  <a:lumMod val="50000"/>
+                <a:schemeClr val="tx1">
+                  <a:lumMod val="75000"/>
+                  <a:lumOff val="25000"/>
                 </a:schemeClr>
               </a:solidFill>
+              <a:latin typeface="Aparajita" pitchFamily="34" charset="0"/>
+              <a:cs typeface="Aparajita" pitchFamily="34" charset="0"/>
             </a:endParaRPr>
           </a:p>
         </p:txBody>
@@ -4001,50 +4335,66 @@
           <a:lstStyle/>
           <a:p>
             <a:pPr marL="571500" indent="-571500">
+              <a:buClr>
+                <a:srgbClr val="00B0F0"/>
+              </a:buClr>
               <a:buFont typeface="Wingdings" pitchFamily="2" charset="2"/>
               <a:buChar char="Ø"/>
             </a:pPr>
             <a:r>
-              <a:rPr lang="en-US" sz="2800" dirty="0" smtClean="0">
-                <a:solidFill>
-                  <a:schemeClr val="accent6">
-                    <a:lumMod val="50000"/>
-                  </a:schemeClr>
-                </a:solidFill>
+              <a:rPr lang="en-US" sz="2800" b="1" i="1" dirty="0" smtClean="0">
+                <a:latin typeface="Aparajita" pitchFamily="34" charset="0"/>
+                <a:cs typeface="Aparajita" pitchFamily="34" charset="0"/>
               </a:rPr>
               <a:t>Advantages of POM</a:t>
             </a:r>
           </a:p>
           <a:p>
             <a:pPr marL="571500" indent="-571500">
+              <a:buClr>
+                <a:srgbClr val="00B0F0"/>
+              </a:buClr>
               <a:buFont typeface="+mj-lt"/>
               <a:buAutoNum type="romanLcPeriod"/>
             </a:pPr>
             <a:r>
               <a:rPr lang="en-US" sz="2800" dirty="0" smtClean="0">
-                <a:solidFill>
-                  <a:schemeClr val="accent6">
-                    <a:lumMod val="50000"/>
-                  </a:schemeClr>
-                </a:solidFill>
+                <a:latin typeface="Aparajita" pitchFamily="34" charset="0"/>
+                <a:cs typeface="Aparajita" pitchFamily="34" charset="0"/>
               </a:rPr>
               <a:t>Script will be more readable format.</a:t>
             </a:r>
           </a:p>
           <a:p>
             <a:pPr marL="571500" indent="-571500">
+              <a:buClr>
+                <a:srgbClr val="00B0F0"/>
+              </a:buClr>
               <a:buFont typeface="+mj-lt"/>
               <a:buAutoNum type="romanLcPeriod"/>
             </a:pPr>
             <a:r>
               <a:rPr lang="en-US" sz="2800" dirty="0" smtClean="0">
-                <a:solidFill>
-                  <a:schemeClr val="accent6">
-                    <a:lumMod val="50000"/>
-                  </a:schemeClr>
-                </a:solidFill>
-              </a:rPr>
-              <a:t>Easy to maintain and reusable script</a:t>
+                <a:latin typeface="Aparajita" pitchFamily="34" charset="0"/>
+                <a:cs typeface="Aparajita" pitchFamily="34" charset="0"/>
+              </a:rPr>
+              <a:t>Easy to maintain and reusable script.</a:t>
+            </a:r>
+          </a:p>
+          <a:p>
+            <a:pPr marL="571500" indent="-571500">
+              <a:buClr>
+                <a:srgbClr val="00B0F0"/>
+              </a:buClr>
+              <a:buFont typeface="+mj-lt"/>
+              <a:buAutoNum type="romanLcPeriod"/>
+            </a:pPr>
+            <a:r>
+              <a:rPr lang="en-US" sz="2800" dirty="0" smtClean="0">
+                <a:latin typeface="Aparajita" pitchFamily="34" charset="0"/>
+                <a:cs typeface="Aparajita" pitchFamily="34" charset="0"/>
+              </a:rPr>
+              <a:t>We can make use of cache feature.</a:t>
             </a:r>
           </a:p>
           <a:p>
@@ -4058,6 +4408,8 @@
                   <a:lumMod val="50000"/>
                 </a:schemeClr>
               </a:solidFill>
+              <a:latin typeface="Aparajita" pitchFamily="34" charset="0"/>
+              <a:cs typeface="Aparajita" pitchFamily="34" charset="0"/>
             </a:endParaRPr>
           </a:p>
           <a:p>
@@ -4095,63 +4447,1620 @@
 </p:sld>
 </file>
 
+<file path=ppt/slides/slide4.xml><?xml version="1.0" encoding="utf-8"?>
+<p:sld xmlns:a="http://schemas.openxmlformats.org/drawingml/2006/main" xmlns:r="http://schemas.openxmlformats.org/officeDocument/2006/relationships" xmlns:p="http://schemas.openxmlformats.org/presentationml/2006/main" showMasterSp="0">
+  <p:cSld>
+    <p:spTree>
+      <p:nvGrpSpPr>
+        <p:cNvPr id="1" name=""/>
+        <p:cNvGrpSpPr/>
+        <p:nvPr/>
+      </p:nvGrpSpPr>
+      <p:grpSpPr>
+        <a:xfrm>
+          <a:off x="0" y="0"/>
+          <a:ext cx="0" cy="0"/>
+          <a:chOff x="0" y="0"/>
+          <a:chExt cx="0" cy="0"/>
+        </a:xfrm>
+      </p:grpSpPr>
+      <p:sp>
+        <p:nvSpPr>
+          <p:cNvPr id="2" name="Title 1"/>
+          <p:cNvSpPr>
+            <a:spLocks noGrp="1"/>
+          </p:cNvSpPr>
+          <p:nvPr>
+            <p:ph type="ctrTitle"/>
+          </p:nvPr>
+        </p:nvSpPr>
+        <p:spPr>
+          <a:xfrm>
+            <a:off x="685800" y="76201"/>
+            <a:ext cx="7543800" cy="914400"/>
+          </a:xfrm>
+        </p:spPr>
+        <p:txBody>
+          <a:bodyPr/>
+          <a:lstStyle/>
+          <a:p>
+            <a:pPr algn="ctr"/>
+            <a:r>
+              <a:rPr lang="en-US" sz="4800" i="1" dirty="0" smtClean="0">
+                <a:solidFill>
+                  <a:schemeClr val="tx1">
+                    <a:lumMod val="75000"/>
+                    <a:lumOff val="25000"/>
+                  </a:schemeClr>
+                </a:solidFill>
+                <a:latin typeface="Aparajita" pitchFamily="34" charset="0"/>
+                <a:cs typeface="Aparajita" pitchFamily="34" charset="0"/>
+              </a:rPr>
+              <a:t>Test NG</a:t>
+            </a:r>
+            <a:endParaRPr lang="en-US" sz="4800" i="1" dirty="0">
+              <a:solidFill>
+                <a:schemeClr val="tx1">
+                  <a:lumMod val="75000"/>
+                  <a:lumOff val="25000"/>
+                </a:schemeClr>
+              </a:solidFill>
+              <a:latin typeface="Aparajita" pitchFamily="34" charset="0"/>
+              <a:cs typeface="Aparajita" pitchFamily="34" charset="0"/>
+            </a:endParaRPr>
+          </a:p>
+        </p:txBody>
+      </p:sp>
+      <p:sp>
+        <p:nvSpPr>
+          <p:cNvPr id="3" name="Subtitle 2"/>
+          <p:cNvSpPr>
+            <a:spLocks noGrp="1"/>
+          </p:cNvSpPr>
+          <p:nvPr>
+            <p:ph type="subTitle" idx="1"/>
+          </p:nvPr>
+        </p:nvSpPr>
+        <p:spPr>
+          <a:xfrm>
+            <a:off x="0" y="1219200"/>
+            <a:ext cx="8305800" cy="5410200"/>
+          </a:xfrm>
+        </p:spPr>
+        <p:txBody>
+          <a:bodyPr>
+            <a:normAutofit/>
+          </a:bodyPr>
+          <a:lstStyle/>
+          <a:p>
+            <a:pPr marL="571500" indent="-571500">
+              <a:buFont typeface="Wingdings" pitchFamily="2" charset="2"/>
+              <a:buChar char="Ø"/>
+            </a:pPr>
+            <a:r>
+              <a:rPr lang="en-US" sz="2800" b="1" i="1" dirty="0" smtClean="0">
+                <a:latin typeface="Aparajita" pitchFamily="34" charset="0"/>
+                <a:cs typeface="Aparajita" pitchFamily="34" charset="0"/>
+              </a:rPr>
+              <a:t>What is TestNG</a:t>
+            </a:r>
+          </a:p>
+          <a:p>
+            <a:pPr marL="571500" indent="-571500">
+              <a:buClr>
+                <a:srgbClr val="00B0F0"/>
+              </a:buClr>
+              <a:buFont typeface="+mj-lt"/>
+              <a:buAutoNum type="romanLcPeriod"/>
+            </a:pPr>
+            <a:r>
+              <a:rPr lang="en-US" sz="2800" dirty="0" smtClean="0">
+                <a:latin typeface="Aparajita" pitchFamily="34" charset="0"/>
+                <a:cs typeface="Aparajita" pitchFamily="34" charset="0"/>
+              </a:rPr>
+              <a:t>TestNG is testing framework inspired from </a:t>
+            </a:r>
+            <a:r>
+              <a:rPr lang="en-US" sz="2800" dirty="0" err="1" smtClean="0">
+                <a:latin typeface="Aparajita" pitchFamily="34" charset="0"/>
+                <a:cs typeface="Aparajita" pitchFamily="34" charset="0"/>
+              </a:rPr>
+              <a:t>Junit</a:t>
+            </a:r>
+            <a:r>
+              <a:rPr lang="en-US" sz="2800" dirty="0">
+                <a:latin typeface="Aparajita" pitchFamily="34" charset="0"/>
+                <a:cs typeface="Aparajita" pitchFamily="34" charset="0"/>
+              </a:rPr>
+              <a:t>.</a:t>
+            </a:r>
+            <a:endParaRPr lang="en-US" sz="2800" dirty="0" smtClean="0">
+              <a:latin typeface="Aparajita" pitchFamily="34" charset="0"/>
+              <a:cs typeface="Aparajita" pitchFamily="34" charset="0"/>
+            </a:endParaRPr>
+          </a:p>
+          <a:p>
+            <a:pPr marL="571500" indent="-571500">
+              <a:buClr>
+                <a:srgbClr val="00B0F0"/>
+              </a:buClr>
+              <a:buFont typeface="+mj-lt"/>
+              <a:buAutoNum type="romanLcPeriod"/>
+            </a:pPr>
+            <a:r>
+              <a:rPr lang="en-US" sz="2800" dirty="0" smtClean="0">
+                <a:latin typeface="Aparajita" pitchFamily="34" charset="0"/>
+                <a:cs typeface="Aparajita" pitchFamily="34" charset="0"/>
+              </a:rPr>
+              <a:t>TestNG has multiple classes, interfaces and methods which makes developer job easy</a:t>
+            </a:r>
+          </a:p>
+          <a:p>
+            <a:pPr marL="571500" indent="-571500">
+              <a:buClr>
+                <a:srgbClr val="00B0F0"/>
+              </a:buClr>
+              <a:buFont typeface="+mj-lt"/>
+              <a:buAutoNum type="romanLcPeriod"/>
+            </a:pPr>
+            <a:r>
+              <a:rPr lang="en-US" sz="2800" dirty="0" smtClean="0">
+                <a:latin typeface="Aparajita" pitchFamily="34" charset="0"/>
+                <a:cs typeface="Aparajita" pitchFamily="34" charset="0"/>
+              </a:rPr>
+              <a:t>TestNG provides many additional functionality using that we can create robust framework.</a:t>
+            </a:r>
+          </a:p>
+          <a:p>
+            <a:pPr marL="571500" indent="-571500">
+              <a:buFont typeface="+mj-lt"/>
+              <a:buAutoNum type="romanLcPeriod"/>
+            </a:pPr>
+            <a:endParaRPr lang="en-US" sz="2800" dirty="0" smtClean="0">
+              <a:latin typeface="Aparajita" pitchFamily="34" charset="0"/>
+              <a:cs typeface="Aparajita" pitchFamily="34" charset="0"/>
+            </a:endParaRPr>
+          </a:p>
+          <a:p>
+            <a:pPr marL="857250" indent="-857250">
+              <a:buFont typeface="+mj-lt"/>
+              <a:buAutoNum type="romanLcPeriod"/>
+            </a:pPr>
+            <a:endParaRPr lang="en-US" sz="2800" dirty="0" smtClean="0">
+              <a:solidFill>
+                <a:schemeClr val="accent6">
+                  <a:lumMod val="50000"/>
+                </a:schemeClr>
+              </a:solidFill>
+              <a:latin typeface="Aparajita" pitchFamily="34" charset="0"/>
+              <a:cs typeface="Aparajita" pitchFamily="34" charset="0"/>
+            </a:endParaRPr>
+          </a:p>
+          <a:p>
+            <a:pPr marL="571500" indent="-571500">
+              <a:buFont typeface="Arial" pitchFamily="34" charset="0"/>
+              <a:buChar char="•"/>
+            </a:pPr>
+            <a:endParaRPr lang="en-US" sz="3600" dirty="0">
+              <a:solidFill>
+                <a:schemeClr val="accent6">
+                  <a:lumMod val="50000"/>
+                </a:schemeClr>
+              </a:solidFill>
+            </a:endParaRPr>
+          </a:p>
+        </p:txBody>
+      </p:sp>
+    </p:spTree>
+    <p:extLst>
+      <p:ext uri="{BB962C8B-B14F-4D97-AF65-F5344CB8AC3E}">
+        <p14:creationId xmlns:p14="http://schemas.microsoft.com/office/powerpoint/2010/main" val="371780410"/>
+      </p:ext>
+    </p:extLst>
+  </p:cSld>
+  <p:clrMapOvr>
+    <a:masterClrMapping/>
+  </p:clrMapOvr>
+  <p:timing>
+    <p:tnLst>
+      <p:par>
+        <p:cTn id="1" dur="indefinite" restart="never" nodeType="tmRoot"/>
+      </p:par>
+    </p:tnLst>
+  </p:timing>
+</p:sld>
+</file>
+
+<file path=ppt/slides/slide5.xml><?xml version="1.0" encoding="utf-8"?>
+<p:sld xmlns:a="http://schemas.openxmlformats.org/drawingml/2006/main" xmlns:r="http://schemas.openxmlformats.org/officeDocument/2006/relationships" xmlns:p="http://schemas.openxmlformats.org/presentationml/2006/main" showMasterSp="0">
+  <p:cSld>
+    <p:spTree>
+      <p:nvGrpSpPr>
+        <p:cNvPr id="1" name=""/>
+        <p:cNvGrpSpPr/>
+        <p:nvPr/>
+      </p:nvGrpSpPr>
+      <p:grpSpPr>
+        <a:xfrm>
+          <a:off x="0" y="0"/>
+          <a:ext cx="0" cy="0"/>
+          <a:chOff x="0" y="0"/>
+          <a:chExt cx="0" cy="0"/>
+        </a:xfrm>
+      </p:grpSpPr>
+      <p:sp>
+        <p:nvSpPr>
+          <p:cNvPr id="2" name="Title 1"/>
+          <p:cNvSpPr>
+            <a:spLocks noGrp="1"/>
+          </p:cNvSpPr>
+          <p:nvPr>
+            <p:ph type="ctrTitle"/>
+          </p:nvPr>
+        </p:nvSpPr>
+        <p:spPr>
+          <a:xfrm>
+            <a:off x="685800" y="76201"/>
+            <a:ext cx="7543800" cy="914400"/>
+          </a:xfrm>
+        </p:spPr>
+        <p:txBody>
+          <a:bodyPr/>
+          <a:lstStyle/>
+          <a:p>
+            <a:pPr algn="ctr"/>
+            <a:r>
+              <a:rPr lang="en-US" sz="4800" i="1" dirty="0" smtClean="0">
+                <a:solidFill>
+                  <a:schemeClr val="tx1">
+                    <a:lumMod val="75000"/>
+                    <a:lumOff val="25000"/>
+                  </a:schemeClr>
+                </a:solidFill>
+                <a:latin typeface="Aparajita" pitchFamily="34" charset="0"/>
+                <a:cs typeface="Aparajita" pitchFamily="34" charset="0"/>
+              </a:rPr>
+              <a:t>Test NG</a:t>
+            </a:r>
+            <a:endParaRPr lang="en-US" sz="4800" i="1" dirty="0">
+              <a:solidFill>
+                <a:schemeClr val="tx1">
+                  <a:lumMod val="75000"/>
+                  <a:lumOff val="25000"/>
+                </a:schemeClr>
+              </a:solidFill>
+              <a:latin typeface="Aparajita" pitchFamily="34" charset="0"/>
+              <a:cs typeface="Aparajita" pitchFamily="34" charset="0"/>
+            </a:endParaRPr>
+          </a:p>
+        </p:txBody>
+      </p:sp>
+      <p:sp>
+        <p:nvSpPr>
+          <p:cNvPr id="3" name="Subtitle 2"/>
+          <p:cNvSpPr>
+            <a:spLocks noGrp="1"/>
+          </p:cNvSpPr>
+          <p:nvPr>
+            <p:ph type="subTitle" idx="1"/>
+          </p:nvPr>
+        </p:nvSpPr>
+        <p:spPr>
+          <a:xfrm>
+            <a:off x="0" y="1219200"/>
+            <a:ext cx="8305800" cy="5410200"/>
+          </a:xfrm>
+        </p:spPr>
+        <p:txBody>
+          <a:bodyPr>
+            <a:normAutofit/>
+          </a:bodyPr>
+          <a:lstStyle/>
+          <a:p>
+            <a:pPr marL="571500" indent="-571500">
+              <a:buClr>
+                <a:srgbClr val="00B0F0"/>
+              </a:buClr>
+              <a:buFont typeface="Wingdings" pitchFamily="2" charset="2"/>
+              <a:buChar char="Ø"/>
+            </a:pPr>
+            <a:r>
+              <a:rPr lang="en-US" sz="2800" b="1" i="1" dirty="0" smtClean="0">
+                <a:latin typeface="Aparajita" pitchFamily="34" charset="0"/>
+                <a:cs typeface="Aparajita" pitchFamily="34" charset="0"/>
+              </a:rPr>
+              <a:t>Advantages of TestNG</a:t>
+            </a:r>
+          </a:p>
+          <a:p>
+            <a:pPr marL="571500" indent="-571500">
+              <a:buClr>
+                <a:srgbClr val="00B0F0"/>
+              </a:buClr>
+              <a:buFont typeface="+mj-lt"/>
+              <a:buAutoNum type="romanLcPeriod"/>
+            </a:pPr>
+            <a:r>
+              <a:rPr lang="en-US" sz="2800" dirty="0" smtClean="0">
+                <a:latin typeface="Aparajita" pitchFamily="34" charset="0"/>
+                <a:cs typeface="Aparajita" pitchFamily="34" charset="0"/>
+              </a:rPr>
+              <a:t>Default Reporting</a:t>
+            </a:r>
+          </a:p>
+          <a:p>
+            <a:pPr marL="571500" indent="-571500">
+              <a:buClr>
+                <a:srgbClr val="00B0F0"/>
+              </a:buClr>
+              <a:buFont typeface="+mj-lt"/>
+              <a:buAutoNum type="romanLcPeriod"/>
+            </a:pPr>
+            <a:r>
+              <a:rPr lang="en-US" sz="2800" dirty="0" smtClean="0">
+                <a:latin typeface="Aparajita" pitchFamily="34" charset="0"/>
+                <a:cs typeface="Aparajita" pitchFamily="34" charset="0"/>
+              </a:rPr>
+              <a:t>Supports of Listeners </a:t>
+            </a:r>
+          </a:p>
+          <a:p>
+            <a:pPr marL="571500" indent="-571500">
+              <a:buClr>
+                <a:srgbClr val="00B0F0"/>
+              </a:buClr>
+              <a:buFont typeface="+mj-lt"/>
+              <a:buAutoNum type="romanLcPeriod"/>
+            </a:pPr>
+            <a:r>
+              <a:rPr lang="en-US" sz="2800" dirty="0" smtClean="0">
+                <a:latin typeface="Aparajita" pitchFamily="34" charset="0"/>
+                <a:cs typeface="Aparajita" pitchFamily="34" charset="0"/>
+              </a:rPr>
+              <a:t>Supports of Advanced Annotations</a:t>
+            </a:r>
+          </a:p>
+          <a:p>
+            <a:pPr marL="571500" indent="-571500">
+              <a:buClr>
+                <a:srgbClr val="00B0F0"/>
+              </a:buClr>
+              <a:buFont typeface="+mj-lt"/>
+              <a:buAutoNum type="romanLcPeriod"/>
+            </a:pPr>
+            <a:r>
+              <a:rPr lang="en-US" sz="2800" dirty="0" smtClean="0">
+                <a:latin typeface="Aparajita" pitchFamily="34" charset="0"/>
+                <a:cs typeface="Aparajita" pitchFamily="34" charset="0"/>
+              </a:rPr>
+              <a:t>Easy and flexible test Configurations</a:t>
+            </a:r>
+          </a:p>
+          <a:p>
+            <a:pPr marL="571500" indent="-571500">
+              <a:buClr>
+                <a:srgbClr val="00B0F0"/>
+              </a:buClr>
+              <a:buFont typeface="+mj-lt"/>
+              <a:buAutoNum type="romanLcPeriod"/>
+            </a:pPr>
+            <a:r>
+              <a:rPr lang="en-US" sz="2800" dirty="0" smtClean="0">
+                <a:latin typeface="Aparajita" pitchFamily="34" charset="0"/>
+                <a:cs typeface="Aparajita" pitchFamily="34" charset="0"/>
+              </a:rPr>
+              <a:t>Supports for data driven testing(with @data provider)</a:t>
+            </a:r>
+          </a:p>
+          <a:p>
+            <a:pPr marL="571500" indent="-571500">
+              <a:buClr>
+                <a:srgbClr val="00B0F0"/>
+              </a:buClr>
+              <a:buFont typeface="+mj-lt"/>
+              <a:buAutoNum type="romanLcPeriod"/>
+            </a:pPr>
+            <a:r>
+              <a:rPr lang="en-US" sz="2800" dirty="0" smtClean="0">
+                <a:latin typeface="Aparajita" pitchFamily="34" charset="0"/>
+                <a:cs typeface="Aparajita" pitchFamily="34" charset="0"/>
+              </a:rPr>
+              <a:t>Supports of parameter</a:t>
+            </a:r>
+          </a:p>
+          <a:p>
+            <a:pPr marL="571500" indent="-571500">
+              <a:buClr>
+                <a:srgbClr val="00B0F0"/>
+              </a:buClr>
+              <a:buFont typeface="+mj-lt"/>
+              <a:buAutoNum type="romanLcPeriod"/>
+            </a:pPr>
+            <a:r>
+              <a:rPr lang="en-US" sz="2800" dirty="0" smtClean="0">
+                <a:latin typeface="Aparajita" pitchFamily="34" charset="0"/>
+                <a:cs typeface="Aparajita" pitchFamily="34" charset="0"/>
+              </a:rPr>
+              <a:t>Easy way to execute Test Suite</a:t>
+            </a:r>
+          </a:p>
+          <a:p>
+            <a:pPr marL="571500" indent="-571500">
+              <a:buClr>
+                <a:srgbClr val="00B0F0"/>
+              </a:buClr>
+              <a:buFont typeface="+mj-lt"/>
+              <a:buAutoNum type="romanLcPeriod"/>
+            </a:pPr>
+            <a:r>
+              <a:rPr lang="en-US" sz="2800" dirty="0" smtClean="0">
+                <a:latin typeface="Aparajita" pitchFamily="34" charset="0"/>
+                <a:cs typeface="Aparajita" pitchFamily="34" charset="0"/>
+              </a:rPr>
+              <a:t>Supports Parallel  execution</a:t>
+            </a:r>
+          </a:p>
+          <a:p>
+            <a:pPr marL="571500" indent="-571500">
+              <a:buClr>
+                <a:srgbClr val="00B0F0"/>
+              </a:buClr>
+              <a:buFont typeface="+mj-lt"/>
+              <a:buAutoNum type="romanLcPeriod"/>
+            </a:pPr>
+            <a:r>
+              <a:rPr lang="en-US" sz="2800" dirty="0" smtClean="0">
+                <a:latin typeface="Aparajita" pitchFamily="34" charset="0"/>
+                <a:cs typeface="Aparajita" pitchFamily="34" charset="0"/>
+              </a:rPr>
+              <a:t>Grouping feature and many more. </a:t>
+            </a:r>
+          </a:p>
+          <a:p>
+            <a:pPr marL="857250" indent="-857250">
+              <a:buFont typeface="+mj-lt"/>
+              <a:buAutoNum type="romanLcPeriod"/>
+            </a:pPr>
+            <a:endParaRPr lang="en-US" sz="2800" dirty="0" smtClean="0">
+              <a:solidFill>
+                <a:schemeClr val="accent6">
+                  <a:lumMod val="50000"/>
+                </a:schemeClr>
+              </a:solidFill>
+              <a:latin typeface="Aparajita" pitchFamily="34" charset="0"/>
+              <a:cs typeface="Aparajita" pitchFamily="34" charset="0"/>
+            </a:endParaRPr>
+          </a:p>
+          <a:p>
+            <a:pPr marL="571500" indent="-571500">
+              <a:buFont typeface="Arial" pitchFamily="34" charset="0"/>
+              <a:buChar char="•"/>
+            </a:pPr>
+            <a:endParaRPr lang="en-US" sz="3600" dirty="0">
+              <a:solidFill>
+                <a:schemeClr val="accent6">
+                  <a:lumMod val="50000"/>
+                </a:schemeClr>
+              </a:solidFill>
+            </a:endParaRPr>
+          </a:p>
+        </p:txBody>
+      </p:sp>
+    </p:spTree>
+    <p:extLst>
+      <p:ext uri="{BB962C8B-B14F-4D97-AF65-F5344CB8AC3E}">
+        <p14:creationId xmlns:p14="http://schemas.microsoft.com/office/powerpoint/2010/main" val="2971481840"/>
+      </p:ext>
+    </p:extLst>
+  </p:cSld>
+  <p:clrMapOvr>
+    <a:masterClrMapping/>
+  </p:clrMapOvr>
+  <p:timing>
+    <p:tnLst>
+      <p:par>
+        <p:cTn id="1" dur="indefinite" restart="never" nodeType="tmRoot"/>
+      </p:par>
+    </p:tnLst>
+  </p:timing>
+</p:sld>
+</file>
+
+<file path=ppt/slides/slide6.xml><?xml version="1.0" encoding="utf-8"?>
+<p:sld xmlns:a="http://schemas.openxmlformats.org/drawingml/2006/main" xmlns:r="http://schemas.openxmlformats.org/officeDocument/2006/relationships" xmlns:p="http://schemas.openxmlformats.org/presentationml/2006/main" showMasterSp="0">
+  <p:cSld>
+    <p:spTree>
+      <p:nvGrpSpPr>
+        <p:cNvPr id="1" name=""/>
+        <p:cNvGrpSpPr/>
+        <p:nvPr/>
+      </p:nvGrpSpPr>
+      <p:grpSpPr>
+        <a:xfrm>
+          <a:off x="0" y="0"/>
+          <a:ext cx="0" cy="0"/>
+          <a:chOff x="0" y="0"/>
+          <a:chExt cx="0" cy="0"/>
+        </a:xfrm>
+      </p:grpSpPr>
+      <p:sp>
+        <p:nvSpPr>
+          <p:cNvPr id="2" name="Title 1"/>
+          <p:cNvSpPr>
+            <a:spLocks noGrp="1"/>
+          </p:cNvSpPr>
+          <p:nvPr>
+            <p:ph type="ctrTitle"/>
+          </p:nvPr>
+        </p:nvSpPr>
+        <p:spPr>
+          <a:xfrm>
+            <a:off x="685800" y="76201"/>
+            <a:ext cx="7543800" cy="914400"/>
+          </a:xfrm>
+        </p:spPr>
+        <p:txBody>
+          <a:bodyPr/>
+          <a:lstStyle/>
+          <a:p>
+            <a:pPr algn="ctr"/>
+            <a:r>
+              <a:rPr lang="en-US" sz="4800" i="1" dirty="0" smtClean="0">
+                <a:solidFill>
+                  <a:schemeClr val="tx1">
+                    <a:lumMod val="75000"/>
+                    <a:lumOff val="25000"/>
+                  </a:schemeClr>
+                </a:solidFill>
+                <a:latin typeface="Aparajita" pitchFamily="34" charset="0"/>
+                <a:cs typeface="Aparajita" pitchFamily="34" charset="0"/>
+              </a:rPr>
+              <a:t>Test </a:t>
+            </a:r>
+            <a:r>
+              <a:rPr lang="en-US" sz="4800" i="1" dirty="0" err="1" smtClean="0">
+                <a:solidFill>
+                  <a:schemeClr val="tx1">
+                    <a:lumMod val="75000"/>
+                    <a:lumOff val="25000"/>
+                  </a:schemeClr>
+                </a:solidFill>
+                <a:latin typeface="Aparajita" pitchFamily="34" charset="0"/>
+                <a:cs typeface="Aparajita" pitchFamily="34" charset="0"/>
+              </a:rPr>
+              <a:t>ng</a:t>
+            </a:r>
+            <a:endParaRPr lang="en-US" sz="4800" i="1" dirty="0">
+              <a:solidFill>
+                <a:schemeClr val="tx1">
+                  <a:lumMod val="75000"/>
+                  <a:lumOff val="25000"/>
+                </a:schemeClr>
+              </a:solidFill>
+              <a:latin typeface="Aparajita" pitchFamily="34" charset="0"/>
+              <a:cs typeface="Aparajita" pitchFamily="34" charset="0"/>
+            </a:endParaRPr>
+          </a:p>
+        </p:txBody>
+      </p:sp>
+      <p:sp>
+        <p:nvSpPr>
+          <p:cNvPr id="3" name="Subtitle 2"/>
+          <p:cNvSpPr>
+            <a:spLocks noGrp="1"/>
+          </p:cNvSpPr>
+          <p:nvPr>
+            <p:ph type="subTitle" idx="1"/>
+          </p:nvPr>
+        </p:nvSpPr>
+        <p:spPr>
+          <a:xfrm>
+            <a:off x="0" y="838200"/>
+            <a:ext cx="9067800" cy="6019800"/>
+          </a:xfrm>
+        </p:spPr>
+        <p:txBody>
+          <a:bodyPr numCol="1">
+            <a:normAutofit lnSpcReduction="10000"/>
+          </a:bodyPr>
+          <a:lstStyle/>
+          <a:p>
+            <a:pPr marL="571500" indent="-571500">
+              <a:buClr>
+                <a:srgbClr val="00B0F0"/>
+              </a:buClr>
+              <a:buFont typeface="Wingdings" pitchFamily="2" charset="2"/>
+              <a:buChar char="Ø"/>
+            </a:pPr>
+            <a:r>
+              <a:rPr lang="en-US" sz="2200" b="1" i="1" dirty="0" smtClean="0">
+                <a:solidFill>
+                  <a:schemeClr val="accent4">
+                    <a:lumMod val="75000"/>
+                  </a:schemeClr>
+                </a:solidFill>
+                <a:latin typeface="Aparajita" pitchFamily="34" charset="0"/>
+                <a:cs typeface="Aparajita" pitchFamily="34" charset="0"/>
+              </a:rPr>
+              <a:t>What is Listener</a:t>
+            </a:r>
+          </a:p>
+          <a:p>
+            <a:pPr marL="857250" indent="-857250">
+              <a:buClr>
+                <a:srgbClr val="00B0F0"/>
+              </a:buClr>
+              <a:buFont typeface="+mj-lt"/>
+              <a:buAutoNum type="romanLcPeriod"/>
+            </a:pPr>
+            <a:r>
+              <a:rPr lang="en-US" sz="2200" dirty="0" smtClean="0">
+                <a:latin typeface="Aparajita" pitchFamily="34" charset="0"/>
+                <a:cs typeface="Aparajita" pitchFamily="34" charset="0"/>
+              </a:rPr>
+              <a:t>Listener is important feature in TestNG which used to customize logs. And report of TestNG</a:t>
+            </a:r>
+          </a:p>
+          <a:p>
+            <a:pPr marL="857250" indent="-857250">
+              <a:buClr>
+                <a:srgbClr val="00B0F0"/>
+              </a:buClr>
+              <a:buFont typeface="+mj-lt"/>
+              <a:buAutoNum type="romanLcPeriod"/>
+            </a:pPr>
+            <a:r>
+              <a:rPr lang="en-US" sz="2200" dirty="0" smtClean="0">
+                <a:latin typeface="Aparajita" pitchFamily="34" charset="0"/>
+                <a:cs typeface="Aparajita" pitchFamily="34" charset="0"/>
+              </a:rPr>
+              <a:t>As the name says it listen to certain event and act accordingly</a:t>
+            </a:r>
+            <a:endParaRPr lang="en-US" sz="2200" dirty="0" smtClean="0">
+              <a:solidFill>
+                <a:schemeClr val="accent6">
+                  <a:lumMod val="50000"/>
+                </a:schemeClr>
+              </a:solidFill>
+              <a:latin typeface="Aparajita" pitchFamily="34" charset="0"/>
+              <a:cs typeface="Aparajita" pitchFamily="34" charset="0"/>
+            </a:endParaRPr>
+          </a:p>
+          <a:p>
+            <a:pPr marL="342900" indent="-342900">
+              <a:buClr>
+                <a:srgbClr val="00B0F0"/>
+              </a:buClr>
+              <a:buFont typeface="Wingdings" pitchFamily="2" charset="2"/>
+              <a:buChar char="Ø"/>
+            </a:pPr>
+            <a:r>
+              <a:rPr lang="en-US" sz="2200" dirty="0" smtClean="0">
+                <a:solidFill>
+                  <a:schemeClr val="accent6">
+                    <a:lumMod val="50000"/>
+                  </a:schemeClr>
+                </a:solidFill>
+                <a:latin typeface="Aparajita" pitchFamily="34" charset="0"/>
+                <a:cs typeface="Aparajita" pitchFamily="34" charset="0"/>
+              </a:rPr>
+              <a:t>  </a:t>
+            </a:r>
+            <a:r>
+              <a:rPr lang="en-US" sz="2200" b="1" i="1" dirty="0" smtClean="0">
+                <a:solidFill>
+                  <a:schemeClr val="accent5">
+                    <a:lumMod val="50000"/>
+                  </a:schemeClr>
+                </a:solidFill>
+                <a:latin typeface="Aparajita" pitchFamily="34" charset="0"/>
+                <a:cs typeface="Aparajita" pitchFamily="34" charset="0"/>
+              </a:rPr>
+              <a:t>Type of Listeners</a:t>
+            </a:r>
+          </a:p>
+          <a:p>
+            <a:pPr marL="571500" indent="-571500" algn="just">
+              <a:buClr>
+                <a:srgbClr val="00B0F0"/>
+              </a:buClr>
+              <a:buFont typeface="+mj-lt"/>
+              <a:buAutoNum type="romanLcPeriod"/>
+            </a:pPr>
+            <a:r>
+              <a:rPr lang="en-US" sz="2200" dirty="0" smtClean="0">
+                <a:latin typeface="Aparajita" pitchFamily="34" charset="0"/>
+                <a:cs typeface="Aparajita" pitchFamily="34" charset="0"/>
+              </a:rPr>
+              <a:t>IAnnotation Transformer</a:t>
+            </a:r>
+          </a:p>
+          <a:p>
+            <a:pPr marL="571500" indent="-571500" algn="just">
+              <a:buClr>
+                <a:srgbClr val="00B0F0"/>
+              </a:buClr>
+              <a:buFont typeface="+mj-lt"/>
+              <a:buAutoNum type="romanLcPeriod"/>
+            </a:pPr>
+            <a:r>
+              <a:rPr lang="en-US" sz="2200" dirty="0" smtClean="0">
+                <a:latin typeface="Aparajita" pitchFamily="34" charset="0"/>
+                <a:cs typeface="Aparajita" pitchFamily="34" charset="0"/>
+              </a:rPr>
+              <a:t>IHookable</a:t>
+            </a:r>
+          </a:p>
+          <a:p>
+            <a:pPr marL="571500" indent="-571500" algn="just">
+              <a:buClr>
+                <a:srgbClr val="00B0F0"/>
+              </a:buClr>
+              <a:buFont typeface="+mj-lt"/>
+              <a:buAutoNum type="romanLcPeriod"/>
+            </a:pPr>
+            <a:r>
+              <a:rPr lang="en-US" sz="2200" dirty="0" smtClean="0">
+                <a:latin typeface="Aparajita" pitchFamily="34" charset="0"/>
+                <a:cs typeface="Aparajita" pitchFamily="34" charset="0"/>
+              </a:rPr>
+              <a:t>IInvokedMethod Listner</a:t>
+            </a:r>
+          </a:p>
+          <a:p>
+            <a:pPr marL="571500" indent="-571500" algn="just">
+              <a:buClr>
+                <a:srgbClr val="00B0F0"/>
+              </a:buClr>
+              <a:buFont typeface="+mj-lt"/>
+              <a:buAutoNum type="romanLcPeriod"/>
+            </a:pPr>
+            <a:r>
+              <a:rPr lang="en-US" sz="2200" dirty="0" smtClean="0">
+                <a:latin typeface="Aparajita" pitchFamily="34" charset="0"/>
+                <a:cs typeface="Aparajita" pitchFamily="34" charset="0"/>
+              </a:rPr>
+              <a:t>IMethodInterceptor</a:t>
+            </a:r>
+          </a:p>
+          <a:p>
+            <a:pPr marL="571500" indent="-571500" algn="just">
+              <a:buClr>
+                <a:srgbClr val="00B0F0"/>
+              </a:buClr>
+              <a:buFont typeface="+mj-lt"/>
+              <a:buAutoNum type="romanLcPeriod"/>
+            </a:pPr>
+            <a:r>
+              <a:rPr lang="en-US" sz="2200" dirty="0" smtClean="0">
+                <a:latin typeface="Aparajita" pitchFamily="34" charset="0"/>
+                <a:cs typeface="Aparajita" pitchFamily="34" charset="0"/>
+              </a:rPr>
+              <a:t>IReporter</a:t>
+            </a:r>
+          </a:p>
+          <a:p>
+            <a:pPr marL="571500" indent="-571500">
+              <a:buClr>
+                <a:srgbClr val="00B0F0"/>
+              </a:buClr>
+              <a:buFont typeface="+mj-lt"/>
+              <a:buAutoNum type="romanLcPeriod"/>
+            </a:pPr>
+            <a:r>
+              <a:rPr lang="en-US" sz="2200" b="1" dirty="0" err="1" smtClean="0">
+                <a:latin typeface="Aparajita" pitchFamily="34" charset="0"/>
+                <a:cs typeface="Aparajita" pitchFamily="34" charset="0"/>
+              </a:rPr>
+              <a:t>ITestListener</a:t>
+            </a:r>
+            <a:endParaRPr lang="en-US" sz="2200" b="1" dirty="0" smtClean="0">
+              <a:latin typeface="Aparajita" pitchFamily="34" charset="0"/>
+              <a:cs typeface="Aparajita" pitchFamily="34" charset="0"/>
+            </a:endParaRPr>
+          </a:p>
+          <a:p>
+            <a:pPr marL="342900" indent="-342900">
+              <a:buClr>
+                <a:srgbClr val="00B0F0"/>
+              </a:buClr>
+              <a:buFont typeface="Wingdings" pitchFamily="2" charset="2"/>
+              <a:buChar char="v"/>
+            </a:pPr>
+            <a:r>
+              <a:rPr lang="en-US" sz="2200" b="1" dirty="0" smtClean="0">
+                <a:latin typeface="Aparajita" pitchFamily="34" charset="0"/>
+                <a:cs typeface="Aparajita" pitchFamily="34" charset="0"/>
+              </a:rPr>
+              <a:t>Way To Implement Listner</a:t>
+            </a:r>
+          </a:p>
+          <a:p>
+            <a:pPr marL="571500" indent="-571500">
+              <a:buClr>
+                <a:srgbClr val="00B0F0"/>
+              </a:buClr>
+              <a:buFont typeface="+mj-lt"/>
+              <a:buAutoNum type="romanLcPeriod"/>
+            </a:pPr>
+            <a:r>
+              <a:rPr lang="en-US" sz="2200" dirty="0" smtClean="0">
+                <a:latin typeface="Aparajita" pitchFamily="34" charset="0"/>
+                <a:cs typeface="Aparajita" pitchFamily="34" charset="0"/>
+              </a:rPr>
+              <a:t>Class Level</a:t>
+            </a:r>
+          </a:p>
+          <a:p>
+            <a:pPr marL="571500" indent="-571500">
+              <a:buClr>
+                <a:srgbClr val="00B0F0"/>
+              </a:buClr>
+              <a:buFont typeface="+mj-lt"/>
+              <a:buAutoNum type="romanLcPeriod"/>
+            </a:pPr>
+            <a:r>
+              <a:rPr lang="en-US" sz="2200" dirty="0" smtClean="0">
+                <a:latin typeface="Aparajita" pitchFamily="34" charset="0"/>
+                <a:cs typeface="Aparajita" pitchFamily="34" charset="0"/>
+              </a:rPr>
+              <a:t>Suite Level</a:t>
+            </a:r>
+            <a:endParaRPr lang="en-US" sz="2200" b="1" dirty="0" smtClean="0">
+              <a:latin typeface="Aparajita" pitchFamily="34" charset="0"/>
+              <a:cs typeface="Aparajita" pitchFamily="34" charset="0"/>
+            </a:endParaRPr>
+          </a:p>
+          <a:p>
+            <a:r>
+              <a:rPr lang="en-US" sz="2400" b="1" dirty="0" smtClean="0">
+                <a:latin typeface="Aparajita" pitchFamily="34" charset="0"/>
+                <a:cs typeface="Aparajita" pitchFamily="34" charset="0"/>
+              </a:rPr>
+              <a:t>Source:-</a:t>
+            </a:r>
+            <a:r>
+              <a:rPr lang="en-US" sz="2800" i="1" dirty="0" smtClean="0">
+                <a:solidFill>
+                  <a:schemeClr val="tx2">
+                    <a:lumMod val="75000"/>
+                  </a:schemeClr>
+                </a:solidFill>
+                <a:latin typeface="Aparajita" pitchFamily="34" charset="0"/>
+                <a:cs typeface="Aparajita" pitchFamily="34" charset="0"/>
+              </a:rPr>
+              <a:t>http://testng.org</a:t>
+            </a:r>
+          </a:p>
+          <a:p>
+            <a:endParaRPr lang="en-US" sz="2800" i="1" dirty="0">
+              <a:solidFill>
+                <a:schemeClr val="tx2">
+                  <a:lumMod val="75000"/>
+                </a:schemeClr>
+              </a:solidFill>
+              <a:latin typeface="Aparajita" pitchFamily="34" charset="0"/>
+              <a:cs typeface="Aparajita" pitchFamily="34" charset="0"/>
+            </a:endParaRPr>
+          </a:p>
+          <a:p>
+            <a:endParaRPr lang="en-US" sz="2800" i="1" dirty="0" smtClean="0">
+              <a:solidFill>
+                <a:schemeClr val="tx2">
+                  <a:lumMod val="75000"/>
+                </a:schemeClr>
+              </a:solidFill>
+              <a:latin typeface="Aparajita" pitchFamily="34" charset="0"/>
+              <a:cs typeface="Aparajita" pitchFamily="34" charset="0"/>
+            </a:endParaRPr>
+          </a:p>
+          <a:p>
+            <a:endParaRPr lang="en-US" sz="2800" i="1" dirty="0" smtClean="0">
+              <a:solidFill>
+                <a:schemeClr val="tx2">
+                  <a:lumMod val="75000"/>
+                </a:schemeClr>
+              </a:solidFill>
+              <a:latin typeface="Aparajita" pitchFamily="34" charset="0"/>
+              <a:cs typeface="Aparajita" pitchFamily="34" charset="0"/>
+            </a:endParaRPr>
+          </a:p>
+          <a:p>
+            <a:endParaRPr lang="en-US" sz="2600" dirty="0">
+              <a:solidFill>
+                <a:schemeClr val="tx2">
+                  <a:lumMod val="75000"/>
+                </a:schemeClr>
+              </a:solidFill>
+            </a:endParaRPr>
+          </a:p>
+          <a:p>
+            <a:endParaRPr lang="en-US" sz="2600" dirty="0">
+              <a:solidFill>
+                <a:schemeClr val="tx2">
+                  <a:lumMod val="75000"/>
+                </a:schemeClr>
+              </a:solidFill>
+            </a:endParaRPr>
+          </a:p>
+          <a:p>
+            <a:endParaRPr lang="en-US" sz="3600" dirty="0" smtClean="0">
+              <a:solidFill>
+                <a:schemeClr val="accent6">
+                  <a:lumMod val="50000"/>
+                </a:schemeClr>
+              </a:solidFill>
+            </a:endParaRPr>
+          </a:p>
+          <a:p>
+            <a:pPr marL="571500" indent="-571500">
+              <a:buFont typeface="Arial" pitchFamily="34" charset="0"/>
+              <a:buChar char="•"/>
+            </a:pPr>
+            <a:endParaRPr lang="en-US" sz="3600" dirty="0">
+              <a:solidFill>
+                <a:schemeClr val="accent6">
+                  <a:lumMod val="50000"/>
+                </a:schemeClr>
+              </a:solidFill>
+            </a:endParaRPr>
+          </a:p>
+        </p:txBody>
+      </p:sp>
+    </p:spTree>
+    <p:extLst>
+      <p:ext uri="{BB962C8B-B14F-4D97-AF65-F5344CB8AC3E}">
+        <p14:creationId xmlns:p14="http://schemas.microsoft.com/office/powerpoint/2010/main" val="3550431653"/>
+      </p:ext>
+    </p:extLst>
+  </p:cSld>
+  <p:clrMapOvr>
+    <a:masterClrMapping/>
+  </p:clrMapOvr>
+  <p:timing>
+    <p:tnLst>
+      <p:par>
+        <p:cTn id="1" dur="indefinite" restart="never" nodeType="tmRoot"/>
+      </p:par>
+    </p:tnLst>
+  </p:timing>
+</p:sld>
+</file>
+
+<file path=ppt/slides/slide7.xml><?xml version="1.0" encoding="utf-8"?>
+<p:sld xmlns:a="http://schemas.openxmlformats.org/drawingml/2006/main" xmlns:r="http://schemas.openxmlformats.org/officeDocument/2006/relationships" xmlns:p="http://schemas.openxmlformats.org/presentationml/2006/main" showMasterSp="0">
+  <p:cSld>
+    <p:spTree>
+      <p:nvGrpSpPr>
+        <p:cNvPr id="1" name=""/>
+        <p:cNvGrpSpPr/>
+        <p:nvPr/>
+      </p:nvGrpSpPr>
+      <p:grpSpPr>
+        <a:xfrm>
+          <a:off x="0" y="0"/>
+          <a:ext cx="0" cy="0"/>
+          <a:chOff x="0" y="0"/>
+          <a:chExt cx="0" cy="0"/>
+        </a:xfrm>
+      </p:grpSpPr>
+      <p:sp>
+        <p:nvSpPr>
+          <p:cNvPr id="2" name="Title 1"/>
+          <p:cNvSpPr>
+            <a:spLocks noGrp="1"/>
+          </p:cNvSpPr>
+          <p:nvPr>
+            <p:ph type="ctrTitle"/>
+          </p:nvPr>
+        </p:nvSpPr>
+        <p:spPr>
+          <a:xfrm>
+            <a:off x="685800" y="76201"/>
+            <a:ext cx="7543800" cy="914400"/>
+          </a:xfrm>
+        </p:spPr>
+        <p:txBody>
+          <a:bodyPr/>
+          <a:lstStyle/>
+          <a:p>
+            <a:pPr algn="ctr"/>
+            <a:r>
+              <a:rPr lang="en-US" sz="4800" i="1" dirty="0" smtClean="0">
+                <a:solidFill>
+                  <a:schemeClr val="tx1">
+                    <a:lumMod val="75000"/>
+                    <a:lumOff val="25000"/>
+                  </a:schemeClr>
+                </a:solidFill>
+                <a:latin typeface="Aparajita" pitchFamily="34" charset="0"/>
+                <a:cs typeface="Aparajita" pitchFamily="34" charset="0"/>
+              </a:rPr>
+              <a:t>Test Ng</a:t>
+            </a:r>
+            <a:endParaRPr lang="en-US" sz="4800" i="1" dirty="0">
+              <a:solidFill>
+                <a:schemeClr val="tx1">
+                  <a:lumMod val="75000"/>
+                  <a:lumOff val="25000"/>
+                </a:schemeClr>
+              </a:solidFill>
+              <a:latin typeface="Aparajita" pitchFamily="34" charset="0"/>
+              <a:cs typeface="Aparajita" pitchFamily="34" charset="0"/>
+            </a:endParaRPr>
+          </a:p>
+        </p:txBody>
+      </p:sp>
+      <p:sp>
+        <p:nvSpPr>
+          <p:cNvPr id="3" name="Subtitle 2"/>
+          <p:cNvSpPr>
+            <a:spLocks noGrp="1"/>
+          </p:cNvSpPr>
+          <p:nvPr>
+            <p:ph type="subTitle" idx="1"/>
+          </p:nvPr>
+        </p:nvSpPr>
+        <p:spPr>
+          <a:xfrm>
+            <a:off x="0" y="838200"/>
+            <a:ext cx="9067800" cy="6019800"/>
+          </a:xfrm>
+        </p:spPr>
+        <p:txBody>
+          <a:bodyPr numCol="1">
+            <a:normAutofit fontScale="77500" lnSpcReduction="20000"/>
+          </a:bodyPr>
+          <a:lstStyle/>
+          <a:p>
+            <a:pPr marL="571500" indent="-571500">
+              <a:buClr>
+                <a:srgbClr val="00B0F0"/>
+              </a:buClr>
+              <a:buFont typeface="Wingdings" pitchFamily="2" charset="2"/>
+              <a:buChar char="Ø"/>
+            </a:pPr>
+            <a:r>
+              <a:rPr lang="en-US" sz="2200" b="1" i="1" dirty="0" smtClean="0">
+                <a:solidFill>
+                  <a:schemeClr val="accent4">
+                    <a:lumMod val="75000"/>
+                  </a:schemeClr>
+                </a:solidFill>
+                <a:latin typeface="Aparajita" pitchFamily="34" charset="0"/>
+                <a:cs typeface="Aparajita" pitchFamily="34" charset="0"/>
+              </a:rPr>
+              <a:t>TestNG Annotations</a:t>
+            </a:r>
+            <a:endParaRPr lang="en-US" sz="2200" b="1" i="1" dirty="0" smtClean="0">
+              <a:solidFill>
+                <a:schemeClr val="accent4">
+                  <a:lumMod val="75000"/>
+                </a:schemeClr>
+              </a:solidFill>
+              <a:latin typeface="Aparajita" pitchFamily="34" charset="0"/>
+              <a:cs typeface="Aparajita" pitchFamily="34" charset="0"/>
+            </a:endParaRPr>
+          </a:p>
+          <a:p>
+            <a:pPr marL="514350" indent="-514350">
+              <a:buFont typeface="+mj-lt"/>
+              <a:buAutoNum type="romanLcPeriod"/>
+            </a:pPr>
+            <a:r>
+              <a:rPr lang="en-US" sz="2300" b="1" dirty="0">
+                <a:latin typeface="Aparajita" pitchFamily="34" charset="0"/>
+                <a:cs typeface="Aparajita" pitchFamily="34" charset="0"/>
+              </a:rPr>
+              <a:t>@BeforeSuite</a:t>
+            </a:r>
+            <a:r>
+              <a:rPr lang="en-US" sz="2300" dirty="0">
+                <a:latin typeface="Aparajita" pitchFamily="34" charset="0"/>
+                <a:cs typeface="Aparajita" pitchFamily="34" charset="0"/>
+              </a:rPr>
+              <a:t>: The annotated method will be run before all tests in this suite have run</a:t>
+            </a:r>
+            <a:r>
+              <a:rPr lang="en-US" sz="2300" dirty="0" smtClean="0">
+                <a:latin typeface="Aparajita" pitchFamily="34" charset="0"/>
+                <a:cs typeface="Aparajita" pitchFamily="34" charset="0"/>
+              </a:rPr>
+              <a:t>.</a:t>
+            </a:r>
+          </a:p>
+          <a:p>
+            <a:pPr marL="514350" indent="-514350">
+              <a:buFont typeface="+mj-lt"/>
+              <a:buAutoNum type="romanLcPeriod"/>
+            </a:pPr>
+            <a:r>
+              <a:rPr lang="en-US" sz="2300" b="1" dirty="0">
+                <a:latin typeface="Aparajita" pitchFamily="34" charset="0"/>
+                <a:cs typeface="Aparajita" pitchFamily="34" charset="0"/>
+              </a:rPr>
+              <a:t>@AfterSuite</a:t>
+            </a:r>
+            <a:r>
+              <a:rPr lang="en-US" sz="2300" dirty="0">
+                <a:latin typeface="Aparajita" pitchFamily="34" charset="0"/>
+                <a:cs typeface="Aparajita" pitchFamily="34" charset="0"/>
+              </a:rPr>
+              <a:t>: The annotated method will be run after all tests in this suite have run</a:t>
+            </a:r>
+            <a:r>
+              <a:rPr lang="en-US" sz="2300" dirty="0" smtClean="0">
+                <a:latin typeface="Aparajita" pitchFamily="34" charset="0"/>
+                <a:cs typeface="Aparajita" pitchFamily="34" charset="0"/>
+              </a:rPr>
+              <a:t>.</a:t>
+            </a:r>
+          </a:p>
+          <a:p>
+            <a:pPr marL="514350" indent="-514350">
+              <a:buFont typeface="+mj-lt"/>
+              <a:buAutoNum type="romanLcPeriod"/>
+            </a:pPr>
+            <a:r>
+              <a:rPr lang="en-US" sz="2300" b="1" dirty="0">
+                <a:latin typeface="Aparajita" pitchFamily="34" charset="0"/>
+                <a:cs typeface="Aparajita" pitchFamily="34" charset="0"/>
+              </a:rPr>
+              <a:t>@BeforeTest</a:t>
+            </a:r>
+            <a:r>
+              <a:rPr lang="en-US" sz="2300" dirty="0">
+                <a:latin typeface="Aparajita" pitchFamily="34" charset="0"/>
+                <a:cs typeface="Aparajita" pitchFamily="34" charset="0"/>
+              </a:rPr>
+              <a:t>: The annotated method will be run before any test method belonging to the classes inside the tag is run</a:t>
+            </a:r>
+            <a:r>
+              <a:rPr lang="en-US" sz="2300" dirty="0" smtClean="0">
+                <a:latin typeface="Aparajita" pitchFamily="34" charset="0"/>
+                <a:cs typeface="Aparajita" pitchFamily="34" charset="0"/>
+              </a:rPr>
+              <a:t>.</a:t>
+            </a:r>
+          </a:p>
+          <a:p>
+            <a:pPr marL="514350" indent="-514350">
+              <a:buFont typeface="+mj-lt"/>
+              <a:buAutoNum type="romanLcPeriod"/>
+            </a:pPr>
+            <a:r>
+              <a:rPr lang="en-US" sz="2300" b="1" dirty="0">
+                <a:latin typeface="Aparajita" pitchFamily="34" charset="0"/>
+                <a:cs typeface="Aparajita" pitchFamily="34" charset="0"/>
+              </a:rPr>
+              <a:t>@AfterTest</a:t>
+            </a:r>
+            <a:r>
+              <a:rPr lang="en-US" sz="2300" dirty="0">
+                <a:latin typeface="Aparajita" pitchFamily="34" charset="0"/>
+                <a:cs typeface="Aparajita" pitchFamily="34" charset="0"/>
+              </a:rPr>
+              <a:t>: The annotated method will be run after all the test methods belonging to the classes inside the tag have run</a:t>
+            </a:r>
+            <a:r>
+              <a:rPr lang="en-US" sz="2300" dirty="0" smtClean="0">
+                <a:latin typeface="Aparajita" pitchFamily="34" charset="0"/>
+                <a:cs typeface="Aparajita" pitchFamily="34" charset="0"/>
+              </a:rPr>
+              <a:t>.</a:t>
+            </a:r>
+          </a:p>
+          <a:p>
+            <a:pPr marL="514350" indent="-514350">
+              <a:buFont typeface="+mj-lt"/>
+              <a:buAutoNum type="romanLcPeriod"/>
+            </a:pPr>
+            <a:r>
+              <a:rPr lang="en-US" sz="2300" b="1" dirty="0">
+                <a:latin typeface="Aparajita" pitchFamily="34" charset="0"/>
+                <a:cs typeface="Aparajita" pitchFamily="34" charset="0"/>
+              </a:rPr>
+              <a:t>@BeforeGroups</a:t>
+            </a:r>
+            <a:r>
+              <a:rPr lang="en-US" sz="2300" dirty="0">
+                <a:latin typeface="Aparajita" pitchFamily="34" charset="0"/>
+                <a:cs typeface="Aparajita" pitchFamily="34" charset="0"/>
+              </a:rPr>
+              <a:t>: The list of groups that this configuration method will run before. This method is guaranteed to run shortly before the first test method that belongs to any of these groups is invoked</a:t>
+            </a:r>
+            <a:r>
+              <a:rPr lang="en-US" sz="2300" dirty="0" smtClean="0">
+                <a:latin typeface="Aparajita" pitchFamily="34" charset="0"/>
+                <a:cs typeface="Aparajita" pitchFamily="34" charset="0"/>
+              </a:rPr>
+              <a:t>.</a:t>
+            </a:r>
+          </a:p>
+          <a:p>
+            <a:pPr marL="514350" indent="-514350">
+              <a:buFont typeface="+mj-lt"/>
+              <a:buAutoNum type="romanLcPeriod"/>
+            </a:pPr>
+            <a:r>
+              <a:rPr lang="en-US" sz="2300" b="1" dirty="0">
+                <a:latin typeface="Aparajita" pitchFamily="34" charset="0"/>
+                <a:cs typeface="Aparajita" pitchFamily="34" charset="0"/>
+              </a:rPr>
+              <a:t>@AfterGroups</a:t>
+            </a:r>
+            <a:r>
+              <a:rPr lang="en-US" sz="2300" dirty="0">
+                <a:latin typeface="Aparajita" pitchFamily="34" charset="0"/>
+                <a:cs typeface="Aparajita" pitchFamily="34" charset="0"/>
+              </a:rPr>
+              <a:t>: The list of groups that this configuration method will run after. This method is guaranteed to run shortly after the last test method that belongs to any of these groups is invoked</a:t>
+            </a:r>
+            <a:r>
+              <a:rPr lang="en-US" sz="2300" dirty="0" smtClean="0">
+                <a:latin typeface="Aparajita" pitchFamily="34" charset="0"/>
+                <a:cs typeface="Aparajita" pitchFamily="34" charset="0"/>
+              </a:rPr>
+              <a:t>.</a:t>
+            </a:r>
+          </a:p>
+          <a:p>
+            <a:pPr marL="514350" indent="-514350">
+              <a:buFont typeface="+mj-lt"/>
+              <a:buAutoNum type="romanLcPeriod"/>
+            </a:pPr>
+            <a:r>
+              <a:rPr lang="en-US" sz="2300" b="1" dirty="0">
+                <a:latin typeface="Aparajita" pitchFamily="34" charset="0"/>
+                <a:cs typeface="Aparajita" pitchFamily="34" charset="0"/>
+              </a:rPr>
+              <a:t>@BeforeClass</a:t>
+            </a:r>
+            <a:r>
+              <a:rPr lang="en-US" sz="2300" dirty="0">
+                <a:latin typeface="Aparajita" pitchFamily="34" charset="0"/>
+                <a:cs typeface="Aparajita" pitchFamily="34" charset="0"/>
+              </a:rPr>
+              <a:t>: The annotated method will be run before the first test method in the current class is invoked</a:t>
+            </a:r>
+            <a:r>
+              <a:rPr lang="en-US" sz="2300" dirty="0" smtClean="0">
+                <a:latin typeface="Aparajita" pitchFamily="34" charset="0"/>
+                <a:cs typeface="Aparajita" pitchFamily="34" charset="0"/>
+              </a:rPr>
+              <a:t>.</a:t>
+            </a:r>
+          </a:p>
+          <a:p>
+            <a:pPr marL="514350" indent="-514350">
+              <a:buFont typeface="+mj-lt"/>
+              <a:buAutoNum type="romanLcPeriod"/>
+            </a:pPr>
+            <a:r>
+              <a:rPr lang="en-US" sz="2300" b="1" dirty="0">
+                <a:latin typeface="Aparajita" pitchFamily="34" charset="0"/>
+                <a:cs typeface="Aparajita" pitchFamily="34" charset="0"/>
+              </a:rPr>
+              <a:t>@AfterClass</a:t>
+            </a:r>
+            <a:r>
+              <a:rPr lang="en-US" sz="2300" dirty="0">
+                <a:latin typeface="Aparajita" pitchFamily="34" charset="0"/>
+                <a:cs typeface="Aparajita" pitchFamily="34" charset="0"/>
+              </a:rPr>
+              <a:t>: The annotated method will be run after all the test methods in the current class have been run</a:t>
+            </a:r>
+            <a:r>
+              <a:rPr lang="en-US" sz="2300" dirty="0" smtClean="0">
+                <a:latin typeface="Aparajita" pitchFamily="34" charset="0"/>
+                <a:cs typeface="Aparajita" pitchFamily="34" charset="0"/>
+              </a:rPr>
+              <a:t>.</a:t>
+            </a:r>
+          </a:p>
+          <a:p>
+            <a:pPr marL="514350" indent="-514350">
+              <a:buFont typeface="+mj-lt"/>
+              <a:buAutoNum type="romanLcPeriod"/>
+            </a:pPr>
+            <a:r>
+              <a:rPr lang="en-US" sz="2300" b="1" dirty="0">
+                <a:latin typeface="Aparajita" pitchFamily="34" charset="0"/>
+                <a:cs typeface="Aparajita" pitchFamily="34" charset="0"/>
+              </a:rPr>
+              <a:t>@BeforeMethod</a:t>
+            </a:r>
+            <a:r>
+              <a:rPr lang="en-US" sz="2300" dirty="0">
+                <a:latin typeface="Aparajita" pitchFamily="34" charset="0"/>
+                <a:cs typeface="Aparajita" pitchFamily="34" charset="0"/>
+              </a:rPr>
+              <a:t>: The annotated method will be run before each test method</a:t>
+            </a:r>
+            <a:r>
+              <a:rPr lang="en-US" sz="2300" dirty="0" smtClean="0">
+                <a:latin typeface="Aparajita" pitchFamily="34" charset="0"/>
+                <a:cs typeface="Aparajita" pitchFamily="34" charset="0"/>
+              </a:rPr>
+              <a:t>.</a:t>
+            </a:r>
+          </a:p>
+          <a:p>
+            <a:pPr marL="514350" indent="-514350">
+              <a:buFont typeface="+mj-lt"/>
+              <a:buAutoNum type="romanLcPeriod"/>
+            </a:pPr>
+            <a:r>
+              <a:rPr lang="en-US" sz="2300" b="1" dirty="0">
+                <a:latin typeface="Aparajita" pitchFamily="34" charset="0"/>
+                <a:cs typeface="Aparajita" pitchFamily="34" charset="0"/>
+              </a:rPr>
+              <a:t>@AfterMethod</a:t>
+            </a:r>
+            <a:r>
+              <a:rPr lang="en-US" sz="2300" dirty="0">
+                <a:latin typeface="Aparajita" pitchFamily="34" charset="0"/>
+                <a:cs typeface="Aparajita" pitchFamily="34" charset="0"/>
+              </a:rPr>
+              <a:t>: The annotated method will be run after each test method</a:t>
+            </a:r>
+            <a:r>
+              <a:rPr lang="en-US" sz="2300" dirty="0" smtClean="0">
+                <a:latin typeface="Aparajita" pitchFamily="34" charset="0"/>
+                <a:cs typeface="Aparajita" pitchFamily="34" charset="0"/>
+              </a:rPr>
+              <a:t>.</a:t>
+            </a:r>
+          </a:p>
+          <a:p>
+            <a:pPr marL="514350" indent="-514350">
+              <a:buFont typeface="+mj-lt"/>
+              <a:buAutoNum type="romanLcPeriod"/>
+            </a:pPr>
+            <a:r>
+              <a:rPr lang="en-US" sz="2300" b="1" dirty="0">
+                <a:latin typeface="Aparajita" pitchFamily="34" charset="0"/>
+                <a:cs typeface="Aparajita" pitchFamily="34" charset="0"/>
+              </a:rPr>
+              <a:t>@Test</a:t>
+            </a:r>
+            <a:r>
+              <a:rPr lang="en-US" sz="2300" dirty="0">
+                <a:latin typeface="Aparajita" pitchFamily="34" charset="0"/>
+                <a:cs typeface="Aparajita" pitchFamily="34" charset="0"/>
+              </a:rPr>
+              <a:t>: The annotated method is a part of a test case</a:t>
+            </a:r>
+            <a:endParaRPr lang="en-US" sz="2300" dirty="0">
+              <a:latin typeface="Aparajita" pitchFamily="34" charset="0"/>
+              <a:cs typeface="Aparajita" pitchFamily="34" charset="0"/>
+            </a:endParaRPr>
+          </a:p>
+          <a:p>
+            <a:pPr marL="514350" indent="-514350">
+              <a:buFont typeface="+mj-lt"/>
+              <a:buAutoNum type="romanLcPeriod"/>
+            </a:pPr>
+            <a:endParaRPr lang="en-US" sz="1800" dirty="0" smtClean="0">
+              <a:latin typeface="Aparajita" pitchFamily="34" charset="0"/>
+              <a:cs typeface="Aparajita" pitchFamily="34" charset="0"/>
+            </a:endParaRPr>
+          </a:p>
+          <a:p>
+            <a:pPr marL="514350" indent="-514350">
+              <a:buFont typeface="+mj-lt"/>
+              <a:buAutoNum type="romanLcPeriod"/>
+            </a:pPr>
+            <a:endParaRPr lang="en-US" sz="1800" dirty="0" smtClean="0">
+              <a:latin typeface="Aparajita" pitchFamily="34" charset="0"/>
+              <a:cs typeface="Aparajita" pitchFamily="34" charset="0"/>
+            </a:endParaRPr>
+          </a:p>
+          <a:p>
+            <a:r>
+              <a:rPr lang="en-US" sz="1800" dirty="0"/>
+              <a:t/>
+            </a:r>
+            <a:br>
+              <a:rPr lang="en-US" sz="1800" dirty="0"/>
+            </a:br>
+            <a:endParaRPr lang="en-US" sz="1800" b="1" dirty="0" smtClean="0">
+              <a:latin typeface="Aparajita" pitchFamily="34" charset="0"/>
+              <a:cs typeface="Aparajita" pitchFamily="34" charset="0"/>
+            </a:endParaRPr>
+          </a:p>
+          <a:p>
+            <a:endParaRPr lang="en-US" b="1" dirty="0" smtClean="0">
+              <a:latin typeface="Aparajita" pitchFamily="34" charset="0"/>
+              <a:cs typeface="Aparajita" pitchFamily="34" charset="0"/>
+            </a:endParaRPr>
+          </a:p>
+          <a:p>
+            <a:endParaRPr lang="en-US" b="1" dirty="0">
+              <a:latin typeface="Aparajita" pitchFamily="34" charset="0"/>
+              <a:cs typeface="Aparajita" pitchFamily="34" charset="0"/>
+            </a:endParaRPr>
+          </a:p>
+          <a:p>
+            <a:r>
+              <a:rPr lang="en-US" sz="2400" b="1" dirty="0" smtClean="0">
+                <a:latin typeface="Aparajita" pitchFamily="34" charset="0"/>
+                <a:cs typeface="Aparajita" pitchFamily="34" charset="0"/>
+              </a:rPr>
+              <a:t>Source</a:t>
+            </a:r>
+            <a:r>
+              <a:rPr lang="en-US" sz="2400" b="1" dirty="0" smtClean="0">
+                <a:latin typeface="Aparajita" pitchFamily="34" charset="0"/>
+                <a:cs typeface="Aparajita" pitchFamily="34" charset="0"/>
+              </a:rPr>
+              <a:t>:-</a:t>
+            </a:r>
+            <a:r>
+              <a:rPr lang="en-US" sz="2800" i="1" dirty="0" smtClean="0">
+                <a:solidFill>
+                  <a:schemeClr val="tx2">
+                    <a:lumMod val="75000"/>
+                  </a:schemeClr>
+                </a:solidFill>
+                <a:latin typeface="Aparajita" pitchFamily="34" charset="0"/>
+                <a:cs typeface="Aparajita" pitchFamily="34" charset="0"/>
+              </a:rPr>
+              <a:t>http://testng.org</a:t>
+            </a:r>
+          </a:p>
+          <a:p>
+            <a:endParaRPr lang="en-US" sz="2800" i="1" dirty="0">
+              <a:solidFill>
+                <a:schemeClr val="tx2">
+                  <a:lumMod val="75000"/>
+                </a:schemeClr>
+              </a:solidFill>
+              <a:latin typeface="Aparajita" pitchFamily="34" charset="0"/>
+              <a:cs typeface="Aparajita" pitchFamily="34" charset="0"/>
+            </a:endParaRPr>
+          </a:p>
+          <a:p>
+            <a:endParaRPr lang="en-US" sz="2800" i="1" dirty="0" smtClean="0">
+              <a:solidFill>
+                <a:schemeClr val="tx2">
+                  <a:lumMod val="75000"/>
+                </a:schemeClr>
+              </a:solidFill>
+              <a:latin typeface="Aparajita" pitchFamily="34" charset="0"/>
+              <a:cs typeface="Aparajita" pitchFamily="34" charset="0"/>
+            </a:endParaRPr>
+          </a:p>
+          <a:p>
+            <a:endParaRPr lang="en-US" sz="2800" i="1" dirty="0" smtClean="0">
+              <a:solidFill>
+                <a:schemeClr val="tx2">
+                  <a:lumMod val="75000"/>
+                </a:schemeClr>
+              </a:solidFill>
+              <a:latin typeface="Aparajita" pitchFamily="34" charset="0"/>
+              <a:cs typeface="Aparajita" pitchFamily="34" charset="0"/>
+            </a:endParaRPr>
+          </a:p>
+          <a:p>
+            <a:endParaRPr lang="en-US" sz="2600" dirty="0">
+              <a:solidFill>
+                <a:schemeClr val="tx2">
+                  <a:lumMod val="75000"/>
+                </a:schemeClr>
+              </a:solidFill>
+            </a:endParaRPr>
+          </a:p>
+          <a:p>
+            <a:endParaRPr lang="en-US" sz="2600" dirty="0">
+              <a:solidFill>
+                <a:schemeClr val="tx2">
+                  <a:lumMod val="75000"/>
+                </a:schemeClr>
+              </a:solidFill>
+            </a:endParaRPr>
+          </a:p>
+          <a:p>
+            <a:endParaRPr lang="en-US" sz="3600" dirty="0" smtClean="0">
+              <a:solidFill>
+                <a:schemeClr val="accent6">
+                  <a:lumMod val="50000"/>
+                </a:schemeClr>
+              </a:solidFill>
+            </a:endParaRPr>
+          </a:p>
+          <a:p>
+            <a:pPr marL="571500" indent="-571500">
+              <a:buFont typeface="Arial" pitchFamily="34" charset="0"/>
+              <a:buChar char="•"/>
+            </a:pPr>
+            <a:endParaRPr lang="en-US" sz="3600" dirty="0">
+              <a:solidFill>
+                <a:schemeClr val="accent6">
+                  <a:lumMod val="50000"/>
+                </a:schemeClr>
+              </a:solidFill>
+            </a:endParaRPr>
+          </a:p>
+        </p:txBody>
+      </p:sp>
+    </p:spTree>
+    <p:extLst>
+      <p:ext uri="{BB962C8B-B14F-4D97-AF65-F5344CB8AC3E}">
+        <p14:creationId xmlns:p14="http://schemas.microsoft.com/office/powerpoint/2010/main" val="162941851"/>
+      </p:ext>
+    </p:extLst>
+  </p:cSld>
+  <p:clrMapOvr>
+    <a:masterClrMapping/>
+  </p:clrMapOvr>
+  <p:timing>
+    <p:tnLst>
+      <p:par>
+        <p:cTn id="1" dur="indefinite" restart="never" nodeType="tmRoot"/>
+      </p:par>
+    </p:tnLst>
+  </p:timing>
+</p:sld>
+</file>
+
 <file path=ppt/theme/theme1.xml><?xml version="1.0" encoding="utf-8"?>
-<a:theme xmlns:a="http://schemas.openxmlformats.org/drawingml/2006/main" name="Adjacency">
+<a:theme xmlns:a="http://schemas.openxmlformats.org/drawingml/2006/main" name="Clarity">
   <a:themeElements>
-    <a:clrScheme name="Adjacency">
+    <a:clrScheme name="Clarity">
       <a:dk1>
-        <a:srgbClr val="2F2B20"/>
+        <a:srgbClr val="292934"/>
       </a:dk1>
       <a:lt1>
         <a:srgbClr val="FFFFFF"/>
       </a:lt1>
       <a:dk2>
-        <a:srgbClr val="675E47"/>
+        <a:srgbClr val="D2533C"/>
       </a:dk2>
       <a:lt2>
-        <a:srgbClr val="DFDCB7"/>
+        <a:srgbClr val="F3F2DC"/>
       </a:lt2>
       <a:accent1>
-        <a:srgbClr val="A9A57C"/>
+        <a:srgbClr val="93A299"/>
       </a:accent1>
       <a:accent2>
-        <a:srgbClr val="9CBEBD"/>
+        <a:srgbClr val="AD8F67"/>
       </a:accent2>
       <a:accent3>
-        <a:srgbClr val="D2CB6C"/>
+        <a:srgbClr val="726056"/>
       </a:accent3>
       <a:accent4>
-        <a:srgbClr val="95A39D"/>
+        <a:srgbClr val="4C5A6A"/>
       </a:accent4>
       <a:accent5>
-        <a:srgbClr val="C89F5D"/>
+        <a:srgbClr val="808DA0"/>
       </a:accent5>
       <a:accent6>
-        <a:srgbClr val="B1A089"/>
+        <a:srgbClr val="79463D"/>
       </a:accent6>
       <a:hlink>
-        <a:srgbClr val="D25814"/>
+        <a:srgbClr val="0000FF"/>
       </a:hlink>
       <a:folHlink>
-        <a:srgbClr val="849A0A"/>
+        <a:srgbClr val="800080"/>
       </a:folHlink>
     </a:clrScheme>
-    <a:fontScheme name="Office">
+    <a:fontScheme name="Office Classic 2">
       <a:majorFont>
-        <a:latin typeface="Cambria"/>
+        <a:latin typeface="Arial"/>
         <a:ea typeface=""/>
         <a:cs typeface=""/>
-        <a:font script="Jpan" typeface="ＭＳ ゴシック"/>
-        <a:font script="Hang" typeface="맑은 고딕"/>
-        <a:font script="Hans" typeface="宋体"/>
-        <a:font script="Hant" typeface="新細明體"/>
-        <a:font script="Arab" typeface="Times New Roman"/>
-        <a:font script="Hebr" typeface="Times New Roman"/>
-        <a:font script="Thai" typeface="Angsana New"/>
+        <a:font script="Jpan" typeface="ＭＳ Ｐゴシック"/>
+        <a:font script="Hang" typeface="돋움"/>
+        <a:font script="Hans" typeface="方正舒体"/>
+        <a:font script="Hant" typeface="微軟正黑體"/>
+        <a:font script="Arab" typeface="Arial"/>
+        <a:font script="Hebr" typeface="Arial"/>
+        <a:font script="Thai" typeface="Cordia New"/>
         <a:font script="Ethi" typeface="Nyala"/>
         <a:font script="Beng" typeface="Vrinda"/>
         <a:font script="Gujr" typeface="Shruti"/>
-        <a:font script="Khmr" typeface="MoolBoran"/>
+        <a:font script="Khmr" typeface="DaunPenh"/>
         <a:font script="Knda" typeface="Tunga"/>
         <a:font script="Guru" typeface="Raavi"/>
         <a:font script="Cans" typeface="Euphemia"/>
@@ -4168,18 +6077,18 @@
         <a:font script="Laoo" typeface="DokChampa"/>
         <a:font script="Sinh" typeface="Iskoola Pota"/>
         <a:font script="Mong" typeface="Mongolian Baiti"/>
-        <a:font script="Viet" typeface="Times New Roman"/>
+        <a:font script="Viet" typeface="Arial"/>
         <a:font script="Uigh" typeface="Microsoft Uighur"/>
         <a:font script="Geor" typeface="Sylfaen"/>
       </a:majorFont>
       <a:minorFont>
-        <a:latin typeface="Calibri"/>
+        <a:latin typeface="Arial"/>
         <a:ea typeface=""/>
         <a:cs typeface=""/>
-        <a:font script="Jpan" typeface="ＭＳ 明朝"/>
-        <a:font script="Hang" typeface="맑은 고딕"/>
-        <a:font script="Hans" typeface="宋体"/>
-        <a:font script="Hant" typeface="新細明體"/>
+        <a:font script="Jpan" typeface="ＭＳ Ｐゴシック"/>
+        <a:font script="Hang" typeface="돋움"/>
+        <a:font script="Hans" typeface="方正舒体"/>
+        <a:font script="Hant" typeface="微軟正黑體"/>
         <a:font script="Arab" typeface="Arial"/>
         <a:font script="Hebr" typeface="Arial"/>
         <a:font script="Thai" typeface="Cordia New"/>
@@ -4208,22 +6117,60 @@
         <a:font script="Geor" typeface="Sylfaen"/>
       </a:minorFont>
     </a:fontScheme>
-    <a:fmtScheme name="Adjacency">
+    <a:fmtScheme name="Office">
       <a:fillStyleLst>
         <a:solidFill>
           <a:schemeClr val="phClr"/>
         </a:solidFill>
-        <a:solidFill>
-          <a:schemeClr val="phClr">
-            <a:tint val="55000"/>
-          </a:schemeClr>
-        </a:solidFill>
-        <a:solidFill>
-          <a:schemeClr val="phClr"/>
-        </a:solidFill>
+        <a:gradFill rotWithShape="1">
+          <a:gsLst>
+            <a:gs pos="0">
+              <a:schemeClr val="phClr">
+                <a:tint val="50000"/>
+                <a:satMod val="300000"/>
+              </a:schemeClr>
+            </a:gs>
+            <a:gs pos="35000">
+              <a:schemeClr val="phClr">
+                <a:tint val="37000"/>
+                <a:satMod val="300000"/>
+              </a:schemeClr>
+            </a:gs>
+            <a:gs pos="100000">
+              <a:schemeClr val="phClr">
+                <a:tint val="15000"/>
+                <a:satMod val="350000"/>
+              </a:schemeClr>
+            </a:gs>
+          </a:gsLst>
+          <a:lin ang="16200000" scaled="1"/>
+        </a:gradFill>
+        <a:gradFill rotWithShape="1">
+          <a:gsLst>
+            <a:gs pos="0">
+              <a:schemeClr val="phClr">
+                <a:shade val="51000"/>
+                <a:satMod val="130000"/>
+              </a:schemeClr>
+            </a:gs>
+            <a:gs pos="80000">
+              <a:schemeClr val="phClr">
+                <a:shade val="93000"/>
+                <a:satMod val="130000"/>
+              </a:schemeClr>
+            </a:gs>
+            <a:gs pos="100000">
+              <a:schemeClr val="phClr">
+                <a:shade val="94000"/>
+                <a:satMod val="135000"/>
+              </a:schemeClr>
+            </a:gs>
+          </a:gsLst>
+          <a:lin ang="16200000" scaled="0"/>
+        </a:gradFill>
       </a:fillStyleLst>
       <a:lnStyleLst>
-        <a:ln w="12700" cap="flat" cmpd="sng" algn="ctr">
+        <a:ln w="9525" cap="flat" cmpd="sng" algn="ctr">
           <a:solidFill>
             <a:schemeClr val="phClr">
               <a:shade val="95000"/>
@@ -4247,35 +6194,41 @@
       </a:lnStyleLst>
       <a:effectStyleLst>
         <a:effectStyle>
-          <a:effectLst/>
-        </a:effectStyle>
-        <a:effectStyle>
           <a:effectLst>
-            <a:outerShdw blurRad="50800" dist="25400" algn="bl" rotWithShape="0">
+            <a:outerShdw blurRad="40000" dist="20000" dir="5400000" rotWithShape="0">
               <a:srgbClr val="000000">
-                <a:alpha val="60000"/>
+                <a:alpha val="38000"/>
               </a:srgbClr>
             </a:outerShdw>
           </a:effectLst>
         </a:effectStyle>
         <a:effectStyle>
-          <a:effectLst/>
+          <a:effectLst>
+            <a:outerShdw blurRad="40000" dist="23000" dir="5400000" rotWithShape="0">
+              <a:srgbClr val="000000">
+                <a:alpha val="35000"/>
+              </a:srgbClr>
+            </a:outerShdw>
+          </a:effectLst>
+        </a:effectStyle>
+        <a:effectStyle>
+          <a:effectLst>
+            <a:outerShdw blurRad="40000" dist="23000" dir="5400000" rotWithShape="0">
+              <a:srgbClr val="000000">
+                <a:alpha val="35000"/>
+              </a:srgbClr>
+            </a:outerShdw>
+          </a:effectLst>
           <a:scene3d>
             <a:camera prst="orthographicFront">
               <a:rot lat="0" lon="0" rev="0"/>
             </a:camera>
-            <a:lightRig rig="brightRoom" dir="tl">
-              <a:rot lat="0" lon="0" rev="1800000"/>
+            <a:lightRig rig="threePt" dir="t">
+              <a:rot lat="0" lon="0" rev="1200000"/>
             </a:lightRig>
           </a:scene3d>
-          <a:sp3d contourW="10160" prstMaterial="dkEdge">
-            <a:bevelT w="38100" h="50800" prst="angle"/>
-            <a:contourClr>
-              <a:schemeClr val="phClr">
-                <a:shade val="40000"/>
-                <a:satMod val="150000"/>
-              </a:schemeClr>
-            </a:contourClr>
+          <a:sp3d>
+            <a:bevelT w="63500" h="25400"/>
           </a:sp3d>
         </a:effectStyle>
       </a:effectStyleLst>
@@ -4287,38 +6240,39 @@
           <a:gsLst>
             <a:gs pos="0">
               <a:schemeClr val="phClr">
-                <a:tint val="90000"/>
+                <a:tint val="85000"/>
+                <a:satMod val="180000"/>
               </a:schemeClr>
             </a:gs>
-            <a:gs pos="75000">
+            <a:gs pos="40000">
               <a:schemeClr val="phClr">
-                <a:shade val="100000"/>
-                <a:satMod val="115000"/>
+                <a:tint val="95000"/>
+                <a:shade val="85000"/>
+                <a:satMod val="150000"/>
               </a:schemeClr>
             </a:gs>
             <a:gs pos="100000">
               <a:schemeClr val="phClr">
-                <a:shade val="70000"/>
-                <a:satMod val="130000"/>
+                <a:shade val="45000"/>
+                <a:satMod val="200000"/>
               </a:schemeClr>
             </a:gs>
           </a:gsLst>
-          <a:path path="circle">
-            <a:fillToRect l="20000" t="50000" r="100000" b="50000"/>
-          </a:path>
+          <a:lin ang="5400000" scaled="0"/>
         </a:gradFill>
         <a:blipFill rotWithShape="1">
           <a:blip xmlns:r="http://schemas.openxmlformats.org/officeDocument/2006/relationships" r:embed="rId1">
             <a:duotone>
               <a:schemeClr val="phClr">
-                <a:tint val="97000"/>
+                <a:shade val="55000"/>
               </a:schemeClr>
               <a:schemeClr val="phClr">
-                <a:shade val="96000"/>
+                <a:tint val="97000"/>
+                <a:satMod val="95000"/>
               </a:schemeClr>
             </a:duotone>
           </a:blip>
-          <a:tile tx="0" ty="0" sx="32000" sy="32000" flip="none" algn="tl"/>
+          <a:tile tx="0" ty="0" sx="70000" sy="70000" flip="none" algn="tl"/>
         </a:blipFill>
       </a:bgFillStyleLst>
     </a:fmtScheme>

--- a/Page Object Model.pptx
+++ b/Page Object Model.pptx
@@ -12,6 +12,7 @@
     <p:sldId id="260" r:id="rId6"/>
     <p:sldId id="261" r:id="rId7"/>
     <p:sldId id="263" r:id="rId8"/>
+    <p:sldId id="264" r:id="rId9"/>
   </p:sldIdLst>
   <p:sldSz cx="9144000" cy="6858000" type="screen4x3"/>
   <p:notesSz cx="6858000" cy="9144000"/>
@@ -142,7 +143,7 @@
         </p:nvSpPr>
         <p:spPr>
           <a:xfrm>
-            <a:off x="685800" y="1371600"/>
+            <a:off x="685800" y="1371602"/>
             <a:ext cx="7848600" cy="1927225"/>
           </a:xfrm>
         </p:spPr>
@@ -357,7 +358,7 @@
         </p:nvCxnSpPr>
         <p:spPr>
           <a:xfrm>
-            <a:off x="685800" y="3398520"/>
+            <a:off x="685800" y="3398521"/>
             <a:ext cx="7848600" cy="1588"/>
           </a:xfrm>
           <a:prstGeom prst="line">
@@ -931,7 +932,7 @@
         </p:nvSpPr>
         <p:spPr>
           <a:xfrm>
-            <a:off x="722313" y="2362200"/>
+            <a:off x="722313" y="2362201"/>
             <a:ext cx="7772400" cy="2200275"/>
           </a:xfrm>
         </p:spPr>
@@ -965,7 +966,7 @@
         </p:nvSpPr>
         <p:spPr>
           <a:xfrm>
-            <a:off x="722313" y="4626864"/>
+            <a:off x="722313" y="4626865"/>
             <a:ext cx="7772400" cy="1500187"/>
           </a:xfrm>
         </p:spPr>
@@ -1145,7 +1146,7 @@
         </p:nvCxnSpPr>
         <p:spPr>
           <a:xfrm>
-            <a:off x="731520" y="4599432"/>
+            <a:off x="731520" y="4599433"/>
             <a:ext cx="7848600" cy="1588"/>
           </a:xfrm>
           <a:prstGeom prst="line">
@@ -1520,7 +1521,7 @@
         <p:spPr>
           <a:xfrm>
             <a:off x="457200" y="1676400"/>
-            <a:ext cx="3931920" cy="639762"/>
+            <a:ext cx="3931920" cy="639763"/>
           </a:xfrm>
           <a:noFill/>
           <a:ln>
@@ -1693,7 +1694,7 @@
         <p:spPr>
           <a:xfrm>
             <a:off x="4754880" y="1676400"/>
-            <a:ext cx="3931920" cy="639762"/>
+            <a:ext cx="3931920" cy="639763"/>
           </a:xfrm>
           <a:noFill/>
           <a:ln>
@@ -1929,8 +1930,8 @@
         </p:nvCxnSpPr>
         <p:spPr>
           <a:xfrm rot="5400000">
-            <a:off x="2217817" y="4045823"/>
-            <a:ext cx="4709160" cy="794"/>
+            <a:off x="2217817" y="4045824"/>
+            <a:ext cx="4709160" cy="795"/>
           </a:xfrm>
           <a:prstGeom prst="line">
             <a:avLst/>
@@ -2315,7 +2316,7 @@
         </p:nvSpPr>
         <p:spPr>
           <a:xfrm>
-            <a:off x="457201" y="2130552"/>
+            <a:off x="457201" y="2130554"/>
             <a:ext cx="2139696" cy="4243615"/>
           </a:xfrm>
         </p:spPr>
@@ -2539,8 +2540,8 @@
         </p:nvSpPr>
         <p:spPr>
           <a:xfrm>
-            <a:off x="2858610" y="838201"/>
-            <a:ext cx="5904390" cy="5500456"/>
+            <a:off x="2858612" y="838203"/>
+            <a:ext cx="5904391" cy="5500456"/>
           </a:xfrm>
           <a:solidFill>
             <a:schemeClr val="bg2"/>
@@ -2776,7 +2777,7 @@
         </p:nvSpPr>
         <p:spPr>
           <a:xfrm>
-            <a:off x="0" y="220786"/>
+            <a:off x="0" y="220787"/>
             <a:ext cx="9144000" cy="228600"/>
           </a:xfrm>
           <a:prstGeom prst="rect">
@@ -4496,7 +4497,7 @@
                 <a:latin typeface="Aparajita" pitchFamily="34" charset="0"/>
                 <a:cs typeface="Aparajita" pitchFamily="34" charset="0"/>
               </a:rPr>
-              <a:t>Test NG</a:t>
+              <a:t>Extent Report</a:t>
             </a:r>
             <a:endParaRPr lang="en-US" sz="4800" i="1" dirty="0">
               <a:solidFill>
@@ -4523,8 +4524,8 @@
         </p:nvSpPr>
         <p:spPr>
           <a:xfrm>
-            <a:off x="0" y="1219200"/>
-            <a:ext cx="8305800" cy="5410200"/>
+            <a:off x="0" y="914400"/>
+            <a:ext cx="9144000" cy="5715000"/>
           </a:xfrm>
         </p:spPr>
         <p:txBody>
@@ -4534,6 +4535,9 @@
           <a:lstStyle/>
           <a:p>
             <a:pPr marL="571500" indent="-571500">
+              <a:buClr>
+                <a:srgbClr val="00B0F0"/>
+              </a:buClr>
               <a:buFont typeface="Wingdings" pitchFamily="2" charset="2"/>
               <a:buChar char="Ø"/>
             </a:pPr>
@@ -4542,8 +4546,19 @@
                 <a:latin typeface="Aparajita" pitchFamily="34" charset="0"/>
                 <a:cs typeface="Aparajita" pitchFamily="34" charset="0"/>
               </a:rPr>
-              <a:t>What is TestNG</a:t>
-            </a:r>
+              <a:t>What is </a:t>
+            </a:r>
+            <a:r>
+              <a:rPr lang="en-US" sz="2800" b="1" i="1" dirty="0" smtClean="0">
+                <a:latin typeface="Aparajita" pitchFamily="34" charset="0"/>
+                <a:cs typeface="Aparajita" pitchFamily="34" charset="0"/>
+              </a:rPr>
+              <a:t>Extent Report</a:t>
+            </a:r>
+            <a:endParaRPr lang="en-US" sz="2800" b="1" i="1" dirty="0" smtClean="0">
+              <a:latin typeface="Aparajita" pitchFamily="34" charset="0"/>
+              <a:cs typeface="Aparajita" pitchFamily="34" charset="0"/>
+            </a:endParaRPr>
           </a:p>
           <a:p>
             <a:pPr marL="571500" indent="-571500">
@@ -4554,27 +4569,20 @@
               <a:buAutoNum type="romanLcPeriod"/>
             </a:pPr>
             <a:r>
-              <a:rPr lang="en-US" sz="2800" dirty="0" smtClean="0">
-                <a:latin typeface="Aparajita" pitchFamily="34" charset="0"/>
-                <a:cs typeface="Aparajita" pitchFamily="34" charset="0"/>
-              </a:rPr>
-              <a:t>TestNG is testing framework inspired from </a:t>
-            </a:r>
-            <a:r>
-              <a:rPr lang="en-US" sz="2800" dirty="0" err="1" smtClean="0">
-                <a:latin typeface="Aparajita" pitchFamily="34" charset="0"/>
-                <a:cs typeface="Aparajita" pitchFamily="34" charset="0"/>
-              </a:rPr>
-              <a:t>Junit</a:t>
-            </a:r>
-            <a:r>
-              <a:rPr lang="en-US" sz="2800" dirty="0">
+              <a:rPr lang="en-US" sz="2000" i="1" dirty="0">
+                <a:latin typeface="Aparajita" pitchFamily="34" charset="0"/>
+                <a:cs typeface="Aparajita" pitchFamily="34" charset="0"/>
+              </a:rPr>
+              <a:t>Extent Report is a HTML reporting library for Selenium</a:t>
+            </a:r>
+            <a:r>
+              <a:rPr lang="en-US" sz="2000" dirty="0" smtClean="0">
                 <a:latin typeface="Aparajita" pitchFamily="34" charset="0"/>
                 <a:cs typeface="Aparajita" pitchFamily="34" charset="0"/>
               </a:rPr>
               <a:t>.</a:t>
             </a:r>
-            <a:endParaRPr lang="en-US" sz="2800" dirty="0" smtClean="0">
+            <a:endParaRPr lang="en-US" sz="2000" dirty="0" smtClean="0">
               <a:latin typeface="Aparajita" pitchFamily="34" charset="0"/>
               <a:cs typeface="Aparajita" pitchFamily="34" charset="0"/>
             </a:endParaRPr>
@@ -4588,11 +4596,18 @@
               <a:buAutoNum type="romanLcPeriod"/>
             </a:pPr>
             <a:r>
-              <a:rPr lang="en-US" sz="2800" dirty="0" smtClean="0">
-                <a:latin typeface="Aparajita" pitchFamily="34" charset="0"/>
-                <a:cs typeface="Aparajita" pitchFamily="34" charset="0"/>
-              </a:rPr>
-              <a:t>TestNG has multiple classes, interfaces and methods which makes developer job easy</a:t>
+              <a:rPr lang="en-US" sz="2000" i="1" dirty="0">
+                <a:latin typeface="Aparajita" pitchFamily="34" charset="0"/>
+                <a:cs typeface="Aparajita" pitchFamily="34" charset="0"/>
+              </a:rPr>
+              <a:t>We can use this tool within our TestNG  and BDD automation framework</a:t>
+            </a:r>
+            <a:r>
+              <a:rPr lang="en-US" sz="2000" i="1" dirty="0" smtClean="0">
+                <a:latin typeface="Aparajita" pitchFamily="34" charset="0"/>
+                <a:cs typeface="Aparajita" pitchFamily="34" charset="0"/>
+              </a:rPr>
+              <a:t>.</a:t>
             </a:r>
           </a:p>
           <a:p>
@@ -4604,19 +4619,40 @@
               <a:buAutoNum type="romanLcPeriod"/>
             </a:pPr>
             <a:r>
-              <a:rPr lang="en-US" sz="2800" dirty="0" smtClean="0">
-                <a:latin typeface="Aparajita" pitchFamily="34" charset="0"/>
-                <a:cs typeface="Aparajita" pitchFamily="34" charset="0"/>
-              </a:rPr>
-              <a:t>TestNG provides many additional functionality using that we can create robust framework.</a:t>
-            </a:r>
-          </a:p>
-          <a:p>
-            <a:pPr marL="571500" indent="-571500">
-              <a:buFont typeface="+mj-lt"/>
-              <a:buAutoNum type="romanLcPeriod"/>
-            </a:pPr>
-            <a:endParaRPr lang="en-US" sz="2800" dirty="0" smtClean="0">
+              <a:rPr lang="en-US" sz="2000" i="1" dirty="0">
+                <a:latin typeface="Aparajita" pitchFamily="34" charset="0"/>
+                <a:cs typeface="Aparajita" pitchFamily="34" charset="0"/>
+              </a:rPr>
+              <a:t>Download Extent report library from </a:t>
+            </a:r>
+            <a:r>
+              <a:rPr lang="en-US" sz="2000" b="1" i="1" u="sng" dirty="0">
+                <a:solidFill>
+                  <a:srgbClr val="00B0F0"/>
+                </a:solidFill>
+                <a:latin typeface="Aparajita" pitchFamily="34" charset="0"/>
+                <a:cs typeface="Aparajita" pitchFamily="34" charset="0"/>
+              </a:rPr>
+              <a:t>http://</a:t>
+            </a:r>
+            <a:r>
+              <a:rPr lang="en-US" sz="2000" b="1" i="1" u="sng" dirty="0" smtClean="0">
+                <a:solidFill>
+                  <a:srgbClr val="00B0F0"/>
+                </a:solidFill>
+                <a:latin typeface="Aparajita" pitchFamily="34" charset="0"/>
+                <a:cs typeface="Aparajita" pitchFamily="34" charset="0"/>
+              </a:rPr>
+              <a:t>extentreports.com</a:t>
+            </a:r>
+            <a:r>
+              <a:rPr lang="en-US" sz="2000" i="1" dirty="0" smtClean="0">
+                <a:latin typeface="Aparajita" pitchFamily="34" charset="0"/>
+                <a:cs typeface="Aparajita" pitchFamily="34" charset="0"/>
+              </a:rPr>
+              <a:t>	</a:t>
+            </a:r>
+            <a:endParaRPr lang="en-US" sz="2000" dirty="0" smtClean="0">
               <a:latin typeface="Aparajita" pitchFamily="34" charset="0"/>
               <a:cs typeface="Aparajita" pitchFamily="34" charset="0"/>
             </a:endParaRPr>
@@ -5988,6 +6024,467 @@
     <p:extLst>
       <p:ext uri="{BB962C8B-B14F-4D97-AF65-F5344CB8AC3E}">
         <p14:creationId xmlns:p14="http://schemas.microsoft.com/office/powerpoint/2010/main" val="162941851"/>
+      </p:ext>
+    </p:extLst>
+  </p:cSld>
+  <p:clrMapOvr>
+    <a:masterClrMapping/>
+  </p:clrMapOvr>
+  <p:timing>
+    <p:tnLst>
+      <p:par>
+        <p:cTn id="1" dur="indefinite" restart="never" nodeType="tmRoot"/>
+      </p:par>
+    </p:tnLst>
+  </p:timing>
+</p:sld>
+</file>
+
+<file path=ppt/slides/slide8.xml><?xml version="1.0" encoding="utf-8"?>
+<p:sld xmlns:a="http://schemas.openxmlformats.org/drawingml/2006/main" xmlns:r="http://schemas.openxmlformats.org/officeDocument/2006/relationships" xmlns:p="http://schemas.openxmlformats.org/presentationml/2006/main" showMasterSp="0">
+  <p:cSld>
+    <p:spTree>
+      <p:nvGrpSpPr>
+        <p:cNvPr id="1" name=""/>
+        <p:cNvGrpSpPr/>
+        <p:nvPr/>
+      </p:nvGrpSpPr>
+      <p:grpSpPr>
+        <a:xfrm>
+          <a:off x="0" y="0"/>
+          <a:ext cx="0" cy="0"/>
+          <a:chOff x="0" y="0"/>
+          <a:chExt cx="0" cy="0"/>
+        </a:xfrm>
+      </p:grpSpPr>
+      <p:sp>
+        <p:nvSpPr>
+          <p:cNvPr id="2" name="Title 1"/>
+          <p:cNvSpPr>
+            <a:spLocks noGrp="1"/>
+          </p:cNvSpPr>
+          <p:nvPr>
+            <p:ph type="ctrTitle"/>
+          </p:nvPr>
+        </p:nvSpPr>
+        <p:spPr>
+          <a:xfrm>
+            <a:off x="685800" y="76201"/>
+            <a:ext cx="7543800" cy="914400"/>
+          </a:xfrm>
+        </p:spPr>
+        <p:txBody>
+          <a:bodyPr/>
+          <a:lstStyle/>
+          <a:p>
+            <a:pPr algn="ctr"/>
+            <a:r>
+              <a:rPr lang="en-US" sz="4800" i="1" dirty="0" smtClean="0">
+                <a:solidFill>
+                  <a:schemeClr val="tx1">
+                    <a:lumMod val="75000"/>
+                    <a:lumOff val="25000"/>
+                  </a:schemeClr>
+                </a:solidFill>
+                <a:latin typeface="Aparajita" pitchFamily="34" charset="0"/>
+                <a:cs typeface="Aparajita" pitchFamily="34" charset="0"/>
+              </a:rPr>
+              <a:t>Test </a:t>
+            </a:r>
+            <a:r>
+              <a:rPr lang="en-US" sz="4800" i="1" dirty="0" err="1" smtClean="0">
+                <a:solidFill>
+                  <a:schemeClr val="tx1">
+                    <a:lumMod val="75000"/>
+                    <a:lumOff val="25000"/>
+                  </a:schemeClr>
+                </a:solidFill>
+                <a:latin typeface="Aparajita" pitchFamily="34" charset="0"/>
+                <a:cs typeface="Aparajita" pitchFamily="34" charset="0"/>
+              </a:rPr>
+              <a:t>ng</a:t>
+            </a:r>
+            <a:endParaRPr lang="en-US" sz="4800" i="1" dirty="0">
+              <a:solidFill>
+                <a:schemeClr val="tx1">
+                  <a:lumMod val="75000"/>
+                  <a:lumOff val="25000"/>
+                </a:schemeClr>
+              </a:solidFill>
+              <a:latin typeface="Aparajita" pitchFamily="34" charset="0"/>
+              <a:cs typeface="Aparajita" pitchFamily="34" charset="0"/>
+            </a:endParaRPr>
+          </a:p>
+        </p:txBody>
+      </p:sp>
+      <p:sp>
+        <p:nvSpPr>
+          <p:cNvPr id="3" name="Subtitle 2"/>
+          <p:cNvSpPr>
+            <a:spLocks noGrp="1"/>
+          </p:cNvSpPr>
+          <p:nvPr>
+            <p:ph type="subTitle" idx="1"/>
+          </p:nvPr>
+        </p:nvSpPr>
+        <p:spPr>
+          <a:xfrm>
+            <a:off x="0" y="838200"/>
+            <a:ext cx="9067800" cy="6019800"/>
+          </a:xfrm>
+        </p:spPr>
+        <p:txBody>
+          <a:bodyPr numCol="1">
+            <a:normAutofit lnSpcReduction="10000"/>
+          </a:bodyPr>
+          <a:lstStyle/>
+          <a:p>
+            <a:pPr marL="571500" indent="-571500">
+              <a:buClr>
+                <a:srgbClr val="00B0F0"/>
+              </a:buClr>
+              <a:buFont typeface="Wingdings" pitchFamily="2" charset="2"/>
+              <a:buChar char="Ø"/>
+            </a:pPr>
+            <a:r>
+              <a:rPr lang="en-US" sz="2200" b="1" i="1" dirty="0" smtClean="0">
+                <a:solidFill>
+                  <a:schemeClr val="accent4">
+                    <a:lumMod val="75000"/>
+                  </a:schemeClr>
+                </a:solidFill>
+                <a:latin typeface="Aparajita" pitchFamily="34" charset="0"/>
+                <a:cs typeface="Aparajita" pitchFamily="34" charset="0"/>
+              </a:rPr>
+              <a:t>What is Listener</a:t>
+            </a:r>
+          </a:p>
+          <a:p>
+            <a:pPr marL="857250" indent="-857250">
+              <a:buClr>
+                <a:srgbClr val="00B0F0"/>
+              </a:buClr>
+              <a:buFont typeface="+mj-lt"/>
+              <a:buAutoNum type="romanLcPeriod"/>
+            </a:pPr>
+            <a:r>
+              <a:rPr lang="en-US" sz="2200" dirty="0" smtClean="0">
+                <a:latin typeface="Aparajita" pitchFamily="34" charset="0"/>
+                <a:cs typeface="Aparajita" pitchFamily="34" charset="0"/>
+              </a:rPr>
+              <a:t>Listener is important feature in TestNG which used to customize logs. And report of TestNG</a:t>
+            </a:r>
+          </a:p>
+          <a:p>
+            <a:pPr marL="857250" indent="-857250">
+              <a:buClr>
+                <a:srgbClr val="00B0F0"/>
+              </a:buClr>
+              <a:buFont typeface="+mj-lt"/>
+              <a:buAutoNum type="romanLcPeriod"/>
+            </a:pPr>
+            <a:r>
+              <a:rPr lang="en-US" sz="2200" dirty="0" smtClean="0">
+                <a:latin typeface="Aparajita" pitchFamily="34" charset="0"/>
+                <a:cs typeface="Aparajita" pitchFamily="34" charset="0"/>
+              </a:rPr>
+              <a:t>As the name says it listen to certain event and act accordingly</a:t>
+            </a:r>
+            <a:endParaRPr lang="en-US" sz="2200" dirty="0" smtClean="0">
+              <a:solidFill>
+                <a:schemeClr val="accent6">
+                  <a:lumMod val="50000"/>
+                </a:schemeClr>
+              </a:solidFill>
+              <a:latin typeface="Aparajita" pitchFamily="34" charset="0"/>
+              <a:cs typeface="Aparajita" pitchFamily="34" charset="0"/>
+            </a:endParaRPr>
+          </a:p>
+          <a:p>
+            <a:pPr marL="342900" indent="-342900">
+              <a:buClr>
+                <a:srgbClr val="00B0F0"/>
+              </a:buClr>
+              <a:buFont typeface="Wingdings" pitchFamily="2" charset="2"/>
+              <a:buChar char="Ø"/>
+            </a:pPr>
+            <a:r>
+              <a:rPr lang="en-US" sz="2200" dirty="0" smtClean="0">
+                <a:solidFill>
+                  <a:schemeClr val="accent6">
+                    <a:lumMod val="50000"/>
+                  </a:schemeClr>
+                </a:solidFill>
+                <a:latin typeface="Aparajita" pitchFamily="34" charset="0"/>
+                <a:cs typeface="Aparajita" pitchFamily="34" charset="0"/>
+              </a:rPr>
+              <a:t>  </a:t>
+            </a:r>
+            <a:r>
+              <a:rPr lang="en-US" sz="2200" b="1" i="1" dirty="0" smtClean="0">
+                <a:solidFill>
+                  <a:schemeClr val="accent5">
+                    <a:lumMod val="50000"/>
+                  </a:schemeClr>
+                </a:solidFill>
+                <a:latin typeface="Aparajita" pitchFamily="34" charset="0"/>
+                <a:cs typeface="Aparajita" pitchFamily="34" charset="0"/>
+              </a:rPr>
+              <a:t>Type of Listeners</a:t>
+            </a:r>
+          </a:p>
+          <a:p>
+            <a:pPr marL="571500" indent="-571500" algn="just">
+              <a:buClr>
+                <a:srgbClr val="00B0F0"/>
+              </a:buClr>
+              <a:buFont typeface="+mj-lt"/>
+              <a:buAutoNum type="romanLcPeriod"/>
+            </a:pPr>
+            <a:r>
+              <a:rPr lang="en-US" sz="2200" dirty="0" smtClean="0">
+                <a:latin typeface="Aparajita" pitchFamily="34" charset="0"/>
+                <a:cs typeface="Aparajita" pitchFamily="34" charset="0"/>
+              </a:rPr>
+              <a:t>IAnnotation Transformer</a:t>
+            </a:r>
+          </a:p>
+          <a:p>
+            <a:pPr marL="571500" indent="-571500" algn="just">
+              <a:buClr>
+                <a:srgbClr val="00B0F0"/>
+              </a:buClr>
+              <a:buFont typeface="+mj-lt"/>
+              <a:buAutoNum type="romanLcPeriod"/>
+            </a:pPr>
+            <a:r>
+              <a:rPr lang="en-US" sz="2200" dirty="0" smtClean="0">
+                <a:latin typeface="Aparajita" pitchFamily="34" charset="0"/>
+                <a:cs typeface="Aparajita" pitchFamily="34" charset="0"/>
+              </a:rPr>
+              <a:t>IHookable</a:t>
+            </a:r>
+          </a:p>
+          <a:p>
+            <a:pPr marL="571500" indent="-571500" algn="just">
+              <a:buClr>
+                <a:srgbClr val="00B0F0"/>
+              </a:buClr>
+              <a:buFont typeface="+mj-lt"/>
+              <a:buAutoNum type="romanLcPeriod"/>
+            </a:pPr>
+            <a:r>
+              <a:rPr lang="en-US" sz="2200" dirty="0" smtClean="0">
+                <a:latin typeface="Aparajita" pitchFamily="34" charset="0"/>
+                <a:cs typeface="Aparajita" pitchFamily="34" charset="0"/>
+              </a:rPr>
+              <a:t>IInvokedMethod Listner</a:t>
+            </a:r>
+          </a:p>
+          <a:p>
+            <a:pPr marL="571500" indent="-571500" algn="just">
+              <a:buClr>
+                <a:srgbClr val="00B0F0"/>
+              </a:buClr>
+              <a:buFont typeface="+mj-lt"/>
+              <a:buAutoNum type="romanLcPeriod"/>
+            </a:pPr>
+            <a:r>
+              <a:rPr lang="en-US" sz="2200" dirty="0" smtClean="0">
+                <a:latin typeface="Aparajita" pitchFamily="34" charset="0"/>
+                <a:cs typeface="Aparajita" pitchFamily="34" charset="0"/>
+              </a:rPr>
+              <a:t>IMethodInterceptor</a:t>
+            </a:r>
+          </a:p>
+          <a:p>
+            <a:pPr marL="571500" indent="-571500" algn="just">
+              <a:buClr>
+                <a:srgbClr val="00B0F0"/>
+              </a:buClr>
+              <a:buFont typeface="+mj-lt"/>
+              <a:buAutoNum type="romanLcPeriod"/>
+            </a:pPr>
+            <a:r>
+              <a:rPr lang="en-US" sz="2200" dirty="0" smtClean="0">
+                <a:latin typeface="Aparajita" pitchFamily="34" charset="0"/>
+                <a:cs typeface="Aparajita" pitchFamily="34" charset="0"/>
+              </a:rPr>
+              <a:t>IReporter</a:t>
+            </a:r>
+          </a:p>
+          <a:p>
+            <a:pPr marL="571500" indent="-571500">
+              <a:buClr>
+                <a:srgbClr val="00B0F0"/>
+              </a:buClr>
+              <a:buFont typeface="+mj-lt"/>
+              <a:buAutoNum type="romanLcPeriod"/>
+            </a:pPr>
+            <a:r>
+              <a:rPr lang="en-US" sz="2200" b="1" dirty="0" err="1" smtClean="0">
+                <a:latin typeface="Aparajita" pitchFamily="34" charset="0"/>
+                <a:cs typeface="Aparajita" pitchFamily="34" charset="0"/>
+              </a:rPr>
+              <a:t>ITestListener</a:t>
+            </a:r>
+            <a:endParaRPr lang="en-US" sz="2200" b="1" dirty="0" smtClean="0">
+              <a:latin typeface="Aparajita" pitchFamily="34" charset="0"/>
+              <a:cs typeface="Aparajita" pitchFamily="34" charset="0"/>
+            </a:endParaRPr>
+          </a:p>
+          <a:p>
+            <a:pPr marL="342900" indent="-342900">
+              <a:buClr>
+                <a:srgbClr val="00B0F0"/>
+              </a:buClr>
+              <a:buFont typeface="Wingdings" pitchFamily="2" charset="2"/>
+              <a:buChar char="v"/>
+            </a:pPr>
+            <a:r>
+              <a:rPr lang="en-US" sz="2200" b="1" dirty="0" smtClean="0">
+                <a:latin typeface="Aparajita" pitchFamily="34" charset="0"/>
+                <a:cs typeface="Aparajita" pitchFamily="34" charset="0"/>
+              </a:rPr>
+              <a:t>Way To Implement Listner</a:t>
+            </a:r>
+          </a:p>
+          <a:p>
+            <a:pPr marL="571500" indent="-571500">
+              <a:buClr>
+                <a:srgbClr val="00B0F0"/>
+              </a:buClr>
+              <a:buFont typeface="+mj-lt"/>
+              <a:buAutoNum type="romanLcPeriod"/>
+            </a:pPr>
+            <a:r>
+              <a:rPr lang="en-US" sz="2200" dirty="0" smtClean="0">
+                <a:latin typeface="Aparajita" pitchFamily="34" charset="0"/>
+                <a:cs typeface="Aparajita" pitchFamily="34" charset="0"/>
+              </a:rPr>
+              <a:t>Class Level</a:t>
+            </a:r>
+          </a:p>
+          <a:p>
+            <a:pPr marL="571500" indent="-571500">
+              <a:buClr>
+                <a:srgbClr val="00B0F0"/>
+              </a:buClr>
+              <a:buFont typeface="+mj-lt"/>
+              <a:buAutoNum type="romanLcPeriod"/>
+            </a:pPr>
+            <a:r>
+              <a:rPr lang="en-US" sz="2200" dirty="0" smtClean="0">
+                <a:latin typeface="Aparajita" pitchFamily="34" charset="0"/>
+                <a:cs typeface="Aparajita" pitchFamily="34" charset="0"/>
+              </a:rPr>
+              <a:t>Suite Level</a:t>
+            </a:r>
+            <a:endParaRPr lang="en-US" sz="2200" b="1" dirty="0" smtClean="0">
+              <a:latin typeface="Aparajita" pitchFamily="34" charset="0"/>
+              <a:cs typeface="Aparajita" pitchFamily="34" charset="0"/>
+            </a:endParaRPr>
+          </a:p>
+          <a:p>
+            <a:r>
+              <a:rPr lang="en-US" sz="2400" b="1" dirty="0" smtClean="0">
+                <a:latin typeface="Aparajita" pitchFamily="34" charset="0"/>
+                <a:cs typeface="Aparajita" pitchFamily="34" charset="0"/>
+              </a:rPr>
+              <a:t>Source:-</a:t>
+            </a:r>
+            <a:r>
+              <a:rPr lang="en-US" sz="2800" i="1" dirty="0" smtClean="0">
+                <a:solidFill>
+                  <a:schemeClr val="tx2">
+                    <a:lumMod val="75000"/>
+                  </a:schemeClr>
+                </a:solidFill>
+                <a:latin typeface="Aparajita" pitchFamily="34" charset="0"/>
+                <a:cs typeface="Aparajita" pitchFamily="34" charset="0"/>
+              </a:rPr>
+              <a:t>http://testng.org</a:t>
+            </a:r>
+          </a:p>
+          <a:p>
+            <a:endParaRPr lang="en-US" sz="2800" i="1" dirty="0">
+              <a:solidFill>
+                <a:schemeClr val="tx2">
+                  <a:lumMod val="75000"/>
+                </a:schemeClr>
+              </a:solidFill>
+              <a:latin typeface="Aparajita" pitchFamily="34" charset="0"/>
+              <a:cs typeface="Aparajita" pitchFamily="34" charset="0"/>
+            </a:endParaRPr>
+          </a:p>
+          <a:p>
+            <a:endParaRPr lang="en-US" sz="2800" i="1" dirty="0" smtClean="0">
+              <a:solidFill>
+                <a:schemeClr val="tx2">
+                  <a:lumMod val="75000"/>
+                </a:schemeClr>
+              </a:solidFill>
+              <a:latin typeface="Aparajita" pitchFamily="34" charset="0"/>
+              <a:cs typeface="Aparajita" pitchFamily="34" charset="0"/>
+            </a:endParaRPr>
+          </a:p>
+          <a:p>
+            <a:endParaRPr lang="en-US" sz="2800" i="1" dirty="0" smtClean="0">
+              <a:solidFill>
+                <a:schemeClr val="tx2">
+                  <a:lumMod val="75000"/>
+                </a:schemeClr>
+              </a:solidFill>
+              <a:latin typeface="Aparajita" pitchFamily="34" charset="0"/>
+              <a:cs typeface="Aparajita" pitchFamily="34" charset="0"/>
+            </a:endParaRPr>
+          </a:p>
+          <a:p>
+            <a:endParaRPr lang="en-US" sz="2600" dirty="0">
+              <a:solidFill>
+                <a:schemeClr val="tx2">
+                  <a:lumMod val="75000"/>
+                </a:schemeClr>
+              </a:solidFill>
+            </a:endParaRPr>
+          </a:p>
+          <a:p>
+            <a:endParaRPr lang="en-US" sz="2600" dirty="0">
+              <a:solidFill>
+                <a:schemeClr val="tx2">
+                  <a:lumMod val="75000"/>
+                </a:schemeClr>
+              </a:solidFill>
+            </a:endParaRPr>
+          </a:p>
+          <a:p>
+            <a:endParaRPr lang="en-US" sz="3600" dirty="0" smtClean="0">
+              <a:solidFill>
+                <a:schemeClr val="accent6">
+                  <a:lumMod val="50000"/>
+                </a:schemeClr>
+              </a:solidFill>
+            </a:endParaRPr>
+          </a:p>
+          <a:p>
+            <a:pPr marL="571500" indent="-571500">
+              <a:buFont typeface="Arial" pitchFamily="34" charset="0"/>
+              <a:buChar char="•"/>
+            </a:pPr>
+            <a:endParaRPr lang="en-US" sz="3600" dirty="0">
+              <a:solidFill>
+                <a:schemeClr val="accent6">
+                  <a:lumMod val="50000"/>
+                </a:schemeClr>
+              </a:solidFill>
+            </a:endParaRPr>
+          </a:p>
+        </p:txBody>
+      </p:sp>
+    </p:spTree>
+    <p:extLst>
+      <p:ext uri="{BB962C8B-B14F-4D97-AF65-F5344CB8AC3E}">
+        <p14:creationId xmlns:p14="http://schemas.microsoft.com/office/powerpoint/2010/main" val="2207831218"/>
       </p:ext>
     </p:extLst>
   </p:cSld>

--- a/Page Object Model.pptx
+++ b/Page Object Model.pptx
@@ -7,12 +7,13 @@
   <p:sldIdLst>
     <p:sldId id="256" r:id="rId2"/>
     <p:sldId id="257" r:id="rId3"/>
-    <p:sldId id="258" r:id="rId4"/>
-    <p:sldId id="259" r:id="rId5"/>
-    <p:sldId id="260" r:id="rId6"/>
-    <p:sldId id="261" r:id="rId7"/>
+    <p:sldId id="266" r:id="rId4"/>
+    <p:sldId id="258" r:id="rId5"/>
+    <p:sldId id="265" r:id="rId6"/>
+    <p:sldId id="260" r:id="rId7"/>
     <p:sldId id="263" r:id="rId8"/>
     <p:sldId id="264" r:id="rId9"/>
+    <p:sldId id="259" r:id="rId10"/>
   </p:sldIdLst>
   <p:sldSz cx="9144000" cy="6858000" type="screen4x3"/>
   <p:notesSz cx="6858000" cy="9144000"/>
@@ -302,7 +303,7 @@
           <a:p>
             <a:fld id="{0ACE9716-E01B-4736-930C-3ABDFD8D78A9}" type="datetimeFigureOut">
               <a:rPr lang="en-US" smtClean="0"/>
-              <a:t>7/9/2017</a:t>
+              <a:t>7/23/2017</a:t>
             </a:fld>
             <a:endParaRPr lang="en-US"/>
           </a:p>
@@ -502,7 +503,7 @@
           <a:p>
             <a:fld id="{0ACE9716-E01B-4736-930C-3ABDFD8D78A9}" type="datetimeFigureOut">
               <a:rPr lang="en-US" smtClean="0"/>
-              <a:t>7/9/2017</a:t>
+              <a:t>7/23/2017</a:t>
             </a:fld>
             <a:endParaRPr lang="en-US"/>
           </a:p>
@@ -677,7 +678,7 @@
           <a:p>
             <a:fld id="{0ACE9716-E01B-4736-930C-3ABDFD8D78A9}" type="datetimeFigureOut">
               <a:rPr lang="en-US" smtClean="0"/>
-              <a:t>7/9/2017</a:t>
+              <a:t>7/23/2017</a:t>
             </a:fld>
             <a:endParaRPr lang="en-US"/>
           </a:p>
@@ -842,7 +843,7 @@
           <a:p>
             <a:fld id="{0ACE9716-E01B-4736-930C-3ABDFD8D78A9}" type="datetimeFigureOut">
               <a:rPr lang="en-US" smtClean="0"/>
-              <a:t>7/9/2017</a:t>
+              <a:t>7/23/2017</a:t>
             </a:fld>
             <a:endParaRPr lang="en-US"/>
           </a:p>
@@ -1090,7 +1091,7 @@
           <a:p>
             <a:fld id="{0ACE9716-E01B-4736-930C-3ABDFD8D78A9}" type="datetimeFigureOut">
               <a:rPr lang="en-US" smtClean="0"/>
-              <a:t>7/9/2017</a:t>
+              <a:t>7/23/2017</a:t>
             </a:fld>
             <a:endParaRPr lang="en-US"/>
           </a:p>
@@ -1408,7 +1409,7 @@
           <a:p>
             <a:fld id="{0ACE9716-E01B-4736-930C-3ABDFD8D78A9}" type="datetimeFigureOut">
               <a:rPr lang="en-US" smtClean="0"/>
-              <a:t>7/9/2017</a:t>
+              <a:t>7/23/2017</a:t>
             </a:fld>
             <a:endParaRPr lang="en-US"/>
           </a:p>
@@ -1874,7 +1875,7 @@
           <a:p>
             <a:fld id="{0ACE9716-E01B-4736-930C-3ABDFD8D78A9}" type="datetimeFigureOut">
               <a:rPr lang="en-US" smtClean="0"/>
-              <a:t>7/9/2017</a:t>
+              <a:t>7/23/2017</a:t>
             </a:fld>
             <a:endParaRPr lang="en-US"/>
           </a:p>
@@ -2022,7 +2023,7 @@
           <a:p>
             <a:fld id="{0ACE9716-E01B-4736-930C-3ABDFD8D78A9}" type="datetimeFigureOut">
               <a:rPr lang="en-US" smtClean="0"/>
-              <a:t>7/9/2017</a:t>
+              <a:t>7/23/2017</a:t>
             </a:fld>
             <a:endParaRPr lang="en-US"/>
           </a:p>
@@ -2112,7 +2113,7 @@
           <a:p>
             <a:fld id="{0ACE9716-E01B-4736-930C-3ABDFD8D78A9}" type="datetimeFigureOut">
               <a:rPr lang="en-US" smtClean="0"/>
-              <a:t>7/9/2017</a:t>
+              <a:t>7/23/2017</a:t>
             </a:fld>
             <a:endParaRPr lang="en-US"/>
           </a:p>
@@ -2386,7 +2387,7 @@
           <a:p>
             <a:fld id="{0ACE9716-E01B-4736-930C-3ABDFD8D78A9}" type="datetimeFigureOut">
               <a:rPr lang="en-US" smtClean="0"/>
-              <a:t>7/9/2017</a:t>
+              <a:t>7/23/2017</a:t>
             </a:fld>
             <a:endParaRPr lang="en-US"/>
           </a:p>
@@ -2691,7 +2692,7 @@
           <a:p>
             <a:fld id="{0ACE9716-E01B-4736-930C-3ABDFD8D78A9}" type="datetimeFigureOut">
               <a:rPr lang="en-US" smtClean="0"/>
-              <a:t>7/9/2017</a:t>
+              <a:t>7/23/2017</a:t>
             </a:fld>
             <a:endParaRPr lang="en-US"/>
           </a:p>
@@ -2989,7 +2990,7 @@
           <a:p>
             <a:fld id="{0ACE9716-E01B-4736-930C-3ABDFD8D78A9}" type="datetimeFigureOut">
               <a:rPr lang="en-US" smtClean="0"/>
-              <a:t>7/9/2017</a:t>
+              <a:t>7/23/2017</a:t>
             </a:fld>
             <a:endParaRPr lang="en-US"/>
           </a:p>
@@ -3641,6 +3642,29 @@
               </a:rPr>
               <a:t>Annotation in TestNG</a:t>
             </a:r>
+          </a:p>
+          <a:p>
+            <a:pPr marL="571500" indent="-571500">
+              <a:buClr>
+                <a:srgbClr val="00B0F0"/>
+              </a:buClr>
+              <a:buFont typeface="Wingdings" pitchFamily="2" charset="2"/>
+              <a:buChar char="Ø"/>
+            </a:pPr>
+            <a:r>
+              <a:rPr lang="en-US" dirty="0" smtClean="0">
+                <a:latin typeface="Aparajita" pitchFamily="34" charset="0"/>
+                <a:cs typeface="Aparajita" pitchFamily="34" charset="0"/>
+              </a:rPr>
+              <a:t>Implementation of </a:t>
+            </a:r>
+            <a:r>
+              <a:rPr lang="en-US" smtClean="0">
+                <a:latin typeface="Aparajita" pitchFamily="34" charset="0"/>
+                <a:cs typeface="Aparajita" pitchFamily="34" charset="0"/>
+              </a:rPr>
+              <a:t>Extent Report</a:t>
+            </a:r>
             <a:endParaRPr lang="en-US" dirty="0">
               <a:latin typeface="Aparajita" pitchFamily="34" charset="0"/>
               <a:cs typeface="Aparajita" pitchFamily="34" charset="0"/>
@@ -3800,8 +3824,8 @@
             <a:r>
               <a:rPr lang="en-US" sz="3600" b="1" i="1" dirty="0" smtClean="0">
                 <a:solidFill>
-                  <a:schemeClr val="accent4">
-                    <a:lumMod val="75000"/>
+                  <a:schemeClr val="accent5">
+                    <a:lumMod val="50000"/>
                   </a:schemeClr>
                 </a:solidFill>
                 <a:latin typeface="Aparajita" pitchFamily="34" charset="0"/>
@@ -3812,8 +3836,8 @@
             <a:r>
               <a:rPr lang="en-US" sz="3600" b="1" i="1" dirty="0">
                 <a:solidFill>
-                  <a:schemeClr val="accent4">
-                    <a:lumMod val="75000"/>
+                  <a:schemeClr val="accent5">
+                    <a:lumMod val="50000"/>
                   </a:schemeClr>
                 </a:solidFill>
                 <a:latin typeface="Aparajita" pitchFamily="34" charset="0"/>
@@ -3824,8 +3848,8 @@
             <a:r>
               <a:rPr lang="en-US" sz="3600" b="1" i="1" dirty="0" smtClean="0">
                 <a:solidFill>
-                  <a:schemeClr val="accent4">
-                    <a:lumMod val="75000"/>
+                  <a:schemeClr val="accent5">
+                    <a:lumMod val="50000"/>
                   </a:schemeClr>
                 </a:solidFill>
                 <a:latin typeface="Aparajita" pitchFamily="34" charset="0"/>
@@ -4325,8 +4349,8 @@
         </p:nvSpPr>
         <p:spPr>
           <a:xfrm>
-            <a:off x="0" y="1219200"/>
-            <a:ext cx="8305800" cy="5410200"/>
+            <a:off x="0" y="914400"/>
+            <a:ext cx="9144000" cy="5715000"/>
           </a:xfrm>
         </p:spPr>
         <p:txBody>
@@ -4335,89 +4359,6 @@
           </a:bodyPr>
           <a:lstStyle/>
           <a:p>
-            <a:pPr marL="571500" indent="-571500">
-              <a:buClr>
-                <a:srgbClr val="00B0F0"/>
-              </a:buClr>
-              <a:buFont typeface="Wingdings" pitchFamily="2" charset="2"/>
-              <a:buChar char="Ø"/>
-            </a:pPr>
-            <a:r>
-              <a:rPr lang="en-US" sz="2800" b="1" i="1" dirty="0" smtClean="0">
-                <a:latin typeface="Aparajita" pitchFamily="34" charset="0"/>
-                <a:cs typeface="Aparajita" pitchFamily="34" charset="0"/>
-              </a:rPr>
-              <a:t>Advantages of POM</a:t>
-            </a:r>
-          </a:p>
-          <a:p>
-            <a:pPr marL="571500" indent="-571500">
-              <a:buClr>
-                <a:srgbClr val="00B0F0"/>
-              </a:buClr>
-              <a:buFont typeface="+mj-lt"/>
-              <a:buAutoNum type="romanLcPeriod"/>
-            </a:pPr>
-            <a:r>
-              <a:rPr lang="en-US" sz="2800" dirty="0" smtClean="0">
-                <a:latin typeface="Aparajita" pitchFamily="34" charset="0"/>
-                <a:cs typeface="Aparajita" pitchFamily="34" charset="0"/>
-              </a:rPr>
-              <a:t>Script will be more readable format.</a:t>
-            </a:r>
-          </a:p>
-          <a:p>
-            <a:pPr marL="571500" indent="-571500">
-              <a:buClr>
-                <a:srgbClr val="00B0F0"/>
-              </a:buClr>
-              <a:buFont typeface="+mj-lt"/>
-              <a:buAutoNum type="romanLcPeriod"/>
-            </a:pPr>
-            <a:r>
-              <a:rPr lang="en-US" sz="2800" dirty="0" smtClean="0">
-                <a:latin typeface="Aparajita" pitchFamily="34" charset="0"/>
-                <a:cs typeface="Aparajita" pitchFamily="34" charset="0"/>
-              </a:rPr>
-              <a:t>Easy to maintain and reusable script.</a:t>
-            </a:r>
-          </a:p>
-          <a:p>
-            <a:pPr marL="571500" indent="-571500">
-              <a:buClr>
-                <a:srgbClr val="00B0F0"/>
-              </a:buClr>
-              <a:buFont typeface="+mj-lt"/>
-              <a:buAutoNum type="romanLcPeriod"/>
-            </a:pPr>
-            <a:r>
-              <a:rPr lang="en-US" sz="2800" dirty="0" smtClean="0">
-                <a:latin typeface="Aparajita" pitchFamily="34" charset="0"/>
-                <a:cs typeface="Aparajita" pitchFamily="34" charset="0"/>
-              </a:rPr>
-              <a:t>We can make use of cache feature.</a:t>
-            </a:r>
-          </a:p>
-          <a:p>
-            <a:pPr marL="857250" indent="-857250">
-              <a:buFont typeface="+mj-lt"/>
-              <a:buAutoNum type="romanLcPeriod"/>
-            </a:pPr>
-            <a:endParaRPr lang="en-US" sz="2800" dirty="0" smtClean="0">
-              <a:solidFill>
-                <a:schemeClr val="accent6">
-                  <a:lumMod val="50000"/>
-                </a:schemeClr>
-              </a:solidFill>
-              <a:latin typeface="Aparajita" pitchFamily="34" charset="0"/>
-              <a:cs typeface="Aparajita" pitchFamily="34" charset="0"/>
-            </a:endParaRPr>
-          </a:p>
-          <a:p>
-            <a:pPr marL="571500" indent="-571500">
-              <a:buFont typeface="Arial" pitchFamily="34" charset="0"/>
-              <a:buChar char="•"/>
-            </a:pPr>
             <a:endParaRPr lang="en-US" sz="3600" dirty="0">
               <a:solidFill>
                 <a:schemeClr val="accent6">
@@ -4428,16 +4369,487 @@
           </a:p>
         </p:txBody>
       </p:sp>
+      <p:sp>
+        <p:nvSpPr>
+          <p:cNvPr id="4" name="Rectangle 3"/>
+          <p:cNvSpPr/>
+          <p:nvPr/>
+        </p:nvSpPr>
+        <p:spPr>
+          <a:xfrm>
+            <a:off x="381000" y="1524000"/>
+            <a:ext cx="1828800" cy="457200"/>
+          </a:xfrm>
+          <a:prstGeom prst="rect">
+            <a:avLst/>
+          </a:prstGeom>
+        </p:spPr>
+        <p:style>
+          <a:lnRef idx="2">
+            <a:schemeClr val="accent1">
+              <a:shade val="50000"/>
+            </a:schemeClr>
+          </a:lnRef>
+          <a:fillRef idx="1">
+            <a:schemeClr val="accent1"/>
+          </a:fillRef>
+          <a:effectRef idx="0">
+            <a:schemeClr val="accent1"/>
+          </a:effectRef>
+          <a:fontRef idx="minor">
+            <a:schemeClr val="lt1"/>
+          </a:fontRef>
+        </p:style>
+        <p:txBody>
+          <a:bodyPr rtlCol="0" anchor="ctr"/>
+          <a:lstStyle/>
+          <a:p>
+            <a:pPr algn="ctr"/>
+            <a:r>
+              <a:rPr lang="en-US" dirty="0" smtClean="0"/>
+              <a:t>Login</a:t>
+            </a:r>
+            <a:endParaRPr lang="en-US" dirty="0"/>
+          </a:p>
+        </p:txBody>
+      </p:sp>
+      <p:sp>
+        <p:nvSpPr>
+          <p:cNvPr id="5" name="Rectangle 4"/>
+          <p:cNvSpPr/>
+          <p:nvPr/>
+        </p:nvSpPr>
+        <p:spPr>
+          <a:xfrm>
+            <a:off x="381000" y="2209800"/>
+            <a:ext cx="1828800" cy="533400"/>
+          </a:xfrm>
+          <a:prstGeom prst="rect">
+            <a:avLst/>
+          </a:prstGeom>
+        </p:spPr>
+        <p:style>
+          <a:lnRef idx="2">
+            <a:schemeClr val="accent1">
+              <a:shade val="50000"/>
+            </a:schemeClr>
+          </a:lnRef>
+          <a:fillRef idx="1">
+            <a:schemeClr val="accent1"/>
+          </a:fillRef>
+          <a:effectRef idx="0">
+            <a:schemeClr val="accent1"/>
+          </a:effectRef>
+          <a:fontRef idx="minor">
+            <a:schemeClr val="lt1"/>
+          </a:fontRef>
+        </p:style>
+        <p:txBody>
+          <a:bodyPr rtlCol="0" anchor="ctr"/>
+          <a:lstStyle/>
+          <a:p>
+            <a:pPr algn="ctr"/>
+            <a:r>
+              <a:rPr lang="en-US" dirty="0" smtClean="0"/>
+              <a:t>Homepage</a:t>
+            </a:r>
+            <a:endParaRPr lang="en-US" dirty="0"/>
+          </a:p>
+        </p:txBody>
+      </p:sp>
+      <p:sp>
+        <p:nvSpPr>
+          <p:cNvPr id="6" name="Rectangle 5"/>
+          <p:cNvSpPr/>
+          <p:nvPr/>
+        </p:nvSpPr>
+        <p:spPr>
+          <a:xfrm>
+            <a:off x="381000" y="3048000"/>
+            <a:ext cx="1828800" cy="533400"/>
+          </a:xfrm>
+          <a:prstGeom prst="rect">
+            <a:avLst/>
+          </a:prstGeom>
+        </p:spPr>
+        <p:style>
+          <a:lnRef idx="2">
+            <a:schemeClr val="accent1">
+              <a:shade val="50000"/>
+            </a:schemeClr>
+          </a:lnRef>
+          <a:fillRef idx="1">
+            <a:schemeClr val="accent1"/>
+          </a:fillRef>
+          <a:effectRef idx="0">
+            <a:schemeClr val="accent1"/>
+          </a:effectRef>
+          <a:fontRef idx="minor">
+            <a:schemeClr val="lt1"/>
+          </a:fontRef>
+        </p:style>
+        <p:txBody>
+          <a:bodyPr rtlCol="0" anchor="ctr"/>
+          <a:lstStyle/>
+          <a:p>
+            <a:pPr algn="ctr"/>
+            <a:r>
+              <a:rPr lang="en-US" smtClean="0"/>
+              <a:t>Pyment</a:t>
+            </a:r>
+            <a:endParaRPr lang="en-US" dirty="0"/>
+          </a:p>
+        </p:txBody>
+      </p:sp>
+      <p:sp>
+        <p:nvSpPr>
+          <p:cNvPr id="7" name="Rectangle 6"/>
+          <p:cNvSpPr/>
+          <p:nvPr/>
+        </p:nvSpPr>
+        <p:spPr>
+          <a:xfrm>
+            <a:off x="381000" y="3810000"/>
+            <a:ext cx="1828800" cy="457200"/>
+          </a:xfrm>
+          <a:prstGeom prst="rect">
+            <a:avLst/>
+          </a:prstGeom>
+        </p:spPr>
+        <p:style>
+          <a:lnRef idx="2">
+            <a:schemeClr val="accent1">
+              <a:shade val="50000"/>
+            </a:schemeClr>
+          </a:lnRef>
+          <a:fillRef idx="1">
+            <a:schemeClr val="accent1"/>
+          </a:fillRef>
+          <a:effectRef idx="0">
+            <a:schemeClr val="accent1"/>
+          </a:effectRef>
+          <a:fontRef idx="minor">
+            <a:schemeClr val="lt1"/>
+          </a:fontRef>
+        </p:style>
+        <p:txBody>
+          <a:bodyPr rtlCol="0" anchor="ctr"/>
+          <a:lstStyle/>
+          <a:p>
+            <a:pPr algn="ctr"/>
+            <a:r>
+              <a:rPr lang="en-US" dirty="0" smtClean="0"/>
+              <a:t>Logout</a:t>
+            </a:r>
+            <a:endParaRPr lang="en-US" dirty="0"/>
+          </a:p>
+        </p:txBody>
+      </p:sp>
+      <p:cxnSp>
+        <p:nvCxnSpPr>
+          <p:cNvPr id="9" name="Straight Arrow Connector 8"/>
+          <p:cNvCxnSpPr/>
+          <p:nvPr/>
+        </p:nvCxnSpPr>
+        <p:spPr>
+          <a:xfrm>
+            <a:off x="1295400" y="1981200"/>
+            <a:ext cx="0" cy="228600"/>
+          </a:xfrm>
+          <a:prstGeom prst="straightConnector1">
+            <a:avLst/>
+          </a:prstGeom>
+          <a:ln>
+            <a:tailEnd type="arrow"/>
+          </a:ln>
+        </p:spPr>
+        <p:style>
+          <a:lnRef idx="1">
+            <a:schemeClr val="accent1"/>
+          </a:lnRef>
+          <a:fillRef idx="0">
+            <a:schemeClr val="accent1"/>
+          </a:fillRef>
+          <a:effectRef idx="0">
+            <a:schemeClr val="accent1"/>
+          </a:effectRef>
+          <a:fontRef idx="minor">
+            <a:schemeClr val="tx1"/>
+          </a:fontRef>
+        </p:style>
+      </p:cxnSp>
+      <p:cxnSp>
+        <p:nvCxnSpPr>
+          <p:cNvPr id="11" name="Straight Arrow Connector 10"/>
+          <p:cNvCxnSpPr>
+            <a:endCxn id="6" idx="0"/>
+          </p:cNvCxnSpPr>
+          <p:nvPr/>
+        </p:nvCxnSpPr>
+        <p:spPr>
+          <a:xfrm>
+            <a:off x="1295400" y="2743200"/>
+            <a:ext cx="0" cy="304800"/>
+          </a:xfrm>
+          <a:prstGeom prst="straightConnector1">
+            <a:avLst/>
+          </a:prstGeom>
+          <a:ln>
+            <a:tailEnd type="arrow"/>
+          </a:ln>
+        </p:spPr>
+        <p:style>
+          <a:lnRef idx="1">
+            <a:schemeClr val="accent1"/>
+          </a:lnRef>
+          <a:fillRef idx="0">
+            <a:schemeClr val="accent1"/>
+          </a:fillRef>
+          <a:effectRef idx="0">
+            <a:schemeClr val="accent1"/>
+          </a:effectRef>
+          <a:fontRef idx="minor">
+            <a:schemeClr val="tx1"/>
+          </a:fontRef>
+        </p:style>
+      </p:cxnSp>
+      <p:cxnSp>
+        <p:nvCxnSpPr>
+          <p:cNvPr id="13" name="Straight Arrow Connector 12"/>
+          <p:cNvCxnSpPr>
+            <a:endCxn id="7" idx="0"/>
+          </p:cNvCxnSpPr>
+          <p:nvPr/>
+        </p:nvCxnSpPr>
+        <p:spPr>
+          <a:xfrm>
+            <a:off x="1295400" y="3581400"/>
+            <a:ext cx="0" cy="228600"/>
+          </a:xfrm>
+          <a:prstGeom prst="straightConnector1">
+            <a:avLst/>
+          </a:prstGeom>
+          <a:ln>
+            <a:tailEnd type="arrow"/>
+          </a:ln>
+        </p:spPr>
+        <p:style>
+          <a:lnRef idx="1">
+            <a:schemeClr val="accent1"/>
+          </a:lnRef>
+          <a:fillRef idx="0">
+            <a:schemeClr val="accent1"/>
+          </a:fillRef>
+          <a:effectRef idx="0">
+            <a:schemeClr val="accent1"/>
+          </a:effectRef>
+          <a:fontRef idx="minor">
+            <a:schemeClr val="tx1"/>
+          </a:fontRef>
+        </p:style>
+      </p:cxnSp>
+      <p:sp>
+        <p:nvSpPr>
+          <p:cNvPr id="14" name="Oval 13"/>
+          <p:cNvSpPr/>
+          <p:nvPr/>
+        </p:nvSpPr>
+        <p:spPr>
+          <a:xfrm>
+            <a:off x="6201616" y="2114550"/>
+            <a:ext cx="1371600" cy="952500"/>
+          </a:xfrm>
+          <a:prstGeom prst="ellipse">
+            <a:avLst/>
+          </a:prstGeom>
+        </p:spPr>
+        <p:style>
+          <a:lnRef idx="2">
+            <a:schemeClr val="accent1">
+              <a:shade val="50000"/>
+            </a:schemeClr>
+          </a:lnRef>
+          <a:fillRef idx="1">
+            <a:schemeClr val="accent1"/>
+          </a:fillRef>
+          <a:effectRef idx="0">
+            <a:schemeClr val="accent1"/>
+          </a:effectRef>
+          <a:fontRef idx="minor">
+            <a:schemeClr val="lt1"/>
+          </a:fontRef>
+        </p:style>
+        <p:txBody>
+          <a:bodyPr rtlCol="0" anchor="ctr"/>
+          <a:lstStyle/>
+          <a:p>
+            <a:pPr algn="ctr"/>
+            <a:r>
+              <a:rPr lang="en-US" dirty="0" smtClean="0"/>
+              <a:t>TC1</a:t>
+            </a:r>
+            <a:endParaRPr lang="en-US" dirty="0"/>
+          </a:p>
+        </p:txBody>
+      </p:sp>
+      <p:cxnSp>
+        <p:nvCxnSpPr>
+          <p:cNvPr id="24" name="Straight Arrow Connector 23"/>
+          <p:cNvCxnSpPr/>
+          <p:nvPr/>
+        </p:nvCxnSpPr>
+        <p:spPr>
+          <a:xfrm>
+            <a:off x="2286000" y="2590800"/>
+            <a:ext cx="3886200" cy="152400"/>
+          </a:xfrm>
+          <a:prstGeom prst="straightConnector1">
+            <a:avLst/>
+          </a:prstGeom>
+          <a:ln>
+            <a:headEnd type="arrow"/>
+            <a:tailEnd type="arrow"/>
+          </a:ln>
+        </p:spPr>
+        <p:style>
+          <a:lnRef idx="1">
+            <a:schemeClr val="accent1"/>
+          </a:lnRef>
+          <a:fillRef idx="0">
+            <a:schemeClr val="accent1"/>
+          </a:fillRef>
+          <a:effectRef idx="0">
+            <a:schemeClr val="accent1"/>
+          </a:effectRef>
+          <a:fontRef idx="minor">
+            <a:schemeClr val="tx1"/>
+          </a:fontRef>
+        </p:style>
+      </p:cxnSp>
+      <p:cxnSp>
+        <p:nvCxnSpPr>
+          <p:cNvPr id="26" name="Straight Arrow Connector 25"/>
+          <p:cNvCxnSpPr/>
+          <p:nvPr/>
+        </p:nvCxnSpPr>
+        <p:spPr>
+          <a:xfrm flipV="1">
+            <a:off x="2209800" y="2743200"/>
+            <a:ext cx="3991816" cy="571500"/>
+          </a:xfrm>
+          <a:prstGeom prst="straightConnector1">
+            <a:avLst/>
+          </a:prstGeom>
+          <a:ln>
+            <a:headEnd type="arrow"/>
+            <a:tailEnd type="arrow"/>
+          </a:ln>
+        </p:spPr>
+        <p:style>
+          <a:lnRef idx="1">
+            <a:schemeClr val="accent1"/>
+          </a:lnRef>
+          <a:fillRef idx="0">
+            <a:schemeClr val="accent1"/>
+          </a:fillRef>
+          <a:effectRef idx="0">
+            <a:schemeClr val="accent1"/>
+          </a:effectRef>
+          <a:fontRef idx="minor">
+            <a:schemeClr val="tx1"/>
+          </a:fontRef>
+        </p:style>
+      </p:cxnSp>
+      <p:cxnSp>
+        <p:nvCxnSpPr>
+          <p:cNvPr id="29" name="Straight Arrow Connector 28"/>
+          <p:cNvCxnSpPr/>
+          <p:nvPr/>
+        </p:nvCxnSpPr>
+        <p:spPr>
+          <a:xfrm flipV="1">
+            <a:off x="2286000" y="2743200"/>
+            <a:ext cx="3915616" cy="1295400"/>
+          </a:xfrm>
+          <a:prstGeom prst="straightConnector1">
+            <a:avLst/>
+          </a:prstGeom>
+          <a:ln>
+            <a:headEnd type="arrow"/>
+            <a:tailEnd type="arrow"/>
+          </a:ln>
+        </p:spPr>
+        <p:style>
+          <a:lnRef idx="1">
+            <a:schemeClr val="accent1"/>
+          </a:lnRef>
+          <a:fillRef idx="0">
+            <a:schemeClr val="accent1"/>
+          </a:fillRef>
+          <a:effectRef idx="0">
+            <a:schemeClr val="accent1"/>
+          </a:effectRef>
+          <a:fontRef idx="minor">
+            <a:schemeClr val="tx1"/>
+          </a:fontRef>
+        </p:style>
+      </p:cxnSp>
+      <p:cxnSp>
+        <p:nvCxnSpPr>
+          <p:cNvPr id="31" name="Straight Arrow Connector 30"/>
+          <p:cNvCxnSpPr/>
+          <p:nvPr/>
+        </p:nvCxnSpPr>
+        <p:spPr>
+          <a:xfrm>
+            <a:off x="2286000" y="1752600"/>
+            <a:ext cx="3915616" cy="990600"/>
+          </a:xfrm>
+          <a:prstGeom prst="straightConnector1">
+            <a:avLst/>
+          </a:prstGeom>
+          <a:ln>
+            <a:headEnd type="arrow"/>
+            <a:tailEnd type="arrow"/>
+          </a:ln>
+        </p:spPr>
+        <p:style>
+          <a:lnRef idx="1">
+            <a:schemeClr val="accent1"/>
+          </a:lnRef>
+          <a:fillRef idx="0">
+            <a:schemeClr val="accent1"/>
+          </a:fillRef>
+          <a:effectRef idx="0">
+            <a:schemeClr val="accent1"/>
+          </a:effectRef>
+          <a:fontRef idx="minor">
+            <a:schemeClr val="tx1"/>
+          </a:fontRef>
+        </p:style>
+      </p:cxnSp>
     </p:spTree>
     <p:extLst>
       <p:ext uri="{BB962C8B-B14F-4D97-AF65-F5344CB8AC3E}">
-        <p14:creationId xmlns:p14="http://schemas.microsoft.com/office/powerpoint/2010/main" val="1762376140"/>
+        <p14:creationId xmlns:p14="http://schemas.microsoft.com/office/powerpoint/2010/main" val="1499770326"/>
       </p:ext>
     </p:extLst>
   </p:cSld>
   <p:clrMapOvr>
     <a:masterClrMapping/>
   </p:clrMapOvr>
+  <mc:AlternateContent xmlns:mc="http://schemas.openxmlformats.org/markup-compatibility/2006" xmlns:p14="http://schemas.microsoft.com/office/powerpoint/2010/main">
+    <mc:Choice Requires="p14">
+      <p:transition spd="slow" p14:dur="800">
+        <p:circle/>
+      </p:transition>
+    </mc:Choice>
+    <mc:Fallback xmlns="">
+      <p:transition spd="slow">
+        <p:circle/>
+      </p:transition>
+    </mc:Fallback>
+  </mc:AlternateContent>
   <p:timing>
     <p:tnLst>
       <p:par>
@@ -4497,7 +4909,7 @@
                 <a:latin typeface="Aparajita" pitchFamily="34" charset="0"/>
                 <a:cs typeface="Aparajita" pitchFamily="34" charset="0"/>
               </a:rPr>
-              <a:t>Extent Report</a:t>
+              <a:t>Page Object Model</a:t>
             </a:r>
             <a:endParaRPr lang="en-US" sz="4800" i="1" dirty="0">
               <a:solidFill>
@@ -4524,8 +4936,8 @@
         </p:nvSpPr>
         <p:spPr>
           <a:xfrm>
-            <a:off x="0" y="914400"/>
-            <a:ext cx="9144000" cy="5715000"/>
+            <a:off x="0" y="1219200"/>
+            <a:ext cx="8305800" cy="5410200"/>
           </a:xfrm>
         </p:spPr>
         <p:txBody>
@@ -4546,19 +4958,8 @@
                 <a:latin typeface="Aparajita" pitchFamily="34" charset="0"/>
                 <a:cs typeface="Aparajita" pitchFamily="34" charset="0"/>
               </a:rPr>
-              <a:t>What is </a:t>
-            </a:r>
-            <a:r>
-              <a:rPr lang="en-US" sz="2800" b="1" i="1" dirty="0" smtClean="0">
-                <a:latin typeface="Aparajita" pitchFamily="34" charset="0"/>
-                <a:cs typeface="Aparajita" pitchFamily="34" charset="0"/>
-              </a:rPr>
-              <a:t>Extent Report</a:t>
-            </a:r>
-            <a:endParaRPr lang="en-US" sz="2800" b="1" i="1" dirty="0" smtClean="0">
-              <a:latin typeface="Aparajita" pitchFamily="34" charset="0"/>
-              <a:cs typeface="Aparajita" pitchFamily="34" charset="0"/>
-            </a:endParaRPr>
+              <a:t>Advantages of POM</a:t>
+            </a:r>
           </a:p>
           <a:p>
             <a:pPr marL="571500" indent="-571500">
@@ -4569,23 +4970,12 @@
               <a:buAutoNum type="romanLcPeriod"/>
             </a:pPr>
             <a:r>
-              <a:rPr lang="en-US" sz="2000" i="1" dirty="0">
-                <a:latin typeface="Aparajita" pitchFamily="34" charset="0"/>
-                <a:cs typeface="Aparajita" pitchFamily="34" charset="0"/>
-              </a:rPr>
-              <a:t>Extent Report is a HTML reporting library for Selenium</a:t>
-            </a:r>
-            <a:r>
-              <a:rPr lang="en-US" sz="2000" dirty="0" smtClean="0">
-                <a:latin typeface="Aparajita" pitchFamily="34" charset="0"/>
-                <a:cs typeface="Aparajita" pitchFamily="34" charset="0"/>
-              </a:rPr>
-              <a:t>.</a:t>
-            </a:r>
-            <a:endParaRPr lang="en-US" sz="2000" dirty="0" smtClean="0">
-              <a:latin typeface="Aparajita" pitchFamily="34" charset="0"/>
-              <a:cs typeface="Aparajita" pitchFamily="34" charset="0"/>
-            </a:endParaRPr>
+              <a:rPr lang="en-US" sz="2800" dirty="0" smtClean="0">
+                <a:latin typeface="Aparajita" pitchFamily="34" charset="0"/>
+                <a:cs typeface="Aparajita" pitchFamily="34" charset="0"/>
+              </a:rPr>
+              <a:t>Script will be more readable format.</a:t>
+            </a:r>
           </a:p>
           <a:p>
             <a:pPr marL="571500" indent="-571500">
@@ -4596,18 +4986,11 @@
               <a:buAutoNum type="romanLcPeriod"/>
             </a:pPr>
             <a:r>
-              <a:rPr lang="en-US" sz="2000" i="1" dirty="0">
-                <a:latin typeface="Aparajita" pitchFamily="34" charset="0"/>
-                <a:cs typeface="Aparajita" pitchFamily="34" charset="0"/>
-              </a:rPr>
-              <a:t>We can use this tool within our TestNG  and BDD automation framework</a:t>
-            </a:r>
-            <a:r>
-              <a:rPr lang="en-US" sz="2000" i="1" dirty="0" smtClean="0">
-                <a:latin typeface="Aparajita" pitchFamily="34" charset="0"/>
-                <a:cs typeface="Aparajita" pitchFamily="34" charset="0"/>
-              </a:rPr>
-              <a:t>.</a:t>
+              <a:rPr lang="en-US" sz="2800" dirty="0" smtClean="0">
+                <a:latin typeface="Aparajita" pitchFamily="34" charset="0"/>
+                <a:cs typeface="Aparajita" pitchFamily="34" charset="0"/>
+              </a:rPr>
+              <a:t>Easy to maintain and reusable script.</a:t>
             </a:r>
           </a:p>
           <a:p>
@@ -4619,43 +5002,12 @@
               <a:buAutoNum type="romanLcPeriod"/>
             </a:pPr>
             <a:r>
-              <a:rPr lang="en-US" sz="2000" i="1" dirty="0">
-                <a:latin typeface="Aparajita" pitchFamily="34" charset="0"/>
-                <a:cs typeface="Aparajita" pitchFamily="34" charset="0"/>
-              </a:rPr>
-              <a:t>Download Extent report library from </a:t>
-            </a:r>
-            <a:r>
-              <a:rPr lang="en-US" sz="2000" b="1" i="1" u="sng" dirty="0">
-                <a:solidFill>
-                  <a:srgbClr val="00B0F0"/>
-                </a:solidFill>
-                <a:latin typeface="Aparajita" pitchFamily="34" charset="0"/>
-                <a:cs typeface="Aparajita" pitchFamily="34" charset="0"/>
-              </a:rPr>
-              <a:t>http://</a:t>
-            </a:r>
-            <a:r>
-              <a:rPr lang="en-US" sz="2000" b="1" i="1" u="sng" dirty="0" smtClean="0">
-                <a:solidFill>
-                  <a:srgbClr val="00B0F0"/>
-                </a:solidFill>
-                <a:latin typeface="Aparajita" pitchFamily="34" charset="0"/>
-                <a:cs typeface="Aparajita" pitchFamily="34" charset="0"/>
-              </a:rPr>
-              <a:t>extentreports.com</a:t>
-            </a:r>
-            <a:r>
-              <a:rPr lang="en-US" sz="2000" i="1" dirty="0" smtClean="0">
-                <a:latin typeface="Aparajita" pitchFamily="34" charset="0"/>
-                <a:cs typeface="Aparajita" pitchFamily="34" charset="0"/>
-              </a:rPr>
-              <a:t>	</a:t>
-            </a:r>
-            <a:endParaRPr lang="en-US" sz="2000" dirty="0" smtClean="0">
-              <a:latin typeface="Aparajita" pitchFamily="34" charset="0"/>
-              <a:cs typeface="Aparajita" pitchFamily="34" charset="0"/>
-            </a:endParaRPr>
+              <a:rPr lang="en-US" sz="2800" dirty="0" smtClean="0">
+                <a:latin typeface="Aparajita" pitchFamily="34" charset="0"/>
+                <a:cs typeface="Aparajita" pitchFamily="34" charset="0"/>
+              </a:rPr>
+              <a:t>We can make use of cache feature.</a:t>
+            </a:r>
           </a:p>
           <a:p>
             <a:pPr marL="857250" indent="-857250">
@@ -4690,7 +5042,7 @@
     </p:spTree>
     <p:extLst>
       <p:ext uri="{BB962C8B-B14F-4D97-AF65-F5344CB8AC3E}">
-        <p14:creationId xmlns:p14="http://schemas.microsoft.com/office/powerpoint/2010/main" val="371780410"/>
+        <p14:creationId xmlns:p14="http://schemas.microsoft.com/office/powerpoint/2010/main" val="1762376140"/>
       </p:ext>
     </p:extLst>
   </p:cSld>
@@ -4756,7 +5108,20 @@
                 <a:latin typeface="Aparajita" pitchFamily="34" charset="0"/>
                 <a:cs typeface="Aparajita" pitchFamily="34" charset="0"/>
               </a:rPr>
-              <a:t>Test NG</a:t>
+              <a:t>Test </a:t>
+            </a:r>
+            <a:r>
+              <a:rPr lang="en-US" sz="4800" i="1" dirty="0" err="1" smtClean="0">
+                <a:solidFill>
+                  <a:schemeClr val="tx1">
+                    <a:lumMod val="75000"/>
+                    <a:lumOff val="25000"/>
+                  </a:schemeClr>
+                </a:solidFill>
+                <a:latin typeface="Aparajita" pitchFamily="34" charset="0"/>
+                <a:cs typeface="Aparajita" pitchFamily="34" charset="0"/>
+              </a:rPr>
+              <a:t>ng</a:t>
             </a:r>
             <a:endParaRPr lang="en-US" sz="4800" i="1" dirty="0">
               <a:solidFill>
@@ -4783,12 +5148,12 @@
         </p:nvSpPr>
         <p:spPr>
           <a:xfrm>
-            <a:off x="0" y="1219200"/>
-            <a:ext cx="8305800" cy="5410200"/>
+            <a:off x="0" y="838200"/>
+            <a:ext cx="9067800" cy="6019800"/>
           </a:xfrm>
         </p:spPr>
         <p:txBody>
-          <a:bodyPr>
+          <a:bodyPr numCol="1">
             <a:normAutofit/>
           </a:bodyPr>
           <a:lstStyle/>
@@ -4801,15 +5166,20 @@
               <a:buChar char="Ø"/>
             </a:pPr>
             <a:r>
-              <a:rPr lang="en-US" sz="2800" b="1" i="1" dirty="0" smtClean="0">
-                <a:latin typeface="Aparajita" pitchFamily="34" charset="0"/>
-                <a:cs typeface="Aparajita" pitchFamily="34" charset="0"/>
-              </a:rPr>
-              <a:t>Advantages of TestNG</a:t>
-            </a:r>
-          </a:p>
-          <a:p>
-            <a:pPr marL="571500" indent="-571500">
+              <a:rPr lang="en-US" sz="2200" b="1" i="1" dirty="0" smtClean="0">
+                <a:solidFill>
+                  <a:schemeClr val="accent4">
+                    <a:lumMod val="75000"/>
+                  </a:schemeClr>
+                </a:solidFill>
+                <a:latin typeface="Aparajita" pitchFamily="34" charset="0"/>
+                <a:cs typeface="Aparajita" pitchFamily="34" charset="0"/>
+              </a:rPr>
+              <a:t>What is TestNG</a:t>
+            </a:r>
+          </a:p>
+          <a:p>
+            <a:pPr marL="857250" indent="-857250">
               <a:buClr>
                 <a:srgbClr val="00B0F0"/>
               </a:buClr>
@@ -4817,15 +5187,15 @@
               <a:buAutoNum type="romanLcPeriod"/>
             </a:pPr>
             <a:r>
-              <a:rPr lang="en-US" sz="2800" dirty="0" smtClean="0">
-                <a:latin typeface="Aparajita" pitchFamily="34" charset="0"/>
-                <a:cs typeface="Aparajita" pitchFamily="34" charset="0"/>
-              </a:rPr>
-              <a:t>Default Reporting</a:t>
-            </a:r>
-          </a:p>
-          <a:p>
-            <a:pPr marL="571500" indent="-571500">
+              <a:rPr lang="en-US" sz="2200" dirty="0" smtClean="0">
+                <a:latin typeface="Aparajita" pitchFamily="34" charset="0"/>
+                <a:cs typeface="Aparajita" pitchFamily="34" charset="0"/>
+              </a:rPr>
+              <a:t>TestNG is open source test automation framework which in inspired from JUnit</a:t>
+            </a:r>
+          </a:p>
+          <a:p>
+            <a:pPr marL="857250" indent="-857250">
               <a:buClr>
                 <a:srgbClr val="00B0F0"/>
               </a:buClr>
@@ -4833,131 +5203,13 @@
               <a:buAutoNum type="romanLcPeriod"/>
             </a:pPr>
             <a:r>
-              <a:rPr lang="en-US" sz="2800" dirty="0" smtClean="0">
-                <a:latin typeface="Aparajita" pitchFamily="34" charset="0"/>
-                <a:cs typeface="Aparajita" pitchFamily="34" charset="0"/>
-              </a:rPr>
-              <a:t>Supports of Listeners </a:t>
-            </a:r>
-          </a:p>
-          <a:p>
-            <a:pPr marL="571500" indent="-571500">
-              <a:buClr>
-                <a:srgbClr val="00B0F0"/>
-              </a:buClr>
-              <a:buFont typeface="+mj-lt"/>
-              <a:buAutoNum type="romanLcPeriod"/>
-            </a:pPr>
-            <a:r>
-              <a:rPr lang="en-US" sz="2800" dirty="0" smtClean="0">
-                <a:latin typeface="Aparajita" pitchFamily="34" charset="0"/>
-                <a:cs typeface="Aparajita" pitchFamily="34" charset="0"/>
-              </a:rPr>
-              <a:t>Supports of Advanced Annotations</a:t>
-            </a:r>
-          </a:p>
-          <a:p>
-            <a:pPr marL="571500" indent="-571500">
-              <a:buClr>
-                <a:srgbClr val="00B0F0"/>
-              </a:buClr>
-              <a:buFont typeface="+mj-lt"/>
-              <a:buAutoNum type="romanLcPeriod"/>
-            </a:pPr>
-            <a:r>
-              <a:rPr lang="en-US" sz="2800" dirty="0" smtClean="0">
-                <a:latin typeface="Aparajita" pitchFamily="34" charset="0"/>
-                <a:cs typeface="Aparajita" pitchFamily="34" charset="0"/>
-              </a:rPr>
-              <a:t>Easy and flexible test Configurations</a:t>
-            </a:r>
-          </a:p>
-          <a:p>
-            <a:pPr marL="571500" indent="-571500">
-              <a:buClr>
-                <a:srgbClr val="00B0F0"/>
-              </a:buClr>
-              <a:buFont typeface="+mj-lt"/>
-              <a:buAutoNum type="romanLcPeriod"/>
-            </a:pPr>
-            <a:r>
-              <a:rPr lang="en-US" sz="2800" dirty="0" smtClean="0">
-                <a:latin typeface="Aparajita" pitchFamily="34" charset="0"/>
-                <a:cs typeface="Aparajita" pitchFamily="34" charset="0"/>
-              </a:rPr>
-              <a:t>Supports for data driven testing(with @data provider)</a:t>
-            </a:r>
-          </a:p>
-          <a:p>
-            <a:pPr marL="571500" indent="-571500">
-              <a:buClr>
-                <a:srgbClr val="00B0F0"/>
-              </a:buClr>
-              <a:buFont typeface="+mj-lt"/>
-              <a:buAutoNum type="romanLcPeriod"/>
-            </a:pPr>
-            <a:r>
-              <a:rPr lang="en-US" sz="2800" dirty="0" smtClean="0">
-                <a:latin typeface="Aparajita" pitchFamily="34" charset="0"/>
-                <a:cs typeface="Aparajita" pitchFamily="34" charset="0"/>
-              </a:rPr>
-              <a:t>Supports of parameter</a:t>
-            </a:r>
-          </a:p>
-          <a:p>
-            <a:pPr marL="571500" indent="-571500">
-              <a:buClr>
-                <a:srgbClr val="00B0F0"/>
-              </a:buClr>
-              <a:buFont typeface="+mj-lt"/>
-              <a:buAutoNum type="romanLcPeriod"/>
-            </a:pPr>
-            <a:r>
-              <a:rPr lang="en-US" sz="2800" dirty="0" smtClean="0">
-                <a:latin typeface="Aparajita" pitchFamily="34" charset="0"/>
-                <a:cs typeface="Aparajita" pitchFamily="34" charset="0"/>
-              </a:rPr>
-              <a:t>Easy way to execute Test Suite</a:t>
-            </a:r>
-          </a:p>
-          <a:p>
-            <a:pPr marL="571500" indent="-571500">
-              <a:buClr>
-                <a:srgbClr val="00B0F0"/>
-              </a:buClr>
-              <a:buFont typeface="+mj-lt"/>
-              <a:buAutoNum type="romanLcPeriod"/>
-            </a:pPr>
-            <a:r>
-              <a:rPr lang="en-US" sz="2800" dirty="0" smtClean="0">
-                <a:latin typeface="Aparajita" pitchFamily="34" charset="0"/>
-                <a:cs typeface="Aparajita" pitchFamily="34" charset="0"/>
-              </a:rPr>
-              <a:t>Supports Parallel  execution</a:t>
-            </a:r>
-          </a:p>
-          <a:p>
-            <a:pPr marL="571500" indent="-571500">
-              <a:buClr>
-                <a:srgbClr val="00B0F0"/>
-              </a:buClr>
-              <a:buFont typeface="+mj-lt"/>
-              <a:buAutoNum type="romanLcPeriod"/>
-            </a:pPr>
-            <a:r>
-              <a:rPr lang="en-US" sz="2800" dirty="0" smtClean="0">
-                <a:latin typeface="Aparajita" pitchFamily="34" charset="0"/>
-                <a:cs typeface="Aparajita" pitchFamily="34" charset="0"/>
-              </a:rPr>
-              <a:t>Grouping feature and many more. </a:t>
-            </a:r>
-          </a:p>
-          <a:p>
-            <a:pPr marL="857250" indent="-857250">
-              <a:buFont typeface="+mj-lt"/>
-              <a:buAutoNum type="romanLcPeriod"/>
-            </a:pPr>
-            <a:endParaRPr lang="en-US" sz="2800" dirty="0" smtClean="0">
+              <a:rPr lang="en-US" sz="2200" dirty="0" smtClean="0">
+                <a:latin typeface="Aparajita" pitchFamily="34" charset="0"/>
+                <a:cs typeface="Aparajita" pitchFamily="34" charset="0"/>
+              </a:rPr>
+              <a:t>TestNG has multiple classes, interface and methods.</a:t>
+            </a:r>
+            <a:endParaRPr lang="en-US" sz="2200" dirty="0" smtClean="0">
               <a:solidFill>
                 <a:schemeClr val="accent6">
                   <a:lumMod val="50000"/>
@@ -4968,6 +5220,85 @@
             </a:endParaRPr>
           </a:p>
           <a:p>
+            <a:pPr marL="342900" indent="-342900">
+              <a:buClr>
+                <a:srgbClr val="00B0F0"/>
+              </a:buClr>
+              <a:buFont typeface="Wingdings" pitchFamily="2" charset="2"/>
+              <a:buChar char="Ø"/>
+            </a:pPr>
+            <a:r>
+              <a:rPr lang="en-US" sz="2200" dirty="0" smtClean="0">
+                <a:solidFill>
+                  <a:schemeClr val="accent6">
+                    <a:lumMod val="50000"/>
+                  </a:schemeClr>
+                </a:solidFill>
+                <a:latin typeface="Aparajita" pitchFamily="34" charset="0"/>
+                <a:cs typeface="Aparajita" pitchFamily="34" charset="0"/>
+              </a:rPr>
+              <a:t>  </a:t>
+            </a:r>
+            <a:endParaRPr lang="en-US" sz="2800" i="1" dirty="0">
+              <a:solidFill>
+                <a:schemeClr val="tx2">
+                  <a:lumMod val="75000"/>
+                </a:schemeClr>
+              </a:solidFill>
+              <a:latin typeface="Aparajita" pitchFamily="34" charset="0"/>
+              <a:cs typeface="Aparajita" pitchFamily="34" charset="0"/>
+            </a:endParaRPr>
+          </a:p>
+          <a:p>
+            <a:endParaRPr lang="en-US" sz="2800" i="1" dirty="0" smtClean="0">
+              <a:solidFill>
+                <a:schemeClr val="tx2">
+                  <a:lumMod val="75000"/>
+                </a:schemeClr>
+              </a:solidFill>
+              <a:latin typeface="Aparajita" pitchFamily="34" charset="0"/>
+              <a:cs typeface="Aparajita" pitchFamily="34" charset="0"/>
+            </a:endParaRPr>
+          </a:p>
+          <a:p>
+            <a:endParaRPr lang="en-US" sz="2800" i="1" dirty="0" smtClean="0">
+              <a:solidFill>
+                <a:schemeClr val="tx2">
+                  <a:lumMod val="75000"/>
+                </a:schemeClr>
+              </a:solidFill>
+              <a:latin typeface="Aparajita" pitchFamily="34" charset="0"/>
+              <a:cs typeface="Aparajita" pitchFamily="34" charset="0"/>
+            </a:endParaRPr>
+          </a:p>
+          <a:p>
+            <a:endParaRPr lang="en-US" sz="2600" dirty="0">
+              <a:solidFill>
+                <a:schemeClr val="tx2">
+                  <a:lumMod val="75000"/>
+                </a:schemeClr>
+              </a:solidFill>
+            </a:endParaRPr>
+          </a:p>
+          <a:p>
+            <a:endParaRPr lang="en-US" sz="2600" dirty="0">
+              <a:solidFill>
+                <a:schemeClr val="tx2">
+                  <a:lumMod val="75000"/>
+                </a:schemeClr>
+              </a:solidFill>
+            </a:endParaRPr>
+          </a:p>
+          <a:p>
+            <a:endParaRPr lang="en-US" sz="3600" dirty="0" smtClean="0">
+              <a:solidFill>
+                <a:schemeClr val="accent6">
+                  <a:lumMod val="50000"/>
+                </a:schemeClr>
+              </a:solidFill>
+            </a:endParaRPr>
+          </a:p>
+          <a:p>
             <a:pPr marL="571500" indent="-571500">
               <a:buFont typeface="Arial" pitchFamily="34" charset="0"/>
               <a:buChar char="•"/>
@@ -4982,10 +5313,51 @@
           </a:p>
         </p:txBody>
       </p:sp>
+      <p:pic>
+        <p:nvPicPr>
+          <p:cNvPr id="1026" name="Picture 2" descr="C:\Users\vostro\Desktop\Testng.png"/>
+          <p:cNvPicPr>
+            <a:picLocks noChangeAspect="1" noChangeArrowheads="1"/>
+          </p:cNvPicPr>
+          <p:nvPr/>
+        </p:nvPicPr>
+        <p:blipFill>
+          <a:blip r:embed="rId2">
+            <a:extLst>
+              <a:ext uri="{28A0092B-C50C-407E-A947-70E740481C1C}">
+                <a14:useLocalDpi xmlns:a14="http://schemas.microsoft.com/office/drawing/2010/main" val="0"/>
+              </a:ext>
+            </a:extLst>
+          </a:blip>
+          <a:srcRect/>
+          <a:stretch>
+            <a:fillRect/>
+          </a:stretch>
+        </p:blipFill>
+        <p:spPr bwMode="auto">
+          <a:xfrm>
+            <a:off x="685800" y="2209800"/>
+            <a:ext cx="5657850" cy="3233883"/>
+          </a:xfrm>
+          <a:prstGeom prst="rect">
+            <a:avLst/>
+          </a:prstGeom>
+          <a:noFill/>
+          <a:extLst>
+            <a:ext uri="{909E8E84-426E-40DD-AFC4-6F175D3DCCD1}">
+              <a14:hiddenFill xmlns:a14="http://schemas.microsoft.com/office/drawing/2010/main">
+                <a:solidFill>
+                  <a:srgbClr val="FFFFFF"/>
+                </a:solidFill>
+              </a14:hiddenFill>
+            </a:ext>
+          </a:extLst>
+        </p:spPr>
+      </p:pic>
     </p:spTree>
     <p:extLst>
       <p:ext uri="{BB962C8B-B14F-4D97-AF65-F5344CB8AC3E}">
-        <p14:creationId xmlns:p14="http://schemas.microsoft.com/office/powerpoint/2010/main" val="2971481840"/>
+        <p14:creationId xmlns:p14="http://schemas.microsoft.com/office/powerpoint/2010/main" val="1926581561"/>
       </p:ext>
     </p:extLst>
   </p:cSld>
@@ -5051,20 +5423,7 @@
                 <a:latin typeface="Aparajita" pitchFamily="34" charset="0"/>
                 <a:cs typeface="Aparajita" pitchFamily="34" charset="0"/>
               </a:rPr>
-              <a:t>Test </a:t>
-            </a:r>
-            <a:r>
-              <a:rPr lang="en-US" sz="4800" i="1" dirty="0" err="1" smtClean="0">
-                <a:solidFill>
-                  <a:schemeClr val="tx1">
-                    <a:lumMod val="75000"/>
-                    <a:lumOff val="25000"/>
-                  </a:schemeClr>
-                </a:solidFill>
-                <a:latin typeface="Aparajita" pitchFamily="34" charset="0"/>
-                <a:cs typeface="Aparajita" pitchFamily="34" charset="0"/>
-              </a:rPr>
-              <a:t>ng</a:t>
+              <a:t>Test NG</a:t>
             </a:r>
             <a:endParaRPr lang="en-US" sz="4800" i="1" dirty="0">
               <a:solidFill>
@@ -5091,13 +5450,13 @@
         </p:nvSpPr>
         <p:spPr>
           <a:xfrm>
-            <a:off x="0" y="838200"/>
-            <a:ext cx="9067800" cy="6019800"/>
+            <a:off x="0" y="1219200"/>
+            <a:ext cx="8305800" cy="5410200"/>
           </a:xfrm>
         </p:spPr>
         <p:txBody>
-          <a:bodyPr numCol="1">
-            <a:normAutofit lnSpcReduction="10000"/>
+          <a:bodyPr>
+            <a:normAutofit/>
           </a:bodyPr>
           <a:lstStyle/>
           <a:p>
@@ -5109,20 +5468,15 @@
               <a:buChar char="Ø"/>
             </a:pPr>
             <a:r>
-              <a:rPr lang="en-US" sz="2200" b="1" i="1" dirty="0" smtClean="0">
-                <a:solidFill>
-                  <a:schemeClr val="accent4">
-                    <a:lumMod val="75000"/>
-                  </a:schemeClr>
-                </a:solidFill>
-                <a:latin typeface="Aparajita" pitchFamily="34" charset="0"/>
-                <a:cs typeface="Aparajita" pitchFamily="34" charset="0"/>
-              </a:rPr>
-              <a:t>What is Listener</a:t>
-            </a:r>
-          </a:p>
-          <a:p>
-            <a:pPr marL="857250" indent="-857250">
+              <a:rPr lang="en-US" sz="2800" b="1" i="1" dirty="0" smtClean="0">
+                <a:latin typeface="Aparajita" pitchFamily="34" charset="0"/>
+                <a:cs typeface="Aparajita" pitchFamily="34" charset="0"/>
+              </a:rPr>
+              <a:t>Advantages of TestNG</a:t>
+            </a:r>
+          </a:p>
+          <a:p>
+            <a:pPr marL="571500" indent="-571500">
               <a:buClr>
                 <a:srgbClr val="00B0F0"/>
               </a:buClr>
@@ -5130,15 +5484,15 @@
               <a:buAutoNum type="romanLcPeriod"/>
             </a:pPr>
             <a:r>
-              <a:rPr lang="en-US" sz="2200" dirty="0" smtClean="0">
-                <a:latin typeface="Aparajita" pitchFamily="34" charset="0"/>
-                <a:cs typeface="Aparajita" pitchFamily="34" charset="0"/>
-              </a:rPr>
-              <a:t>Listener is important feature in TestNG which used to customize logs. And report of TestNG</a:t>
-            </a:r>
-          </a:p>
-          <a:p>
-            <a:pPr marL="857250" indent="-857250">
+              <a:rPr lang="en-US" sz="2800" dirty="0" smtClean="0">
+                <a:latin typeface="Aparajita" pitchFamily="34" charset="0"/>
+                <a:cs typeface="Aparajita" pitchFamily="34" charset="0"/>
+              </a:rPr>
+              <a:t>Default Reporting</a:t>
+            </a:r>
+          </a:p>
+          <a:p>
+            <a:pPr marL="571500" indent="-571500">
               <a:buClr>
                 <a:srgbClr val="00B0F0"/>
               </a:buClr>
@@ -5146,13 +5500,131 @@
               <a:buAutoNum type="romanLcPeriod"/>
             </a:pPr>
             <a:r>
-              <a:rPr lang="en-US" sz="2200" dirty="0" smtClean="0">
-                <a:latin typeface="Aparajita" pitchFamily="34" charset="0"/>
-                <a:cs typeface="Aparajita" pitchFamily="34" charset="0"/>
-              </a:rPr>
-              <a:t>As the name says it listen to certain event and act accordingly</a:t>
-            </a:r>
-            <a:endParaRPr lang="en-US" sz="2200" dirty="0" smtClean="0">
+              <a:rPr lang="en-US" sz="2800" dirty="0" smtClean="0">
+                <a:latin typeface="Aparajita" pitchFamily="34" charset="0"/>
+                <a:cs typeface="Aparajita" pitchFamily="34" charset="0"/>
+              </a:rPr>
+              <a:t>Supports of Listeners </a:t>
+            </a:r>
+          </a:p>
+          <a:p>
+            <a:pPr marL="571500" indent="-571500">
+              <a:buClr>
+                <a:srgbClr val="00B0F0"/>
+              </a:buClr>
+              <a:buFont typeface="+mj-lt"/>
+              <a:buAutoNum type="romanLcPeriod"/>
+            </a:pPr>
+            <a:r>
+              <a:rPr lang="en-US" sz="2800" dirty="0" smtClean="0">
+                <a:latin typeface="Aparajita" pitchFamily="34" charset="0"/>
+                <a:cs typeface="Aparajita" pitchFamily="34" charset="0"/>
+              </a:rPr>
+              <a:t>Supports of Advanced Annotations</a:t>
+            </a:r>
+          </a:p>
+          <a:p>
+            <a:pPr marL="571500" indent="-571500">
+              <a:buClr>
+                <a:srgbClr val="00B0F0"/>
+              </a:buClr>
+              <a:buFont typeface="+mj-lt"/>
+              <a:buAutoNum type="romanLcPeriod"/>
+            </a:pPr>
+            <a:r>
+              <a:rPr lang="en-US" sz="2800" dirty="0" smtClean="0">
+                <a:latin typeface="Aparajita" pitchFamily="34" charset="0"/>
+                <a:cs typeface="Aparajita" pitchFamily="34" charset="0"/>
+              </a:rPr>
+              <a:t>Easy and flexible test Configurations</a:t>
+            </a:r>
+          </a:p>
+          <a:p>
+            <a:pPr marL="571500" indent="-571500">
+              <a:buClr>
+                <a:srgbClr val="00B0F0"/>
+              </a:buClr>
+              <a:buFont typeface="+mj-lt"/>
+              <a:buAutoNum type="romanLcPeriod"/>
+            </a:pPr>
+            <a:r>
+              <a:rPr lang="en-US" sz="2800" dirty="0" smtClean="0">
+                <a:latin typeface="Aparajita" pitchFamily="34" charset="0"/>
+                <a:cs typeface="Aparajita" pitchFamily="34" charset="0"/>
+              </a:rPr>
+              <a:t>Supports for data driven testing(with @data provider)</a:t>
+            </a:r>
+          </a:p>
+          <a:p>
+            <a:pPr marL="571500" indent="-571500">
+              <a:buClr>
+                <a:srgbClr val="00B0F0"/>
+              </a:buClr>
+              <a:buFont typeface="+mj-lt"/>
+              <a:buAutoNum type="romanLcPeriod"/>
+            </a:pPr>
+            <a:r>
+              <a:rPr lang="en-US" sz="2800" dirty="0" smtClean="0">
+                <a:latin typeface="Aparajita" pitchFamily="34" charset="0"/>
+                <a:cs typeface="Aparajita" pitchFamily="34" charset="0"/>
+              </a:rPr>
+              <a:t>Supports of parameter</a:t>
+            </a:r>
+          </a:p>
+          <a:p>
+            <a:pPr marL="571500" indent="-571500">
+              <a:buClr>
+                <a:srgbClr val="00B0F0"/>
+              </a:buClr>
+              <a:buFont typeface="+mj-lt"/>
+              <a:buAutoNum type="romanLcPeriod"/>
+            </a:pPr>
+            <a:r>
+              <a:rPr lang="en-US" sz="2800" dirty="0" smtClean="0">
+                <a:latin typeface="Aparajita" pitchFamily="34" charset="0"/>
+                <a:cs typeface="Aparajita" pitchFamily="34" charset="0"/>
+              </a:rPr>
+              <a:t>Easy way to execute Test Suite</a:t>
+            </a:r>
+          </a:p>
+          <a:p>
+            <a:pPr marL="571500" indent="-571500">
+              <a:buClr>
+                <a:srgbClr val="00B0F0"/>
+              </a:buClr>
+              <a:buFont typeface="+mj-lt"/>
+              <a:buAutoNum type="romanLcPeriod"/>
+            </a:pPr>
+            <a:r>
+              <a:rPr lang="en-US" sz="2800" dirty="0" smtClean="0">
+                <a:latin typeface="Aparajita" pitchFamily="34" charset="0"/>
+                <a:cs typeface="Aparajita" pitchFamily="34" charset="0"/>
+              </a:rPr>
+              <a:t>Supports Parallel  execution</a:t>
+            </a:r>
+          </a:p>
+          <a:p>
+            <a:pPr marL="571500" indent="-571500">
+              <a:buClr>
+                <a:srgbClr val="00B0F0"/>
+              </a:buClr>
+              <a:buFont typeface="+mj-lt"/>
+              <a:buAutoNum type="romanLcPeriod"/>
+            </a:pPr>
+            <a:r>
+              <a:rPr lang="en-US" sz="2800" dirty="0" smtClean="0">
+                <a:latin typeface="Aparajita" pitchFamily="34" charset="0"/>
+                <a:cs typeface="Aparajita" pitchFamily="34" charset="0"/>
+              </a:rPr>
+              <a:t>Grouping and Dependencies feature and many more. </a:t>
+            </a:r>
+          </a:p>
+          <a:p>
+            <a:pPr marL="857250" indent="-857250">
+              <a:buFont typeface="+mj-lt"/>
+              <a:buAutoNum type="romanLcPeriod"/>
+            </a:pPr>
+            <a:endParaRPr lang="en-US" sz="2800" dirty="0" smtClean="0">
               <a:solidFill>
                 <a:schemeClr val="accent6">
                   <a:lumMod val="50000"/>
@@ -5163,272 +5635,6 @@
             </a:endParaRPr>
           </a:p>
           <a:p>
-            <a:pPr marL="342900" indent="-342900">
-              <a:buClr>
-                <a:srgbClr val="00B0F0"/>
-              </a:buClr>
-              <a:buFont typeface="Wingdings" pitchFamily="2" charset="2"/>
-              <a:buChar char="Ø"/>
-            </a:pPr>
-            <a:r>
-              <a:rPr lang="en-US" sz="2200" dirty="0" smtClean="0">
-                <a:solidFill>
-                  <a:schemeClr val="accent6">
-                    <a:lumMod val="50000"/>
-                  </a:schemeClr>
-                </a:solidFill>
-                <a:latin typeface="Aparajita" pitchFamily="34" charset="0"/>
-                <a:cs typeface="Aparajita" pitchFamily="34" charset="0"/>
-              </a:rPr>
-              <a:t>  </a:t>
-            </a:r>
-            <a:r>
-              <a:rPr lang="en-US" sz="2200" b="1" i="1" dirty="0" smtClean="0">
-                <a:solidFill>
-                  <a:schemeClr val="accent5">
-                    <a:lumMod val="50000"/>
-                  </a:schemeClr>
-                </a:solidFill>
-                <a:latin typeface="Aparajita" pitchFamily="34" charset="0"/>
-                <a:cs typeface="Aparajita" pitchFamily="34" charset="0"/>
-              </a:rPr>
-              <a:t>Type of Listeners</a:t>
-            </a:r>
-          </a:p>
-          <a:p>
-            <a:pPr marL="571500" indent="-571500" algn="just">
-              <a:buClr>
-                <a:srgbClr val="00B0F0"/>
-              </a:buClr>
-              <a:buFont typeface="+mj-lt"/>
-              <a:buAutoNum type="romanLcPeriod"/>
-            </a:pPr>
-            <a:r>
-              <a:rPr lang="en-US" sz="2200" dirty="0" smtClean="0">
-                <a:latin typeface="Aparajita" pitchFamily="34" charset="0"/>
-                <a:cs typeface="Aparajita" pitchFamily="34" charset="0"/>
-              </a:rPr>
-              <a:t>IAnnotation Transformer</a:t>
-            </a:r>
-          </a:p>
-          <a:p>
-            <a:pPr marL="571500" indent="-571500" algn="just">
-              <a:buClr>
-                <a:srgbClr val="00B0F0"/>
-              </a:buClr>
-              <a:buFont typeface="+mj-lt"/>
-              <a:buAutoNum type="romanLcPeriod"/>
-            </a:pPr>
-            <a:r>
-              <a:rPr lang="en-US" sz="2200" dirty="0" smtClean="0">
-                <a:latin typeface="Aparajita" pitchFamily="34" charset="0"/>
-                <a:cs typeface="Aparajita" pitchFamily="34" charset="0"/>
-              </a:rPr>
-              <a:t>IHookable</a:t>
-            </a:r>
-          </a:p>
-          <a:p>
-            <a:pPr marL="571500" indent="-571500" algn="just">
-              <a:buClr>
-                <a:srgbClr val="00B0F0"/>
-              </a:buClr>
-              <a:buFont typeface="+mj-lt"/>
-              <a:buAutoNum type="romanLcPeriod"/>
-            </a:pPr>
-            <a:r>
-              <a:rPr lang="en-US" sz="2200" dirty="0" smtClean="0">
-                <a:latin typeface="Aparajita" pitchFamily="34" charset="0"/>
-                <a:cs typeface="Aparajita" pitchFamily="34" charset="0"/>
-              </a:rPr>
-              <a:t>IInvokedMethod Listner</a:t>
-            </a:r>
-          </a:p>
-          <a:p>
-            <a:pPr marL="571500" indent="-571500" algn="just">
-              <a:buClr>
-                <a:srgbClr val="00B0F0"/>
-              </a:buClr>
-              <a:buFont typeface="+mj-lt"/>
-              <a:buAutoNum type="romanLcPeriod"/>
-            </a:pPr>
-            <a:r>
-              <a:rPr lang="en-US" sz="2200" dirty="0" smtClean="0">
-                <a:latin typeface="Aparajita" pitchFamily="34" charset="0"/>
-                <a:cs typeface="Aparajita" pitchFamily="34" charset="0"/>
-              </a:rPr>
-              <a:t>IMethodInterceptor</a:t>
-            </a:r>
-          </a:p>
-          <a:p>
-            <a:pPr marL="571500" indent="-571500" algn="just">
-              <a:buClr>
-                <a:srgbClr val="00B0F0"/>
-              </a:buClr>
-              <a:buFont typeface="+mj-lt"/>
-              <a:buAutoNum type="romanLcPeriod"/>
-            </a:pPr>
-            <a:r>
-              <a:rPr lang="en-US" sz="2200" dirty="0" smtClean="0">
-                <a:latin typeface="Aparajita" pitchFamily="34" charset="0"/>
-                <a:cs typeface="Aparajita" pitchFamily="34" charset="0"/>
-              </a:rPr>
-              <a:t>IReporter</a:t>
-            </a:r>
-          </a:p>
-          <a:p>
-            <a:pPr marL="571500" indent="-571500">
-              <a:buClr>
-                <a:srgbClr val="00B0F0"/>
-              </a:buClr>
-              <a:buFont typeface="+mj-lt"/>
-              <a:buAutoNum type="romanLcPeriod"/>
-            </a:pPr>
-            <a:r>
-              <a:rPr lang="en-US" sz="2200" b="1" dirty="0" err="1" smtClean="0">
-                <a:latin typeface="Aparajita" pitchFamily="34" charset="0"/>
-                <a:cs typeface="Aparajita" pitchFamily="34" charset="0"/>
-              </a:rPr>
-              <a:t>ITestListener</a:t>
-            </a:r>
-            <a:endParaRPr lang="en-US" sz="2200" b="1" dirty="0" smtClean="0">
-              <a:latin typeface="Aparajita" pitchFamily="34" charset="0"/>
-              <a:cs typeface="Aparajita" pitchFamily="34" charset="0"/>
-            </a:endParaRPr>
-          </a:p>
-          <a:p>
-            <a:pPr marL="342900" indent="-342900">
-              <a:buClr>
-                <a:srgbClr val="00B0F0"/>
-              </a:buClr>
-              <a:buFont typeface="Wingdings" pitchFamily="2" charset="2"/>
-              <a:buChar char="v"/>
-            </a:pPr>
-            <a:r>
-              <a:rPr lang="en-US" sz="2200" b="1" dirty="0" smtClean="0">
-                <a:latin typeface="Aparajita" pitchFamily="34" charset="0"/>
-                <a:cs typeface="Aparajita" pitchFamily="34" charset="0"/>
-              </a:rPr>
-              <a:t>Way To Implement Listner</a:t>
-            </a:r>
-          </a:p>
-          <a:p>
-            <a:pPr marL="571500" indent="-571500">
-              <a:buClr>
-                <a:srgbClr val="00B0F0"/>
-              </a:buClr>
-              <a:buFont typeface="+mj-lt"/>
-              <a:buAutoNum type="romanLcPeriod"/>
-            </a:pPr>
-            <a:r>
-              <a:rPr lang="en-US" sz="2200" dirty="0" smtClean="0">
-                <a:latin typeface="Aparajita" pitchFamily="34" charset="0"/>
-                <a:cs typeface="Aparajita" pitchFamily="34" charset="0"/>
-              </a:rPr>
-              <a:t>Class Level</a:t>
-            </a:r>
-          </a:p>
-          <a:p>
-            <a:pPr marL="571500" indent="-571500">
-              <a:buClr>
-                <a:srgbClr val="00B0F0"/>
-              </a:buClr>
-              <a:buFont typeface="+mj-lt"/>
-              <a:buAutoNum type="romanLcPeriod"/>
-            </a:pPr>
-            <a:r>
-              <a:rPr lang="en-US" sz="2200" dirty="0" smtClean="0">
-                <a:latin typeface="Aparajita" pitchFamily="34" charset="0"/>
-                <a:cs typeface="Aparajita" pitchFamily="34" charset="0"/>
-              </a:rPr>
-              <a:t>Suite Level</a:t>
-            </a:r>
-            <a:endParaRPr lang="en-US" sz="2200" b="1" dirty="0" smtClean="0">
-              <a:latin typeface="Aparajita" pitchFamily="34" charset="0"/>
-              <a:cs typeface="Aparajita" pitchFamily="34" charset="0"/>
-            </a:endParaRPr>
-          </a:p>
-          <a:p>
-            <a:r>
-              <a:rPr lang="en-US" sz="2400" b="1" dirty="0" smtClean="0">
-                <a:latin typeface="Aparajita" pitchFamily="34" charset="0"/>
-                <a:cs typeface="Aparajita" pitchFamily="34" charset="0"/>
-              </a:rPr>
-              <a:t>Source:-</a:t>
-            </a:r>
-            <a:r>
-              <a:rPr lang="en-US" sz="2800" i="1" dirty="0" smtClean="0">
-                <a:solidFill>
-                  <a:schemeClr val="tx2">
-                    <a:lumMod val="75000"/>
-                  </a:schemeClr>
-                </a:solidFill>
-                <a:latin typeface="Aparajita" pitchFamily="34" charset="0"/>
-                <a:cs typeface="Aparajita" pitchFamily="34" charset="0"/>
-              </a:rPr>
-              <a:t>http://testng.org</a:t>
-            </a:r>
-          </a:p>
-          <a:p>
-            <a:endParaRPr lang="en-US" sz="2800" i="1" dirty="0">
-              <a:solidFill>
-                <a:schemeClr val="tx2">
-                  <a:lumMod val="75000"/>
-                </a:schemeClr>
-              </a:solidFill>
-              <a:latin typeface="Aparajita" pitchFamily="34" charset="0"/>
-              <a:cs typeface="Aparajita" pitchFamily="34" charset="0"/>
-            </a:endParaRPr>
-          </a:p>
-          <a:p>
-            <a:endParaRPr lang="en-US" sz="2800" i="1" dirty="0" smtClean="0">
-              <a:solidFill>
-                <a:schemeClr val="tx2">
-                  <a:lumMod val="75000"/>
-                </a:schemeClr>
-              </a:solidFill>
-              <a:latin typeface="Aparajita" pitchFamily="34" charset="0"/>
-              <a:cs typeface="Aparajita" pitchFamily="34" charset="0"/>
-            </a:endParaRPr>
-          </a:p>
-          <a:p>
-            <a:endParaRPr lang="en-US" sz="2800" i="1" dirty="0" smtClean="0">
-              <a:solidFill>
-                <a:schemeClr val="tx2">
-                  <a:lumMod val="75000"/>
-                </a:schemeClr>
-              </a:solidFill>
-              <a:latin typeface="Aparajita" pitchFamily="34" charset="0"/>
-              <a:cs typeface="Aparajita" pitchFamily="34" charset="0"/>
-            </a:endParaRPr>
-          </a:p>
-          <a:p>
-            <a:endParaRPr lang="en-US" sz="2600" dirty="0">
-              <a:solidFill>
-                <a:schemeClr val="tx2">
-                  <a:lumMod val="75000"/>
-                </a:schemeClr>
-              </a:solidFill>
-            </a:endParaRPr>
-          </a:p>
-          <a:p>
-            <a:endParaRPr lang="en-US" sz="2600" dirty="0">
-              <a:solidFill>
-                <a:schemeClr val="tx2">
-                  <a:lumMod val="75000"/>
-                </a:schemeClr>
-              </a:solidFill>
-            </a:endParaRPr>
-          </a:p>
-          <a:p>
-            <a:endParaRPr lang="en-US" sz="3600" dirty="0" smtClean="0">
-              <a:solidFill>
-                <a:schemeClr val="accent6">
-                  <a:lumMod val="50000"/>
-                </a:schemeClr>
-              </a:solidFill>
-            </a:endParaRPr>
-          </a:p>
-          <a:p>
             <a:pPr marL="571500" indent="-571500">
               <a:buFont typeface="Arial" pitchFamily="34" charset="0"/>
               <a:buChar char="•"/>
@@ -5446,7 +5652,7 @@
     </p:spTree>
     <p:extLst>
       <p:ext uri="{BB962C8B-B14F-4D97-AF65-F5344CB8AC3E}">
-        <p14:creationId xmlns:p14="http://schemas.microsoft.com/office/powerpoint/2010/main" val="3550431653"/>
+        <p14:creationId xmlns:p14="http://schemas.microsoft.com/office/powerpoint/2010/main" val="2971481840"/>
       </p:ext>
     </p:extLst>
   </p:cSld>
@@ -5568,15 +5774,6 @@
               </a:rPr>
               <a:t>TestNG Annotations</a:t>
             </a:r>
-            <a:endParaRPr lang="en-US" sz="2200" b="1" i="1" dirty="0" smtClean="0">
-              <a:solidFill>
-                <a:schemeClr val="accent4">
-                  <a:lumMod val="75000"/>
-                </a:schemeClr>
-              </a:solidFill>
-              <a:latin typeface="Aparajita" pitchFamily="34" charset="0"/>
-              <a:cs typeface="Aparajita" pitchFamily="34" charset="0"/>
-            </a:endParaRPr>
           </a:p>
           <a:p>
             <a:pPr marL="514350" indent="-514350">
@@ -5867,10 +6064,6 @@
               </a:rPr>
               <a:t>: The annotated method is a part of a test case</a:t>
             </a:r>
-            <a:endParaRPr lang="en-US" sz="2300" dirty="0">
-              <a:latin typeface="Aparajita" pitchFamily="34" charset="0"/>
-              <a:cs typeface="Aparajita" pitchFamily="34" charset="0"/>
-            </a:endParaRPr>
           </a:p>
           <a:p>
             <a:pPr marL="514350" indent="-514350">
@@ -5923,14 +6116,7 @@
                 <a:latin typeface="Aparajita" pitchFamily="34" charset="0"/>
                 <a:cs typeface="Aparajita" pitchFamily="34" charset="0"/>
               </a:rPr>
-              <a:t>Source</a:t>
-            </a:r>
-            <a:r>
-              <a:rPr lang="en-US" sz="2400" b="1" dirty="0" smtClean="0">
-                <a:latin typeface="Aparajita" pitchFamily="34" charset="0"/>
-                <a:cs typeface="Aparajita" pitchFamily="34" charset="0"/>
-              </a:rPr>
-              <a:t>:-</a:t>
+              <a:t>Source:-</a:t>
             </a:r>
             <a:r>
               <a:rPr lang="en-US" sz="2800" i="1" dirty="0" smtClean="0">
@@ -6501,39 +6687,283 @@
 </p:sld>
 </file>
 
+<file path=ppt/slides/slide9.xml><?xml version="1.0" encoding="utf-8"?>
+<p:sld xmlns:a="http://schemas.openxmlformats.org/drawingml/2006/main" xmlns:r="http://schemas.openxmlformats.org/officeDocument/2006/relationships" xmlns:p="http://schemas.openxmlformats.org/presentationml/2006/main" showMasterSp="0">
+  <p:cSld>
+    <p:spTree>
+      <p:nvGrpSpPr>
+        <p:cNvPr id="1" name=""/>
+        <p:cNvGrpSpPr/>
+        <p:nvPr/>
+      </p:nvGrpSpPr>
+      <p:grpSpPr>
+        <a:xfrm>
+          <a:off x="0" y="0"/>
+          <a:ext cx="0" cy="0"/>
+          <a:chOff x="0" y="0"/>
+          <a:chExt cx="0" cy="0"/>
+        </a:xfrm>
+      </p:grpSpPr>
+      <p:sp>
+        <p:nvSpPr>
+          <p:cNvPr id="2" name="Title 1"/>
+          <p:cNvSpPr>
+            <a:spLocks noGrp="1"/>
+          </p:cNvSpPr>
+          <p:nvPr>
+            <p:ph type="ctrTitle"/>
+          </p:nvPr>
+        </p:nvSpPr>
+        <p:spPr>
+          <a:xfrm>
+            <a:off x="685800" y="76201"/>
+            <a:ext cx="7543800" cy="914400"/>
+          </a:xfrm>
+        </p:spPr>
+        <p:txBody>
+          <a:bodyPr/>
+          <a:lstStyle/>
+          <a:p>
+            <a:pPr algn="ctr"/>
+            <a:r>
+              <a:rPr lang="en-US" sz="4800" i="1" dirty="0" smtClean="0">
+                <a:solidFill>
+                  <a:schemeClr val="tx1">
+                    <a:lumMod val="75000"/>
+                    <a:lumOff val="25000"/>
+                  </a:schemeClr>
+                </a:solidFill>
+                <a:latin typeface="Aparajita" pitchFamily="34" charset="0"/>
+                <a:cs typeface="Aparajita" pitchFamily="34" charset="0"/>
+              </a:rPr>
+              <a:t>Extent Report</a:t>
+            </a:r>
+            <a:endParaRPr lang="en-US" sz="4800" i="1" dirty="0">
+              <a:solidFill>
+                <a:schemeClr val="tx1">
+                  <a:lumMod val="75000"/>
+                  <a:lumOff val="25000"/>
+                </a:schemeClr>
+              </a:solidFill>
+              <a:latin typeface="Aparajita" pitchFamily="34" charset="0"/>
+              <a:cs typeface="Aparajita" pitchFamily="34" charset="0"/>
+            </a:endParaRPr>
+          </a:p>
+        </p:txBody>
+      </p:sp>
+      <p:sp>
+        <p:nvSpPr>
+          <p:cNvPr id="3" name="Subtitle 2"/>
+          <p:cNvSpPr>
+            <a:spLocks noGrp="1"/>
+          </p:cNvSpPr>
+          <p:nvPr>
+            <p:ph type="subTitle" idx="1"/>
+          </p:nvPr>
+        </p:nvSpPr>
+        <p:spPr>
+          <a:xfrm>
+            <a:off x="0" y="914400"/>
+            <a:ext cx="9144000" cy="5715000"/>
+          </a:xfrm>
+        </p:spPr>
+        <p:txBody>
+          <a:bodyPr>
+            <a:normAutofit/>
+          </a:bodyPr>
+          <a:lstStyle/>
+          <a:p>
+            <a:pPr marL="571500" indent="-571500">
+              <a:buClr>
+                <a:srgbClr val="00B0F0"/>
+              </a:buClr>
+              <a:buFont typeface="Wingdings" pitchFamily="2" charset="2"/>
+              <a:buChar char="Ø"/>
+            </a:pPr>
+            <a:r>
+              <a:rPr lang="en-US" sz="2800" b="1" i="1" dirty="0" smtClean="0">
+                <a:latin typeface="Aparajita" pitchFamily="34" charset="0"/>
+                <a:cs typeface="Aparajita" pitchFamily="34" charset="0"/>
+              </a:rPr>
+              <a:t>What is Extent Report</a:t>
+            </a:r>
+          </a:p>
+          <a:p>
+            <a:pPr marL="571500" indent="-571500">
+              <a:buClr>
+                <a:srgbClr val="00B0F0"/>
+              </a:buClr>
+              <a:buFont typeface="+mj-lt"/>
+              <a:buAutoNum type="romanLcPeriod"/>
+            </a:pPr>
+            <a:r>
+              <a:rPr lang="en-US" sz="2000" i="1" dirty="0">
+                <a:latin typeface="Aparajita" pitchFamily="34" charset="0"/>
+                <a:cs typeface="Aparajita" pitchFamily="34" charset="0"/>
+              </a:rPr>
+              <a:t>Extent Report is a HTML reporting library for Selenium</a:t>
+            </a:r>
+            <a:r>
+              <a:rPr lang="en-US" sz="2000" dirty="0" smtClean="0">
+                <a:latin typeface="Aparajita" pitchFamily="34" charset="0"/>
+                <a:cs typeface="Aparajita" pitchFamily="34" charset="0"/>
+              </a:rPr>
+              <a:t>.</a:t>
+            </a:r>
+          </a:p>
+          <a:p>
+            <a:pPr marL="571500" indent="-571500">
+              <a:buClr>
+                <a:srgbClr val="00B0F0"/>
+              </a:buClr>
+              <a:buFont typeface="+mj-lt"/>
+              <a:buAutoNum type="romanLcPeriod"/>
+            </a:pPr>
+            <a:r>
+              <a:rPr lang="en-US" sz="2000" i="1" dirty="0">
+                <a:latin typeface="Aparajita" pitchFamily="34" charset="0"/>
+                <a:cs typeface="Aparajita" pitchFamily="34" charset="0"/>
+              </a:rPr>
+              <a:t>We can use this tool within our TestNG  and BDD automation framework</a:t>
+            </a:r>
+            <a:r>
+              <a:rPr lang="en-US" sz="2000" i="1" dirty="0" smtClean="0">
+                <a:latin typeface="Aparajita" pitchFamily="34" charset="0"/>
+                <a:cs typeface="Aparajita" pitchFamily="34" charset="0"/>
+              </a:rPr>
+              <a:t>.</a:t>
+            </a:r>
+          </a:p>
+          <a:p>
+            <a:pPr marL="571500" indent="-571500">
+              <a:buClr>
+                <a:srgbClr val="00B0F0"/>
+              </a:buClr>
+              <a:buFont typeface="+mj-lt"/>
+              <a:buAutoNum type="romanLcPeriod"/>
+            </a:pPr>
+            <a:r>
+              <a:rPr lang="en-US" sz="2000" i="1" dirty="0">
+                <a:latin typeface="Aparajita" pitchFamily="34" charset="0"/>
+                <a:cs typeface="Aparajita" pitchFamily="34" charset="0"/>
+              </a:rPr>
+              <a:t>Download Extent report library from </a:t>
+            </a:r>
+            <a:r>
+              <a:rPr lang="en-US" sz="2000" b="1" i="1" u="sng" dirty="0">
+                <a:solidFill>
+                  <a:srgbClr val="00B0F0"/>
+                </a:solidFill>
+                <a:latin typeface="Aparajita" pitchFamily="34" charset="0"/>
+                <a:cs typeface="Aparajita" pitchFamily="34" charset="0"/>
+              </a:rPr>
+              <a:t>http://</a:t>
+            </a:r>
+            <a:r>
+              <a:rPr lang="en-US" sz="2000" b="1" i="1" u="sng" dirty="0" smtClean="0">
+                <a:solidFill>
+                  <a:srgbClr val="00B0F0"/>
+                </a:solidFill>
+                <a:latin typeface="Aparajita" pitchFamily="34" charset="0"/>
+                <a:cs typeface="Aparajita" pitchFamily="34" charset="0"/>
+              </a:rPr>
+              <a:t>extentreports.com</a:t>
+            </a:r>
+            <a:r>
+              <a:rPr lang="en-US" sz="2000" i="1" dirty="0" smtClean="0">
+                <a:latin typeface="Aparajita" pitchFamily="34" charset="0"/>
+                <a:cs typeface="Aparajita" pitchFamily="34" charset="0"/>
+              </a:rPr>
+              <a:t>	</a:t>
+            </a:r>
+            <a:endParaRPr lang="en-US" sz="2000" dirty="0" smtClean="0">
+              <a:latin typeface="Aparajita" pitchFamily="34" charset="0"/>
+              <a:cs typeface="Aparajita" pitchFamily="34" charset="0"/>
+            </a:endParaRPr>
+          </a:p>
+          <a:p>
+            <a:pPr marL="857250" indent="-857250">
+              <a:buFont typeface="+mj-lt"/>
+              <a:buAutoNum type="romanLcPeriod"/>
+            </a:pPr>
+            <a:endParaRPr lang="en-US" sz="2800" dirty="0" smtClean="0">
+              <a:solidFill>
+                <a:schemeClr val="accent6">
+                  <a:lumMod val="50000"/>
+                </a:schemeClr>
+              </a:solidFill>
+              <a:latin typeface="Aparajita" pitchFamily="34" charset="0"/>
+              <a:cs typeface="Aparajita" pitchFamily="34" charset="0"/>
+            </a:endParaRPr>
+          </a:p>
+          <a:p>
+            <a:pPr marL="571500" indent="-571500">
+              <a:buFont typeface="Arial" pitchFamily="34" charset="0"/>
+              <a:buChar char="•"/>
+            </a:pPr>
+            <a:endParaRPr lang="en-US" sz="3600" dirty="0">
+              <a:solidFill>
+                <a:schemeClr val="accent6">
+                  <a:lumMod val="50000"/>
+                </a:schemeClr>
+              </a:solidFill>
+            </a:endParaRPr>
+          </a:p>
+        </p:txBody>
+      </p:sp>
+    </p:spTree>
+    <p:extLst>
+      <p:ext uri="{BB962C8B-B14F-4D97-AF65-F5344CB8AC3E}">
+        <p14:creationId xmlns:p14="http://schemas.microsoft.com/office/powerpoint/2010/main" val="371780410"/>
+      </p:ext>
+    </p:extLst>
+  </p:cSld>
+  <p:clrMapOvr>
+    <a:masterClrMapping/>
+  </p:clrMapOvr>
+  <p:timing>
+    <p:tnLst>
+      <p:par>
+        <p:cTn id="1" dur="indefinite" restart="never" nodeType="tmRoot"/>
+      </p:par>
+    </p:tnLst>
+  </p:timing>
+</p:sld>
+</file>
+
 <file path=ppt/theme/theme1.xml><?xml version="1.0" encoding="utf-8"?>
 <a:theme xmlns:a="http://schemas.openxmlformats.org/drawingml/2006/main" name="Clarity">
   <a:themeElements>
-    <a:clrScheme name="Clarity">
+    <a:clrScheme name="Office">
       <a:dk1>
-        <a:srgbClr val="292934"/>
+        <a:sysClr val="windowText" lastClr="000000"/>
       </a:dk1>
       <a:lt1>
-        <a:srgbClr val="FFFFFF"/>
+        <a:sysClr val="window" lastClr="FFFFFF"/>
       </a:lt1>
       <a:dk2>
-        <a:srgbClr val="D2533C"/>
+        <a:srgbClr val="1F497D"/>
       </a:dk2>
       <a:lt2>
-        <a:srgbClr val="F3F2DC"/>
+        <a:srgbClr val="EEECE1"/>
       </a:lt2>
       <a:accent1>
-        <a:srgbClr val="93A299"/>
+        <a:srgbClr val="4F81BD"/>
       </a:accent1>
       <a:accent2>
-        <a:srgbClr val="AD8F67"/>
+        <a:srgbClr val="C0504D"/>
       </a:accent2>
       <a:accent3>
-        <a:srgbClr val="726056"/>
+        <a:srgbClr val="9BBB59"/>
       </a:accent3>
       <a:accent4>
-        <a:srgbClr val="4C5A6A"/>
+        <a:srgbClr val="8064A2"/>
       </a:accent4>
       <a:accent5>
-        <a:srgbClr val="808DA0"/>
+        <a:srgbClr val="4BACC6"/>
       </a:accent5>
       <a:accent6>
-        <a:srgbClr val="79463D"/>
+        <a:srgbClr val="F79646"/>
       </a:accent6>
       <a:hlink>
         <a:srgbClr val="0000FF"/>

--- a/Page Object Model.pptx
+++ b/Page Object Model.pptx
@@ -14,6 +14,7 @@
     <p:sldId id="263" r:id="rId8"/>
     <p:sldId id="264" r:id="rId9"/>
     <p:sldId id="259" r:id="rId10"/>
+    <p:sldId id="267" r:id="rId11"/>
   </p:sldIdLst>
   <p:sldSz cx="9144000" cy="6858000" type="screen4x3"/>
   <p:notesSz cx="6858000" cy="9144000"/>
@@ -3728,6 +3729,258 @@
 </p:sld>
 </file>
 
+<file path=ppt/slides/slide10.xml><?xml version="1.0" encoding="utf-8"?>
+<p:sld xmlns:a="http://schemas.openxmlformats.org/drawingml/2006/main" xmlns:r="http://schemas.openxmlformats.org/officeDocument/2006/relationships" xmlns:p="http://schemas.openxmlformats.org/presentationml/2006/main" showMasterSp="0">
+  <p:cSld>
+    <p:spTree>
+      <p:nvGrpSpPr>
+        <p:cNvPr id="1" name=""/>
+        <p:cNvGrpSpPr/>
+        <p:nvPr/>
+      </p:nvGrpSpPr>
+      <p:grpSpPr>
+        <a:xfrm>
+          <a:off x="0" y="0"/>
+          <a:ext cx="0" cy="0"/>
+          <a:chOff x="0" y="0"/>
+          <a:chExt cx="0" cy="0"/>
+        </a:xfrm>
+      </p:grpSpPr>
+      <p:sp>
+        <p:nvSpPr>
+          <p:cNvPr id="2" name="Title 1"/>
+          <p:cNvSpPr>
+            <a:spLocks noGrp="1"/>
+          </p:cNvSpPr>
+          <p:nvPr>
+            <p:ph type="ctrTitle"/>
+          </p:nvPr>
+        </p:nvSpPr>
+        <p:spPr>
+          <a:xfrm>
+            <a:off x="685800" y="76201"/>
+            <a:ext cx="7543800" cy="914400"/>
+          </a:xfrm>
+        </p:spPr>
+        <p:txBody>
+          <a:bodyPr/>
+          <a:lstStyle/>
+          <a:p>
+            <a:pPr algn="ctr"/>
+            <a:endParaRPr lang="en-US" sz="4800" i="1" dirty="0">
+              <a:solidFill>
+                <a:schemeClr val="tx1">
+                  <a:lumMod val="75000"/>
+                  <a:lumOff val="25000"/>
+                </a:schemeClr>
+              </a:solidFill>
+              <a:latin typeface="Aparajita" pitchFamily="34" charset="0"/>
+              <a:cs typeface="Aparajita" pitchFamily="34" charset="0"/>
+            </a:endParaRPr>
+          </a:p>
+        </p:txBody>
+      </p:sp>
+      <p:sp>
+        <p:nvSpPr>
+          <p:cNvPr id="3" name="Subtitle 2"/>
+          <p:cNvSpPr>
+            <a:spLocks noGrp="1"/>
+          </p:cNvSpPr>
+          <p:nvPr>
+            <p:ph type="subTitle" idx="1"/>
+          </p:nvPr>
+        </p:nvSpPr>
+        <p:spPr>
+          <a:xfrm>
+            <a:off x="0" y="914400"/>
+            <a:ext cx="9144000" cy="5715000"/>
+          </a:xfrm>
+        </p:spPr>
+        <p:txBody>
+          <a:bodyPr>
+            <a:normAutofit/>
+          </a:bodyPr>
+          <a:lstStyle/>
+          <a:p>
+            <a:pPr marL="571500" indent="-571500">
+              <a:buClr>
+                <a:srgbClr val="00B0F0"/>
+              </a:buClr>
+              <a:buFont typeface="Wingdings" pitchFamily="2" charset="2"/>
+              <a:buChar char="Ø"/>
+            </a:pPr>
+            <a:r>
+              <a:rPr lang="en-US" sz="2000" i="1" dirty="0" err="1" smtClean="0">
+                <a:latin typeface="Aparajita" pitchFamily="34" charset="0"/>
+                <a:cs typeface="Aparajita" pitchFamily="34" charset="0"/>
+              </a:rPr>
+              <a:t>Git</a:t>
+            </a:r>
+            <a:r>
+              <a:rPr lang="en-US" sz="2000" i="1" dirty="0" smtClean="0">
+                <a:latin typeface="Aparajita" pitchFamily="34" charset="0"/>
+                <a:cs typeface="Aparajita" pitchFamily="34" charset="0"/>
+              </a:rPr>
+              <a:t> </a:t>
+            </a:r>
+            <a:r>
+              <a:rPr lang="en-US" sz="2000" i="1" dirty="0">
+                <a:latin typeface="Aparajita" pitchFamily="34" charset="0"/>
+                <a:cs typeface="Aparajita" pitchFamily="34" charset="0"/>
+              </a:rPr>
+              <a:t>Hub Repository:-</a:t>
+            </a:r>
+            <a:r>
+              <a:rPr lang="en-US" sz="2000" i="1" u="sng" dirty="0">
+                <a:solidFill>
+                  <a:srgbClr val="0070C0"/>
+                </a:solidFill>
+                <a:latin typeface="Aparajita" pitchFamily="34" charset="0"/>
+                <a:cs typeface="Aparajita" pitchFamily="34" charset="0"/>
+              </a:rPr>
+              <a:t>https://</a:t>
+            </a:r>
+            <a:r>
+              <a:rPr lang="en-US" sz="2000" i="1" u="sng" dirty="0" smtClean="0">
+                <a:solidFill>
+                  <a:srgbClr val="0070C0"/>
+                </a:solidFill>
+                <a:latin typeface="Aparajita" pitchFamily="34" charset="0"/>
+                <a:cs typeface="Aparajita" pitchFamily="34" charset="0"/>
+              </a:rPr>
+              <a:t>github.com/ConceptByAmbadas</a:t>
+            </a:r>
+          </a:p>
+          <a:p>
+            <a:pPr marL="571500" indent="-571500">
+              <a:buClr>
+                <a:srgbClr val="00B0F0"/>
+              </a:buClr>
+              <a:buFont typeface="Wingdings" pitchFamily="2" charset="2"/>
+              <a:buChar char="Ø"/>
+            </a:pPr>
+            <a:r>
+              <a:rPr lang="en-US" sz="2000" i="1" dirty="0">
+                <a:latin typeface="Aparajita" pitchFamily="34" charset="0"/>
+                <a:cs typeface="Aparajita" pitchFamily="34" charset="0"/>
+              </a:rPr>
+              <a:t>Web Block:-</a:t>
+            </a:r>
+            <a:r>
+              <a:rPr lang="en-US" sz="2000" i="1" dirty="0">
+                <a:solidFill>
+                  <a:srgbClr val="0070C0"/>
+                </a:solidFill>
+                <a:latin typeface="Aparajita" pitchFamily="34" charset="0"/>
+                <a:cs typeface="Aparajita" pitchFamily="34" charset="0"/>
+              </a:rPr>
+              <a:t>http://</a:t>
+            </a:r>
+            <a:r>
+              <a:rPr lang="en-US" sz="2000" i="1" dirty="0" smtClean="0">
+                <a:solidFill>
+                  <a:srgbClr val="0070C0"/>
+                </a:solidFill>
+                <a:latin typeface="Aparajita" pitchFamily="34" charset="0"/>
+                <a:cs typeface="Aparajita" pitchFamily="34" charset="0"/>
+              </a:rPr>
+              <a:t>conceptbyambadas.blogspot.com/2017/05/selenium-extent-report.html</a:t>
+            </a:r>
+          </a:p>
+          <a:p>
+            <a:pPr marL="571500" indent="-571500">
+              <a:buClr>
+                <a:srgbClr val="00B0F0"/>
+              </a:buClr>
+              <a:buFont typeface="Wingdings" pitchFamily="2" charset="2"/>
+              <a:buChar char="Ø"/>
+            </a:pPr>
+            <a:r>
+              <a:rPr lang="en-US" sz="2000" i="1" dirty="0" smtClean="0">
+                <a:latin typeface="Aparajita" pitchFamily="34" charset="0"/>
+                <a:cs typeface="Aparajita" pitchFamily="34" charset="0"/>
+              </a:rPr>
+              <a:t>YouTube Channel </a:t>
+            </a:r>
+            <a:r>
+              <a:rPr lang="en-US" sz="2000" i="1" dirty="0" smtClean="0">
+                <a:solidFill>
+                  <a:schemeClr val="tx2"/>
+                </a:solidFill>
+                <a:latin typeface="Aparajita" pitchFamily="34" charset="0"/>
+                <a:cs typeface="Aparajita" pitchFamily="34" charset="0"/>
+              </a:rPr>
+              <a:t>:-</a:t>
+            </a:r>
+          </a:p>
+          <a:p>
+            <a:pPr>
+              <a:buClr>
+                <a:srgbClr val="00B0F0"/>
+              </a:buClr>
+            </a:pPr>
+            <a:r>
+              <a:rPr lang="en-US" sz="2000" i="1" dirty="0" smtClean="0">
+                <a:latin typeface="Aparajita" pitchFamily="34" charset="0"/>
+                <a:cs typeface="Aparajita" pitchFamily="34" charset="0"/>
+              </a:rPr>
+              <a:t>	</a:t>
+            </a:r>
+            <a:endParaRPr lang="en-US" sz="2000" dirty="0" smtClean="0">
+              <a:latin typeface="Aparajita" pitchFamily="34" charset="0"/>
+              <a:cs typeface="Aparajita" pitchFamily="34" charset="0"/>
+            </a:endParaRPr>
+          </a:p>
+          <a:p>
+            <a:pPr marL="857250" indent="-857250">
+              <a:buFont typeface="+mj-lt"/>
+              <a:buAutoNum type="romanLcPeriod"/>
+            </a:pPr>
+            <a:endParaRPr lang="en-US" sz="2800" dirty="0" smtClean="0">
+              <a:solidFill>
+                <a:schemeClr val="accent6">
+                  <a:lumMod val="50000"/>
+                </a:schemeClr>
+              </a:solidFill>
+              <a:latin typeface="Aparajita" pitchFamily="34" charset="0"/>
+              <a:cs typeface="Aparajita" pitchFamily="34" charset="0"/>
+            </a:endParaRPr>
+          </a:p>
+          <a:p>
+            <a:pPr marL="571500" indent="-571500">
+              <a:buFont typeface="Arial" pitchFamily="34" charset="0"/>
+              <a:buChar char="•"/>
+            </a:pPr>
+            <a:endParaRPr lang="en-US" sz="3600" dirty="0">
+              <a:solidFill>
+                <a:schemeClr val="accent6">
+                  <a:lumMod val="50000"/>
+                </a:schemeClr>
+              </a:solidFill>
+            </a:endParaRPr>
+          </a:p>
+        </p:txBody>
+      </p:sp>
+    </p:spTree>
+    <p:extLst>
+      <p:ext uri="{BB962C8B-B14F-4D97-AF65-F5344CB8AC3E}">
+        <p14:creationId xmlns:p14="http://schemas.microsoft.com/office/powerpoint/2010/main" val="1756669316"/>
+      </p:ext>
+    </p:extLst>
+  </p:cSld>
+  <p:clrMapOvr>
+    <a:masterClrMapping/>
+  </p:clrMapOvr>
+  <p:timing>
+    <p:tnLst>
+      <p:par>
+        <p:cTn id="1" dur="indefinite" restart="never" nodeType="tmRoot"/>
+      </p:par>
+    </p:tnLst>
+  </p:timing>
+</p:sld>
+</file>
+
 <file path=ppt/slides/slide2.xml><?xml version="1.0" encoding="utf-8"?>
 <p:sld xmlns:a="http://schemas.openxmlformats.org/drawingml/2006/main" xmlns:r="http://schemas.openxmlformats.org/officeDocument/2006/relationships" xmlns:p="http://schemas.openxmlformats.org/presentationml/2006/main" showMasterSp="0">
   <p:cSld>
@@ -4494,7 +4747,7 @@
           <a:p>
             <a:pPr algn="ctr"/>
             <a:r>
-              <a:rPr lang="en-US" smtClean="0"/>
+              <a:rPr lang="en-US" dirty="0" err="1" smtClean="0"/>
               <a:t>Pyment</a:t>
             </a:r>
             <a:endParaRPr lang="en-US" dirty="0"/>

--- a/Page Object Model.pptx
+++ b/Page Object Model.pptx
@@ -304,7 +304,7 @@
           <a:p>
             <a:fld id="{0ACE9716-E01B-4736-930C-3ABDFD8D78A9}" type="datetimeFigureOut">
               <a:rPr lang="en-US" smtClean="0"/>
-              <a:t>7/23/2017</a:t>
+              <a:t>7/26/2017</a:t>
             </a:fld>
             <a:endParaRPr lang="en-US"/>
           </a:p>
@@ -504,7 +504,7 @@
           <a:p>
             <a:fld id="{0ACE9716-E01B-4736-930C-3ABDFD8D78A9}" type="datetimeFigureOut">
               <a:rPr lang="en-US" smtClean="0"/>
-              <a:t>7/23/2017</a:t>
+              <a:t>7/26/2017</a:t>
             </a:fld>
             <a:endParaRPr lang="en-US"/>
           </a:p>
@@ -679,7 +679,7 @@
           <a:p>
             <a:fld id="{0ACE9716-E01B-4736-930C-3ABDFD8D78A9}" type="datetimeFigureOut">
               <a:rPr lang="en-US" smtClean="0"/>
-              <a:t>7/23/2017</a:t>
+              <a:t>7/26/2017</a:t>
             </a:fld>
             <a:endParaRPr lang="en-US"/>
           </a:p>
@@ -844,7 +844,7 @@
           <a:p>
             <a:fld id="{0ACE9716-E01B-4736-930C-3ABDFD8D78A9}" type="datetimeFigureOut">
               <a:rPr lang="en-US" smtClean="0"/>
-              <a:t>7/23/2017</a:t>
+              <a:t>7/26/2017</a:t>
             </a:fld>
             <a:endParaRPr lang="en-US"/>
           </a:p>
@@ -1092,7 +1092,7 @@
           <a:p>
             <a:fld id="{0ACE9716-E01B-4736-930C-3ABDFD8D78A9}" type="datetimeFigureOut">
               <a:rPr lang="en-US" smtClean="0"/>
-              <a:t>7/23/2017</a:t>
+              <a:t>7/26/2017</a:t>
             </a:fld>
             <a:endParaRPr lang="en-US"/>
           </a:p>
@@ -1410,7 +1410,7 @@
           <a:p>
             <a:fld id="{0ACE9716-E01B-4736-930C-3ABDFD8D78A9}" type="datetimeFigureOut">
               <a:rPr lang="en-US" smtClean="0"/>
-              <a:t>7/23/2017</a:t>
+              <a:t>7/26/2017</a:t>
             </a:fld>
             <a:endParaRPr lang="en-US"/>
           </a:p>
@@ -1876,7 +1876,7 @@
           <a:p>
             <a:fld id="{0ACE9716-E01B-4736-930C-3ABDFD8D78A9}" type="datetimeFigureOut">
               <a:rPr lang="en-US" smtClean="0"/>
-              <a:t>7/23/2017</a:t>
+              <a:t>7/26/2017</a:t>
             </a:fld>
             <a:endParaRPr lang="en-US"/>
           </a:p>
@@ -2024,7 +2024,7 @@
           <a:p>
             <a:fld id="{0ACE9716-E01B-4736-930C-3ABDFD8D78A9}" type="datetimeFigureOut">
               <a:rPr lang="en-US" smtClean="0"/>
-              <a:t>7/23/2017</a:t>
+              <a:t>7/26/2017</a:t>
             </a:fld>
             <a:endParaRPr lang="en-US"/>
           </a:p>
@@ -2114,7 +2114,7 @@
           <a:p>
             <a:fld id="{0ACE9716-E01B-4736-930C-3ABDFD8D78A9}" type="datetimeFigureOut">
               <a:rPr lang="en-US" smtClean="0"/>
-              <a:t>7/23/2017</a:t>
+              <a:t>7/26/2017</a:t>
             </a:fld>
             <a:endParaRPr lang="en-US"/>
           </a:p>
@@ -2388,7 +2388,7 @@
           <a:p>
             <a:fld id="{0ACE9716-E01B-4736-930C-3ABDFD8D78A9}" type="datetimeFigureOut">
               <a:rPr lang="en-US" smtClean="0"/>
-              <a:t>7/23/2017</a:t>
+              <a:t>7/26/2017</a:t>
             </a:fld>
             <a:endParaRPr lang="en-US"/>
           </a:p>
@@ -2693,7 +2693,7 @@
           <a:p>
             <a:fld id="{0ACE9716-E01B-4736-930C-3ABDFD8D78A9}" type="datetimeFigureOut">
               <a:rPr lang="en-US" smtClean="0"/>
-              <a:t>7/23/2017</a:t>
+              <a:t>7/26/2017</a:t>
             </a:fld>
             <a:endParaRPr lang="en-US"/>
           </a:p>
@@ -2991,7 +2991,7 @@
           <a:p>
             <a:fld id="{0ACE9716-E01B-4736-930C-3ABDFD8D78A9}" type="datetimeFigureOut">
               <a:rPr lang="en-US" smtClean="0"/>
-              <a:t>7/23/2017</a:t>
+              <a:t>7/26/2017</a:t>
             </a:fld>
             <a:endParaRPr lang="en-US"/>
           </a:p>
@@ -3900,18 +3900,32 @@
                 <a:latin typeface="Aparajita" pitchFamily="34" charset="0"/>
                 <a:cs typeface="Aparajita" pitchFamily="34" charset="0"/>
               </a:rPr>
-              <a:t>YouTube Channel </a:t>
-            </a:r>
-            <a:r>
-              <a:rPr lang="en-US" sz="2000" i="1" dirty="0" smtClean="0">
+              <a:t>YouTube </a:t>
+            </a:r>
+            <a:r>
+              <a:rPr lang="en-US" sz="2000" i="1" smtClean="0">
+                <a:latin typeface="Aparajita" pitchFamily="34" charset="0"/>
+                <a:cs typeface="Aparajita" pitchFamily="34" charset="0"/>
+              </a:rPr>
+              <a:t>Channel </a:t>
+            </a:r>
+            <a:r>
+              <a:rPr lang="en-US" sz="2000" i="1">
                 <a:solidFill>
                   <a:schemeClr val="tx2"/>
                 </a:solidFill>
                 <a:latin typeface="Aparajita" pitchFamily="34" charset="0"/>
                 <a:cs typeface="Aparajita" pitchFamily="34" charset="0"/>
               </a:rPr>
-              <a:t>:-</a:t>
-            </a:r>
+              <a:t>:-https://www.youtube.com/channel/UC2UV6Nwn_rfIk1YjFxOsglg</a:t>
+            </a:r>
+            <a:endParaRPr lang="en-US" sz="2000" i="1" dirty="0" smtClean="0">
+              <a:solidFill>
+                <a:schemeClr val="tx2"/>
+              </a:solidFill>
+              <a:latin typeface="Aparajita" pitchFamily="34" charset="0"/>
+              <a:cs typeface="Aparajita" pitchFamily="34" charset="0"/>
+            </a:endParaRPr>
           </a:p>
           <a:p>
             <a:pPr>

--- a/Page Object Model.pptx
+++ b/Page Object Model.pptx
@@ -3448,7 +3448,7 @@
         <p:spPr>
           <a:xfrm>
             <a:off x="0" y="1219200"/>
-            <a:ext cx="8305800" cy="5410200"/>
+            <a:ext cx="9372600" cy="5410200"/>
           </a:xfrm>
         </p:spPr>
         <p:txBody>
@@ -3657,14 +3657,7 @@
                 <a:latin typeface="Aparajita" pitchFamily="34" charset="0"/>
                 <a:cs typeface="Aparajita" pitchFamily="34" charset="0"/>
               </a:rPr>
-              <a:t>Implementation of </a:t>
-            </a:r>
-            <a:r>
-              <a:rPr lang="en-US" smtClean="0">
-                <a:latin typeface="Aparajita" pitchFamily="34" charset="0"/>
-                <a:cs typeface="Aparajita" pitchFamily="34" charset="0"/>
-              </a:rPr>
-              <a:t>Extent Report</a:t>
+              <a:t>Implementation of Extent Report</a:t>
             </a:r>
             <a:endParaRPr lang="en-US" dirty="0">
               <a:latin typeface="Aparajita" pitchFamily="34" charset="0"/>
@@ -3900,17 +3893,10 @@
                 <a:latin typeface="Aparajita" pitchFamily="34" charset="0"/>
                 <a:cs typeface="Aparajita" pitchFamily="34" charset="0"/>
               </a:rPr>
-              <a:t>YouTube </a:t>
-            </a:r>
-            <a:r>
-              <a:rPr lang="en-US" sz="2000" i="1" smtClean="0">
-                <a:latin typeface="Aparajita" pitchFamily="34" charset="0"/>
-                <a:cs typeface="Aparajita" pitchFamily="34" charset="0"/>
-              </a:rPr>
-              <a:t>Channel </a:t>
-            </a:r>
-            <a:r>
-              <a:rPr lang="en-US" sz="2000" i="1">
+              <a:t>YouTube Channel </a:t>
+            </a:r>
+            <a:r>
+              <a:rPr lang="en-US" sz="2000" i="1" dirty="0">
                 <a:solidFill>
                   <a:schemeClr val="tx2"/>
                 </a:solidFill>
